--- a/Code Dojo - GitHub copilot.pptx
+++ b/Code Dojo - GitHub copilot.pptx
@@ -4,14 +4,19 @@
   <p:sldMasterIdLst>
     <p:sldMasterId id="2147483648" r:id="rId1"/>
   </p:sldMasterIdLst>
+  <p:notesMasterIdLst>
+    <p:notesMasterId r:id="rId11"/>
+  </p:notesMasterIdLst>
   <p:sldIdLst>
     <p:sldId id="256" r:id="rId2"/>
     <p:sldId id="257" r:id="rId3"/>
     <p:sldId id="260" r:id="rId4"/>
     <p:sldId id="258" r:id="rId5"/>
     <p:sldId id="259" r:id="rId6"/>
-    <p:sldId id="264" r:id="rId7"/>
-    <p:sldId id="265" r:id="rId8"/>
+    <p:sldId id="267" r:id="rId7"/>
+    <p:sldId id="268" r:id="rId8"/>
+    <p:sldId id="264" r:id="rId9"/>
+    <p:sldId id="265" r:id="rId10"/>
   </p:sldIdLst>
   <p:sldSz cx="12192000" cy="6858000"/>
   <p:notesSz cx="6858000" cy="9144000"/>
@@ -110,7 +115,662 @@
       </a:defRPr>
     </a:lvl9pPr>
   </p:defaultTextStyle>
+  <p:extLst>
+    <p:ext uri="{EFAFB233-063F-42B5-8137-9DF3F51BA10A}">
+      <p15:sldGuideLst xmlns:p15="http://schemas.microsoft.com/office/powerpoint/2012/main"/>
+    </p:ext>
+  </p:extLst>
 </p:presentation>
+</file>
+
+<file path=ppt/notesMasters/notesMaster1.xml><?xml version="1.0" encoding="utf-8"?>
+<p:notesMaster xmlns:a="http://schemas.openxmlformats.org/drawingml/2006/main" xmlns:r="http://schemas.openxmlformats.org/officeDocument/2006/relationships" xmlns:p="http://schemas.openxmlformats.org/presentationml/2006/main">
+  <p:cSld>
+    <p:bg>
+      <p:bgRef idx="1001">
+        <a:schemeClr val="bg1"/>
+      </p:bgRef>
+    </p:bg>
+    <p:spTree>
+      <p:nvGrpSpPr>
+        <p:cNvPr id="1" name=""/>
+        <p:cNvGrpSpPr/>
+        <p:nvPr/>
+      </p:nvGrpSpPr>
+      <p:grpSpPr>
+        <a:xfrm>
+          <a:off x="0" y="0"/>
+          <a:ext cx="0" cy="0"/>
+          <a:chOff x="0" y="0"/>
+          <a:chExt cx="0" cy="0"/>
+        </a:xfrm>
+      </p:grpSpPr>
+      <p:sp>
+        <p:nvSpPr>
+          <p:cNvPr id="2" name="Header Placeholder 1"/>
+          <p:cNvSpPr>
+            <a:spLocks noGrp="1"/>
+          </p:cNvSpPr>
+          <p:nvPr>
+            <p:ph type="hdr" sz="quarter"/>
+          </p:nvPr>
+        </p:nvSpPr>
+        <p:spPr>
+          <a:xfrm>
+            <a:off x="0" y="0"/>
+            <a:ext cx="2971800" cy="458788"/>
+          </a:xfrm>
+          <a:prstGeom prst="rect">
+            <a:avLst/>
+          </a:prstGeom>
+        </p:spPr>
+        <p:txBody>
+          <a:bodyPr vert="horz" lIns="91440" tIns="45720" rIns="91440" bIns="45720" rtlCol="0"/>
+          <a:lstStyle>
+            <a:lvl1pPr algn="l">
+              <a:defRPr sz="1200"/>
+            </a:lvl1pPr>
+          </a:lstStyle>
+          <a:p>
+            <a:endParaRPr lang="en-GB"/>
+          </a:p>
+        </p:txBody>
+      </p:sp>
+      <p:sp>
+        <p:nvSpPr>
+          <p:cNvPr id="3" name="Date Placeholder 2"/>
+          <p:cNvSpPr>
+            <a:spLocks noGrp="1"/>
+          </p:cNvSpPr>
+          <p:nvPr>
+            <p:ph type="dt" idx="1"/>
+          </p:nvPr>
+        </p:nvSpPr>
+        <p:spPr>
+          <a:xfrm>
+            <a:off x="3884613" y="0"/>
+            <a:ext cx="2971800" cy="458788"/>
+          </a:xfrm>
+          <a:prstGeom prst="rect">
+            <a:avLst/>
+          </a:prstGeom>
+        </p:spPr>
+        <p:txBody>
+          <a:bodyPr vert="horz" lIns="91440" tIns="45720" rIns="91440" bIns="45720" rtlCol="0"/>
+          <a:lstStyle>
+            <a:lvl1pPr algn="r">
+              <a:defRPr sz="1200"/>
+            </a:lvl1pPr>
+          </a:lstStyle>
+          <a:p>
+            <a:fld id="{5615C1E4-BDBD-42B0-9B5C-5DF85494A1D6}" type="datetimeFigureOut">
+              <a:rPr lang="en-GB" smtClean="0"/>
+              <a:t>21/05/2025</a:t>
+            </a:fld>
+            <a:endParaRPr lang="en-GB"/>
+          </a:p>
+        </p:txBody>
+      </p:sp>
+      <p:sp>
+        <p:nvSpPr>
+          <p:cNvPr id="4" name="Slide Image Placeholder 3"/>
+          <p:cNvSpPr>
+            <a:spLocks noGrp="1" noRot="1" noChangeAspect="1"/>
+          </p:cNvSpPr>
+          <p:nvPr>
+            <p:ph type="sldImg" idx="2"/>
+          </p:nvPr>
+        </p:nvSpPr>
+        <p:spPr>
+          <a:xfrm>
+            <a:off x="685800" y="1143000"/>
+            <a:ext cx="5486400" cy="3086100"/>
+          </a:xfrm>
+          <a:prstGeom prst="rect">
+            <a:avLst/>
+          </a:prstGeom>
+          <a:noFill/>
+          <a:ln w="12700">
+            <a:solidFill>
+              <a:prstClr val="black"/>
+            </a:solidFill>
+          </a:ln>
+        </p:spPr>
+        <p:txBody>
+          <a:bodyPr vert="horz" lIns="91440" tIns="45720" rIns="91440" bIns="45720" rtlCol="0" anchor="ctr"/>
+          <a:lstStyle/>
+          <a:p>
+            <a:endParaRPr lang="en-GB"/>
+          </a:p>
+        </p:txBody>
+      </p:sp>
+      <p:sp>
+        <p:nvSpPr>
+          <p:cNvPr id="5" name="Notes Placeholder 4"/>
+          <p:cNvSpPr>
+            <a:spLocks noGrp="1"/>
+          </p:cNvSpPr>
+          <p:nvPr>
+            <p:ph type="body" sz="quarter" idx="3"/>
+          </p:nvPr>
+        </p:nvSpPr>
+        <p:spPr>
+          <a:xfrm>
+            <a:off x="685800" y="4400550"/>
+            <a:ext cx="5486400" cy="3600450"/>
+          </a:xfrm>
+          <a:prstGeom prst="rect">
+            <a:avLst/>
+          </a:prstGeom>
+        </p:spPr>
+        <p:txBody>
+          <a:bodyPr vert="horz" lIns="91440" tIns="45720" rIns="91440" bIns="45720" rtlCol="0"/>
+          <a:lstStyle/>
+          <a:p>
+            <a:pPr lvl="0"/>
+            <a:r>
+              <a:rPr lang="en-US"/>
+              <a:t>Click to edit Master text styles</a:t>
+            </a:r>
+          </a:p>
+          <a:p>
+            <a:pPr lvl="1"/>
+            <a:r>
+              <a:rPr lang="en-US"/>
+              <a:t>Second level</a:t>
+            </a:r>
+          </a:p>
+          <a:p>
+            <a:pPr lvl="2"/>
+            <a:r>
+              <a:rPr lang="en-US"/>
+              <a:t>Third level</a:t>
+            </a:r>
+          </a:p>
+          <a:p>
+            <a:pPr lvl="3"/>
+            <a:r>
+              <a:rPr lang="en-US"/>
+              <a:t>Fourth level</a:t>
+            </a:r>
+          </a:p>
+          <a:p>
+            <a:pPr lvl="4"/>
+            <a:r>
+              <a:rPr lang="en-US"/>
+              <a:t>Fifth level</a:t>
+            </a:r>
+            <a:endParaRPr lang="en-GB"/>
+          </a:p>
+        </p:txBody>
+      </p:sp>
+      <p:sp>
+        <p:nvSpPr>
+          <p:cNvPr id="6" name="Footer Placeholder 5"/>
+          <p:cNvSpPr>
+            <a:spLocks noGrp="1"/>
+          </p:cNvSpPr>
+          <p:nvPr>
+            <p:ph type="ftr" sz="quarter" idx="4"/>
+          </p:nvPr>
+        </p:nvSpPr>
+        <p:spPr>
+          <a:xfrm>
+            <a:off x="0" y="8685213"/>
+            <a:ext cx="2971800" cy="458787"/>
+          </a:xfrm>
+          <a:prstGeom prst="rect">
+            <a:avLst/>
+          </a:prstGeom>
+        </p:spPr>
+        <p:txBody>
+          <a:bodyPr vert="horz" lIns="91440" tIns="45720" rIns="91440" bIns="45720" rtlCol="0" anchor="b"/>
+          <a:lstStyle>
+            <a:lvl1pPr algn="l">
+              <a:defRPr sz="1200"/>
+            </a:lvl1pPr>
+          </a:lstStyle>
+          <a:p>
+            <a:endParaRPr lang="en-GB"/>
+          </a:p>
+        </p:txBody>
+      </p:sp>
+      <p:sp>
+        <p:nvSpPr>
+          <p:cNvPr id="7" name="Slide Number Placeholder 6"/>
+          <p:cNvSpPr>
+            <a:spLocks noGrp="1"/>
+          </p:cNvSpPr>
+          <p:nvPr>
+            <p:ph type="sldNum" sz="quarter" idx="5"/>
+          </p:nvPr>
+        </p:nvSpPr>
+        <p:spPr>
+          <a:xfrm>
+            <a:off x="3884613" y="8685213"/>
+            <a:ext cx="2971800" cy="458787"/>
+          </a:xfrm>
+          <a:prstGeom prst="rect">
+            <a:avLst/>
+          </a:prstGeom>
+        </p:spPr>
+        <p:txBody>
+          <a:bodyPr vert="horz" lIns="91440" tIns="45720" rIns="91440" bIns="45720" rtlCol="0" anchor="b"/>
+          <a:lstStyle>
+            <a:lvl1pPr algn="r">
+              <a:defRPr sz="1200"/>
+            </a:lvl1pPr>
+          </a:lstStyle>
+          <a:p>
+            <a:fld id="{BAB86C82-4297-4050-A2FA-941D81DA6BC9}" type="slidenum">
+              <a:rPr lang="en-GB" smtClean="0"/>
+              <a:t>‹#›</a:t>
+            </a:fld>
+            <a:endParaRPr lang="en-GB"/>
+          </a:p>
+        </p:txBody>
+      </p:sp>
+    </p:spTree>
+    <p:extLst>
+      <p:ext uri="{BB962C8B-B14F-4D97-AF65-F5344CB8AC3E}">
+        <p14:creationId xmlns:p14="http://schemas.microsoft.com/office/powerpoint/2010/main" val="3093672506"/>
+      </p:ext>
+    </p:extLst>
+  </p:cSld>
+  <p:clrMap bg1="lt1" tx1="dk1" bg2="lt2" tx2="dk2" accent1="accent1" accent2="accent2" accent3="accent3" accent4="accent4" accent5="accent5" accent6="accent6" hlink="hlink" folHlink="folHlink"/>
+  <p:notesStyle>
+    <a:lvl1pPr marL="0" algn="l" defTabSz="914400" rtl="0" eaLnBrk="1" latinLnBrk="0" hangingPunct="1">
+      <a:defRPr sz="1200" kern="1200">
+        <a:solidFill>
+          <a:schemeClr val="tx1"/>
+        </a:solidFill>
+        <a:latin typeface="+mn-lt"/>
+        <a:ea typeface="+mn-ea"/>
+        <a:cs typeface="+mn-cs"/>
+      </a:defRPr>
+    </a:lvl1pPr>
+    <a:lvl2pPr marL="457200" algn="l" defTabSz="914400" rtl="0" eaLnBrk="1" latinLnBrk="0" hangingPunct="1">
+      <a:defRPr sz="1200" kern="1200">
+        <a:solidFill>
+          <a:schemeClr val="tx1"/>
+        </a:solidFill>
+        <a:latin typeface="+mn-lt"/>
+        <a:ea typeface="+mn-ea"/>
+        <a:cs typeface="+mn-cs"/>
+      </a:defRPr>
+    </a:lvl2pPr>
+    <a:lvl3pPr marL="914400" algn="l" defTabSz="914400" rtl="0" eaLnBrk="1" latinLnBrk="0" hangingPunct="1">
+      <a:defRPr sz="1200" kern="1200">
+        <a:solidFill>
+          <a:schemeClr val="tx1"/>
+        </a:solidFill>
+        <a:latin typeface="+mn-lt"/>
+        <a:ea typeface="+mn-ea"/>
+        <a:cs typeface="+mn-cs"/>
+      </a:defRPr>
+    </a:lvl3pPr>
+    <a:lvl4pPr marL="1371600" algn="l" defTabSz="914400" rtl="0" eaLnBrk="1" latinLnBrk="0" hangingPunct="1">
+      <a:defRPr sz="1200" kern="1200">
+        <a:solidFill>
+          <a:schemeClr val="tx1"/>
+        </a:solidFill>
+        <a:latin typeface="+mn-lt"/>
+        <a:ea typeface="+mn-ea"/>
+        <a:cs typeface="+mn-cs"/>
+      </a:defRPr>
+    </a:lvl4pPr>
+    <a:lvl5pPr marL="1828800" algn="l" defTabSz="914400" rtl="0" eaLnBrk="1" latinLnBrk="0" hangingPunct="1">
+      <a:defRPr sz="1200" kern="1200">
+        <a:solidFill>
+          <a:schemeClr val="tx1"/>
+        </a:solidFill>
+        <a:latin typeface="+mn-lt"/>
+        <a:ea typeface="+mn-ea"/>
+        <a:cs typeface="+mn-cs"/>
+      </a:defRPr>
+    </a:lvl5pPr>
+    <a:lvl6pPr marL="2286000" algn="l" defTabSz="914400" rtl="0" eaLnBrk="1" latinLnBrk="0" hangingPunct="1">
+      <a:defRPr sz="1200" kern="1200">
+        <a:solidFill>
+          <a:schemeClr val="tx1"/>
+        </a:solidFill>
+        <a:latin typeface="+mn-lt"/>
+        <a:ea typeface="+mn-ea"/>
+        <a:cs typeface="+mn-cs"/>
+      </a:defRPr>
+    </a:lvl6pPr>
+    <a:lvl7pPr marL="2743200" algn="l" defTabSz="914400" rtl="0" eaLnBrk="1" latinLnBrk="0" hangingPunct="1">
+      <a:defRPr sz="1200" kern="1200">
+        <a:solidFill>
+          <a:schemeClr val="tx1"/>
+        </a:solidFill>
+        <a:latin typeface="+mn-lt"/>
+        <a:ea typeface="+mn-ea"/>
+        <a:cs typeface="+mn-cs"/>
+      </a:defRPr>
+    </a:lvl7pPr>
+    <a:lvl8pPr marL="3200400" algn="l" defTabSz="914400" rtl="0" eaLnBrk="1" latinLnBrk="0" hangingPunct="1">
+      <a:defRPr sz="1200" kern="1200">
+        <a:solidFill>
+          <a:schemeClr val="tx1"/>
+        </a:solidFill>
+        <a:latin typeface="+mn-lt"/>
+        <a:ea typeface="+mn-ea"/>
+        <a:cs typeface="+mn-cs"/>
+      </a:defRPr>
+    </a:lvl8pPr>
+    <a:lvl9pPr marL="3657600" algn="l" defTabSz="914400" rtl="0" eaLnBrk="1" latinLnBrk="0" hangingPunct="1">
+      <a:defRPr sz="1200" kern="1200">
+        <a:solidFill>
+          <a:schemeClr val="tx1"/>
+        </a:solidFill>
+        <a:latin typeface="+mn-lt"/>
+        <a:ea typeface="+mn-ea"/>
+        <a:cs typeface="+mn-cs"/>
+      </a:defRPr>
+    </a:lvl9pPr>
+  </p:notesStyle>
+</p:notesMaster>
+</file>
+
+<file path=ppt/notesSlides/notesSlide1.xml><?xml version="1.0" encoding="utf-8"?>
+<p:notes xmlns:a="http://schemas.openxmlformats.org/drawingml/2006/main" xmlns:r="http://schemas.openxmlformats.org/officeDocument/2006/relationships" xmlns:p="http://schemas.openxmlformats.org/presentationml/2006/main">
+  <p:cSld>
+    <p:spTree>
+      <p:nvGrpSpPr>
+        <p:cNvPr id="1" name=""/>
+        <p:cNvGrpSpPr/>
+        <p:nvPr/>
+      </p:nvGrpSpPr>
+      <p:grpSpPr>
+        <a:xfrm>
+          <a:off x="0" y="0"/>
+          <a:ext cx="0" cy="0"/>
+          <a:chOff x="0" y="0"/>
+          <a:chExt cx="0" cy="0"/>
+        </a:xfrm>
+      </p:grpSpPr>
+      <p:sp>
+        <p:nvSpPr>
+          <p:cNvPr id="2" name="Slide Image Placeholder 1"/>
+          <p:cNvSpPr>
+            <a:spLocks noGrp="1" noRot="1" noChangeAspect="1"/>
+          </p:cNvSpPr>
+          <p:nvPr>
+            <p:ph type="sldImg"/>
+          </p:nvPr>
+        </p:nvSpPr>
+        <p:spPr/>
+      </p:sp>
+      <p:sp>
+        <p:nvSpPr>
+          <p:cNvPr id="3" name="Notes Placeholder 2"/>
+          <p:cNvSpPr>
+            <a:spLocks noGrp="1"/>
+          </p:cNvSpPr>
+          <p:nvPr>
+            <p:ph type="body" idx="1"/>
+          </p:nvPr>
+        </p:nvSpPr>
+        <p:spPr/>
+        <p:txBody>
+          <a:bodyPr/>
+          <a:lstStyle/>
+          <a:p>
+            <a:endParaRPr lang="en-GB" dirty="0"/>
+          </a:p>
+        </p:txBody>
+      </p:sp>
+      <p:sp>
+        <p:nvSpPr>
+          <p:cNvPr id="4" name="Slide Number Placeholder 3"/>
+          <p:cNvSpPr>
+            <a:spLocks noGrp="1"/>
+          </p:cNvSpPr>
+          <p:nvPr>
+            <p:ph type="sldNum" sz="quarter" idx="5"/>
+          </p:nvPr>
+        </p:nvSpPr>
+        <p:spPr/>
+        <p:txBody>
+          <a:bodyPr/>
+          <a:lstStyle/>
+          <a:p>
+            <a:fld id="{BAB86C82-4297-4050-A2FA-941D81DA6BC9}" type="slidenum">
+              <a:rPr lang="en-GB" smtClean="0"/>
+              <a:t>5</a:t>
+            </a:fld>
+            <a:endParaRPr lang="en-GB"/>
+          </a:p>
+        </p:txBody>
+      </p:sp>
+    </p:spTree>
+    <p:extLst>
+      <p:ext uri="{BB962C8B-B14F-4D97-AF65-F5344CB8AC3E}">
+        <p14:creationId xmlns:p14="http://schemas.microsoft.com/office/powerpoint/2010/main" val="2130462565"/>
+      </p:ext>
+    </p:extLst>
+  </p:cSld>
+  <p:clrMapOvr>
+    <a:masterClrMapping/>
+  </p:clrMapOvr>
+</p:notes>
+</file>
+
+<file path=ppt/notesSlides/notesSlide2.xml><?xml version="1.0" encoding="utf-8"?>
+<p:notes xmlns:a="http://schemas.openxmlformats.org/drawingml/2006/main" xmlns:r="http://schemas.openxmlformats.org/officeDocument/2006/relationships" xmlns:p="http://schemas.openxmlformats.org/presentationml/2006/main">
+  <p:cSld>
+    <p:spTree>
+      <p:nvGrpSpPr>
+        <p:cNvPr id="1" name="">
+          <a:extLst>
+            <a:ext uri="{FF2B5EF4-FFF2-40B4-BE49-F238E27FC236}">
+              <a16:creationId xmlns:a16="http://schemas.microsoft.com/office/drawing/2014/main" id="{EFC9C22E-7CE8-0AE3-E4E7-041FC95D48CF}"/>
+            </a:ext>
+          </a:extLst>
+        </p:cNvPr>
+        <p:cNvGrpSpPr/>
+        <p:nvPr/>
+      </p:nvGrpSpPr>
+      <p:grpSpPr>
+        <a:xfrm>
+          <a:off x="0" y="0"/>
+          <a:ext cx="0" cy="0"/>
+          <a:chOff x="0" y="0"/>
+          <a:chExt cx="0" cy="0"/>
+        </a:xfrm>
+      </p:grpSpPr>
+      <p:sp>
+        <p:nvSpPr>
+          <p:cNvPr id="2" name="Slide Image Placeholder 1">
+            <a:extLst>
+              <a:ext uri="{FF2B5EF4-FFF2-40B4-BE49-F238E27FC236}">
+                <a16:creationId xmlns:a16="http://schemas.microsoft.com/office/drawing/2014/main" id="{73ACD7AE-BA5D-1E22-065A-264DDE897E39}"/>
+              </a:ext>
+            </a:extLst>
+          </p:cNvPr>
+          <p:cNvSpPr>
+            <a:spLocks noGrp="1" noRot="1" noChangeAspect="1"/>
+          </p:cNvSpPr>
+          <p:nvPr>
+            <p:ph type="sldImg"/>
+          </p:nvPr>
+        </p:nvSpPr>
+        <p:spPr/>
+      </p:sp>
+      <p:sp>
+        <p:nvSpPr>
+          <p:cNvPr id="3" name="Notes Placeholder 2">
+            <a:extLst>
+              <a:ext uri="{FF2B5EF4-FFF2-40B4-BE49-F238E27FC236}">
+                <a16:creationId xmlns:a16="http://schemas.microsoft.com/office/drawing/2014/main" id="{FDC27FC0-CA13-CEC4-68BB-B192C72261CD}"/>
+              </a:ext>
+            </a:extLst>
+          </p:cNvPr>
+          <p:cNvSpPr>
+            <a:spLocks noGrp="1"/>
+          </p:cNvSpPr>
+          <p:nvPr>
+            <p:ph type="body" idx="1"/>
+          </p:nvPr>
+        </p:nvSpPr>
+        <p:spPr/>
+        <p:txBody>
+          <a:bodyPr/>
+          <a:lstStyle/>
+          <a:p>
+            <a:endParaRPr lang="en-GB" dirty="0"/>
+          </a:p>
+        </p:txBody>
+      </p:sp>
+      <p:sp>
+        <p:nvSpPr>
+          <p:cNvPr id="4" name="Slide Number Placeholder 3">
+            <a:extLst>
+              <a:ext uri="{FF2B5EF4-FFF2-40B4-BE49-F238E27FC236}">
+                <a16:creationId xmlns:a16="http://schemas.microsoft.com/office/drawing/2014/main" id="{9756F856-BF1B-7C45-66E8-94C378186DE7}"/>
+              </a:ext>
+            </a:extLst>
+          </p:cNvPr>
+          <p:cNvSpPr>
+            <a:spLocks noGrp="1"/>
+          </p:cNvSpPr>
+          <p:nvPr>
+            <p:ph type="sldNum" sz="quarter" idx="5"/>
+          </p:nvPr>
+        </p:nvSpPr>
+        <p:spPr/>
+        <p:txBody>
+          <a:bodyPr/>
+          <a:lstStyle/>
+          <a:p>
+            <a:fld id="{BAB86C82-4297-4050-A2FA-941D81DA6BC9}" type="slidenum">
+              <a:rPr lang="en-GB" smtClean="0"/>
+              <a:t>6</a:t>
+            </a:fld>
+            <a:endParaRPr lang="en-GB"/>
+          </a:p>
+        </p:txBody>
+      </p:sp>
+    </p:spTree>
+    <p:extLst>
+      <p:ext uri="{BB962C8B-B14F-4D97-AF65-F5344CB8AC3E}">
+        <p14:creationId xmlns:p14="http://schemas.microsoft.com/office/powerpoint/2010/main" val="2555940552"/>
+      </p:ext>
+    </p:extLst>
+  </p:cSld>
+  <p:clrMapOvr>
+    <a:masterClrMapping/>
+  </p:clrMapOvr>
+</p:notes>
+</file>
+
+<file path=ppt/notesSlides/notesSlide3.xml><?xml version="1.0" encoding="utf-8"?>
+<p:notes xmlns:a="http://schemas.openxmlformats.org/drawingml/2006/main" xmlns:r="http://schemas.openxmlformats.org/officeDocument/2006/relationships" xmlns:p="http://schemas.openxmlformats.org/presentationml/2006/main">
+  <p:cSld>
+    <p:spTree>
+      <p:nvGrpSpPr>
+        <p:cNvPr id="1" name="">
+          <a:extLst>
+            <a:ext uri="{FF2B5EF4-FFF2-40B4-BE49-F238E27FC236}">
+              <a16:creationId xmlns:a16="http://schemas.microsoft.com/office/drawing/2014/main" id="{C143E861-9A1D-B97F-19DA-01F5E1119A01}"/>
+            </a:ext>
+          </a:extLst>
+        </p:cNvPr>
+        <p:cNvGrpSpPr/>
+        <p:nvPr/>
+      </p:nvGrpSpPr>
+      <p:grpSpPr>
+        <a:xfrm>
+          <a:off x="0" y="0"/>
+          <a:ext cx="0" cy="0"/>
+          <a:chOff x="0" y="0"/>
+          <a:chExt cx="0" cy="0"/>
+        </a:xfrm>
+      </p:grpSpPr>
+      <p:sp>
+        <p:nvSpPr>
+          <p:cNvPr id="2" name="Slide Image Placeholder 1">
+            <a:extLst>
+              <a:ext uri="{FF2B5EF4-FFF2-40B4-BE49-F238E27FC236}">
+                <a16:creationId xmlns:a16="http://schemas.microsoft.com/office/drawing/2014/main" id="{0C4E9705-10E3-4CCD-2EFC-049B8360D34F}"/>
+              </a:ext>
+            </a:extLst>
+          </p:cNvPr>
+          <p:cNvSpPr>
+            <a:spLocks noGrp="1" noRot="1" noChangeAspect="1"/>
+          </p:cNvSpPr>
+          <p:nvPr>
+            <p:ph type="sldImg"/>
+          </p:nvPr>
+        </p:nvSpPr>
+        <p:spPr/>
+      </p:sp>
+      <p:sp>
+        <p:nvSpPr>
+          <p:cNvPr id="3" name="Notes Placeholder 2">
+            <a:extLst>
+              <a:ext uri="{FF2B5EF4-FFF2-40B4-BE49-F238E27FC236}">
+                <a16:creationId xmlns:a16="http://schemas.microsoft.com/office/drawing/2014/main" id="{0920919C-F7A1-18CE-9BE5-6CC325350D36}"/>
+              </a:ext>
+            </a:extLst>
+          </p:cNvPr>
+          <p:cNvSpPr>
+            <a:spLocks noGrp="1"/>
+          </p:cNvSpPr>
+          <p:nvPr>
+            <p:ph type="body" idx="1"/>
+          </p:nvPr>
+        </p:nvSpPr>
+        <p:spPr/>
+        <p:txBody>
+          <a:bodyPr/>
+          <a:lstStyle/>
+          <a:p>
+            <a:endParaRPr lang="en-GB" dirty="0"/>
+          </a:p>
+        </p:txBody>
+      </p:sp>
+      <p:sp>
+        <p:nvSpPr>
+          <p:cNvPr id="4" name="Slide Number Placeholder 3">
+            <a:extLst>
+              <a:ext uri="{FF2B5EF4-FFF2-40B4-BE49-F238E27FC236}">
+                <a16:creationId xmlns:a16="http://schemas.microsoft.com/office/drawing/2014/main" id="{D7749ED0-1F5A-31D2-2B2A-0155CD82208A}"/>
+              </a:ext>
+            </a:extLst>
+          </p:cNvPr>
+          <p:cNvSpPr>
+            <a:spLocks noGrp="1"/>
+          </p:cNvSpPr>
+          <p:nvPr>
+            <p:ph type="sldNum" sz="quarter" idx="5"/>
+          </p:nvPr>
+        </p:nvSpPr>
+        <p:spPr/>
+        <p:txBody>
+          <a:bodyPr/>
+          <a:lstStyle/>
+          <a:p>
+            <a:fld id="{BAB86C82-4297-4050-A2FA-941D81DA6BC9}" type="slidenum">
+              <a:rPr lang="en-GB" smtClean="0"/>
+              <a:t>7</a:t>
+            </a:fld>
+            <a:endParaRPr lang="en-GB"/>
+          </a:p>
+        </p:txBody>
+      </p:sp>
+    </p:spTree>
+    <p:extLst>
+      <p:ext uri="{BB962C8B-B14F-4D97-AF65-F5344CB8AC3E}">
+        <p14:creationId xmlns:p14="http://schemas.microsoft.com/office/powerpoint/2010/main" val="221318321"/>
+      </p:ext>
+    </p:extLst>
+  </p:cSld>
+  <p:clrMapOvr>
+    <a:masterClrMapping/>
+  </p:clrMapOvr>
+</p:notes>
 </file>
 
 <file path=ppt/slideLayouts/slideLayout1.xml><?xml version="1.0" encoding="utf-8"?>
@@ -262,7 +922,7 @@
           <a:p>
             <a:fld id="{CA3173AF-AD2D-4728-BA48-78CC764AF15D}" type="datetimeFigureOut">
               <a:rPr lang="en-GB" smtClean="0"/>
-              <a:t>18/05/2025</a:t>
+              <a:t>21/05/2025</a:t>
             </a:fld>
             <a:endParaRPr lang="en-GB"/>
           </a:p>
@@ -462,7 +1122,7 @@
           <a:p>
             <a:fld id="{CA3173AF-AD2D-4728-BA48-78CC764AF15D}" type="datetimeFigureOut">
               <a:rPr lang="en-GB" smtClean="0"/>
-              <a:t>18/05/2025</a:t>
+              <a:t>21/05/2025</a:t>
             </a:fld>
             <a:endParaRPr lang="en-GB"/>
           </a:p>
@@ -672,7 +1332,7 @@
           <a:p>
             <a:fld id="{CA3173AF-AD2D-4728-BA48-78CC764AF15D}" type="datetimeFigureOut">
               <a:rPr lang="en-GB" smtClean="0"/>
-              <a:t>18/05/2025</a:t>
+              <a:t>21/05/2025</a:t>
             </a:fld>
             <a:endParaRPr lang="en-GB"/>
           </a:p>
@@ -872,7 +1532,7 @@
           <a:p>
             <a:fld id="{CA3173AF-AD2D-4728-BA48-78CC764AF15D}" type="datetimeFigureOut">
               <a:rPr lang="en-GB" smtClean="0"/>
-              <a:t>18/05/2025</a:t>
+              <a:t>21/05/2025</a:t>
             </a:fld>
             <a:endParaRPr lang="en-GB"/>
           </a:p>
@@ -1148,7 +1808,7 @@
           <a:p>
             <a:fld id="{CA3173AF-AD2D-4728-BA48-78CC764AF15D}" type="datetimeFigureOut">
               <a:rPr lang="en-GB" smtClean="0"/>
-              <a:t>18/05/2025</a:t>
+              <a:t>21/05/2025</a:t>
             </a:fld>
             <a:endParaRPr lang="en-GB"/>
           </a:p>
@@ -1416,7 +2076,7 @@
           <a:p>
             <a:fld id="{CA3173AF-AD2D-4728-BA48-78CC764AF15D}" type="datetimeFigureOut">
               <a:rPr lang="en-GB" smtClean="0"/>
-              <a:t>18/05/2025</a:t>
+              <a:t>21/05/2025</a:t>
             </a:fld>
             <a:endParaRPr lang="en-GB"/>
           </a:p>
@@ -1831,7 +2491,7 @@
           <a:p>
             <a:fld id="{CA3173AF-AD2D-4728-BA48-78CC764AF15D}" type="datetimeFigureOut">
               <a:rPr lang="en-GB" smtClean="0"/>
-              <a:t>18/05/2025</a:t>
+              <a:t>21/05/2025</a:t>
             </a:fld>
             <a:endParaRPr lang="en-GB"/>
           </a:p>
@@ -1973,7 +2633,7 @@
           <a:p>
             <a:fld id="{CA3173AF-AD2D-4728-BA48-78CC764AF15D}" type="datetimeFigureOut">
               <a:rPr lang="en-GB" smtClean="0"/>
-              <a:t>18/05/2025</a:t>
+              <a:t>21/05/2025</a:t>
             </a:fld>
             <a:endParaRPr lang="en-GB"/>
           </a:p>
@@ -2086,7 +2746,7 @@
           <a:p>
             <a:fld id="{CA3173AF-AD2D-4728-BA48-78CC764AF15D}" type="datetimeFigureOut">
               <a:rPr lang="en-GB" smtClean="0"/>
-              <a:t>18/05/2025</a:t>
+              <a:t>21/05/2025</a:t>
             </a:fld>
             <a:endParaRPr lang="en-GB"/>
           </a:p>
@@ -2399,7 +3059,7 @@
           <a:p>
             <a:fld id="{CA3173AF-AD2D-4728-BA48-78CC764AF15D}" type="datetimeFigureOut">
               <a:rPr lang="en-GB" smtClean="0"/>
-              <a:t>18/05/2025</a:t>
+              <a:t>21/05/2025</a:t>
             </a:fld>
             <a:endParaRPr lang="en-GB"/>
           </a:p>
@@ -2688,7 +3348,7 @@
           <a:p>
             <a:fld id="{CA3173AF-AD2D-4728-BA48-78CC764AF15D}" type="datetimeFigureOut">
               <a:rPr lang="en-GB" smtClean="0"/>
-              <a:t>18/05/2025</a:t>
+              <a:t>21/05/2025</a:t>
             </a:fld>
             <a:endParaRPr lang="en-GB"/>
           </a:p>
@@ -2931,7 +3591,7 @@
           <a:p>
             <a:fld id="{CA3173AF-AD2D-4728-BA48-78CC764AF15D}" type="datetimeFigureOut">
               <a:rPr lang="en-GB" smtClean="0"/>
-              <a:t>18/05/2025</a:t>
+              <a:t>21/05/2025</a:t>
             </a:fld>
             <a:endParaRPr lang="en-GB"/>
           </a:p>
@@ -4681,7 +5341,7 @@
         </p:nvSpPr>
         <p:spPr>
           <a:xfrm>
-            <a:off x="1285240" y="1050595"/>
+            <a:off x="1285240" y="902495"/>
             <a:ext cx="9533014" cy="823281"/>
           </a:xfrm>
         </p:spPr>
@@ -4716,8 +5376,8 @@
         </p:nvSpPr>
         <p:spPr>
           <a:xfrm>
-            <a:off x="1285240" y="2969469"/>
-            <a:ext cx="8074815" cy="2800395"/>
+            <a:off x="1285240" y="1828909"/>
+            <a:ext cx="8074815" cy="3967801"/>
           </a:xfrm>
         </p:spPr>
         <p:txBody>
@@ -4727,9 +5387,46 @@
           <a:lstStyle/>
           <a:p>
             <a:r>
-              <a:rPr lang="en-GB" sz="2400"/>
-              <a:t>xx</a:t>
-            </a:r>
+              <a:rPr lang="en-GB" sz="2400" dirty="0">
+                <a:hlinkClick r:id="rId2"/>
+              </a:rPr>
+              <a:t>Reading material (Medium)</a:t>
+            </a:r>
+            <a:r>
+              <a:rPr lang="en-GB" sz="2400" dirty="0"/>
+              <a:t> </a:t>
+            </a:r>
+          </a:p>
+          <a:p>
+            <a:r>
+              <a:rPr lang="en-GB" sz="2400" b="0" i="0" dirty="0">
+                <a:solidFill>
+                  <a:srgbClr val="242424"/>
+                </a:solidFill>
+                <a:effectLst/>
+                <a:latin typeface="source-serif-pro"/>
+              </a:rPr>
+              <a:t>AI-Augmented Development is a term that describes the use of </a:t>
+            </a:r>
+            <a:r>
+              <a:rPr lang="en-GB" sz="2400" b="0" i="0" u="sng" dirty="0">
+                <a:effectLst/>
+                <a:latin typeface="source-serif-pro"/>
+                <a:hlinkClick r:id="rId3"/>
+              </a:rPr>
+              <a:t>AI</a:t>
+            </a:r>
+            <a:r>
+              <a:rPr lang="en-GB" sz="2400" b="0" i="0" dirty="0">
+                <a:solidFill>
+                  <a:srgbClr val="242424"/>
+                </a:solidFill>
+                <a:effectLst/>
+                <a:latin typeface="source-serif-pro"/>
+              </a:rPr>
+              <a:t> technologies to assist software developers in creating applications more efficiently, quickly, and reliably. AI-Augmented Development can automate some of the repetitive or tedious tasks in software development, such as code generation, testing, debugging, and documentation. It can also help developers to learn from existing code, find relevant resources, and collaborate with other developers. AI-Augmented Development is considered one of the strategic technology trends for 2024.</a:t>
+            </a:r>
+            <a:endParaRPr lang="en-GB" sz="3600" dirty="0"/>
           </a:p>
         </p:txBody>
       </p:sp>
@@ -5076,7 +5773,7 @@
         </p:nvSpPr>
         <p:spPr>
           <a:xfrm>
-            <a:off x="1285240" y="1050596"/>
+            <a:off x="1285240" y="850975"/>
             <a:ext cx="9552332" cy="861918"/>
           </a:xfrm>
         </p:spPr>
@@ -5111,8 +5808,8 @@
         </p:nvSpPr>
         <p:spPr>
           <a:xfrm>
-            <a:off x="1285240" y="2969469"/>
-            <a:ext cx="8074815" cy="2800395"/>
+            <a:off x="1285240" y="1912514"/>
+            <a:ext cx="8074815" cy="3857351"/>
           </a:xfrm>
         </p:spPr>
         <p:txBody>
@@ -5122,18 +5819,90 @@
           <a:lstStyle/>
           <a:p>
             <a:r>
-              <a:rPr lang="en-GB" sz="2400">
-                <a:hlinkClick r:id="rId2"/>
+              <a:rPr lang="en-GB" sz="2400" dirty="0">
+                <a:hlinkClick r:id="rId3"/>
               </a:rPr>
-              <a:t>https://docs.github.com/en/copilot/about-github-copilot/what-is-github-copilot</a:t>
-            </a:r>
-            <a:r>
-              <a:rPr lang="en-GB" sz="2400"/>
-              <a:t> </a:t>
-            </a:r>
-          </a:p>
-        </p:txBody>
-      </p:sp>
+              <a:t>Reading material (GitHub)</a:t>
+            </a:r>
+            <a:endParaRPr lang="en-GB" sz="2400" dirty="0"/>
+          </a:p>
+          <a:p>
+            <a:r>
+              <a:rPr lang="en-GB" sz="2400" dirty="0"/>
+              <a:t>Chat - 3 modes </a:t>
+            </a:r>
+            <a:r>
+              <a:rPr lang="en-GB" sz="2400" dirty="0">
+                <a:hlinkClick r:id="rId4"/>
+              </a:rPr>
+              <a:t>(more details here)</a:t>
+            </a:r>
+            <a:r>
+              <a:rPr lang="en-GB" sz="2400" dirty="0"/>
+              <a:t>:</a:t>
+            </a:r>
+          </a:p>
+          <a:p>
+            <a:pPr lvl="1"/>
+            <a:r>
+              <a:rPr lang="en-GB" sz="2000" dirty="0"/>
+              <a:t>Ask mode: The quick gut check</a:t>
+            </a:r>
+          </a:p>
+          <a:p>
+            <a:pPr lvl="1"/>
+            <a:r>
+              <a:rPr lang="en-GB" sz="2000" dirty="0"/>
+              <a:t>Edit mode: You’re still in charge, just moving faster</a:t>
+            </a:r>
+          </a:p>
+          <a:p>
+            <a:pPr lvl="1"/>
+            <a:r>
+              <a:rPr lang="en-GB" sz="2000" dirty="0"/>
+              <a:t>Agent mode: A lot of power, when you’re ready for it</a:t>
+            </a:r>
+          </a:p>
+          <a:p>
+            <a:r>
+              <a:rPr lang="en-GB" sz="2400" dirty="0"/>
+              <a:t>Inline questions:</a:t>
+            </a:r>
+          </a:p>
+          <a:p>
+            <a:endParaRPr lang="en-GB" sz="2400" dirty="0"/>
+          </a:p>
+        </p:txBody>
+      </p:sp>
+      <p:pic>
+        <p:nvPicPr>
+          <p:cNvPr id="5" name="Picture 4">
+            <a:extLst>
+              <a:ext uri="{FF2B5EF4-FFF2-40B4-BE49-F238E27FC236}">
+                <a16:creationId xmlns:a16="http://schemas.microsoft.com/office/drawing/2014/main" id="{1D503319-FCEB-CEF1-CE96-9A725CA47C6C}"/>
+              </a:ext>
+            </a:extLst>
+          </p:cNvPr>
+          <p:cNvPicPr>
+            <a:picLocks noChangeAspect="1"/>
+          </p:cNvPicPr>
+          <p:nvPr/>
+        </p:nvPicPr>
+        <p:blipFill>
+          <a:blip r:embed="rId5"/>
+          <a:srcRect b="14680"/>
+          <a:stretch/>
+        </p:blipFill>
+        <p:spPr>
+          <a:xfrm>
+            <a:off x="3918203" y="3841189"/>
+            <a:ext cx="5192994" cy="2919208"/>
+          </a:xfrm>
+          <a:prstGeom prst="rect">
+            <a:avLst/>
+          </a:prstGeom>
+        </p:spPr>
+      </p:pic>
     </p:spTree>
     <p:extLst>
       <p:ext uri="{BB962C8B-B14F-4D97-AF65-F5344CB8AC3E}">
@@ -5255,6 +6024,891 @@
         <p:cNvPr id="1" name="">
           <a:extLst>
             <a:ext uri="{FF2B5EF4-FFF2-40B4-BE49-F238E27FC236}">
+              <a16:creationId xmlns:a16="http://schemas.microsoft.com/office/drawing/2014/main" id="{B16BA018-F3C5-36D7-AD49-CB5B816795C9}"/>
+            </a:ext>
+          </a:extLst>
+        </p:cNvPr>
+        <p:cNvGrpSpPr/>
+        <p:nvPr/>
+      </p:nvGrpSpPr>
+      <p:grpSpPr>
+        <a:xfrm>
+          <a:off x="0" y="0"/>
+          <a:ext cx="0" cy="0"/>
+          <a:chOff x="0" y="0"/>
+          <a:chExt cx="0" cy="0"/>
+        </a:xfrm>
+      </p:grpSpPr>
+      <p:sp useBgFill="1">
+        <p:nvSpPr>
+          <p:cNvPr id="8" name="Rectangle 7">
+            <a:extLst>
+              <a:ext uri="{FF2B5EF4-FFF2-40B4-BE49-F238E27FC236}">
+                <a16:creationId xmlns:a16="http://schemas.microsoft.com/office/drawing/2014/main" id="{2EF545A7-852A-7931-9B35-2AE7EF97F394}"/>
+              </a:ext>
+              <a:ext uri="{C183D7F6-B498-43B3-948B-1728B52AA6E4}">
+                <adec:decorative xmlns:adec="http://schemas.microsoft.com/office/drawing/2017/decorative" val="1"/>
+              </a:ext>
+            </a:extLst>
+          </p:cNvPr>
+          <p:cNvSpPr>
+            <a:spLocks noGrp="1" noRot="1" noChangeAspect="1" noMove="1" noResize="1" noEditPoints="1" noAdjustHandles="1" noChangeArrowheads="1" noChangeShapeType="1" noTextEdit="1"/>
+          </p:cNvSpPr>
+          <p:nvPr>
+            <p:extLst>
+              <p:ext uri="{386F3935-93C4-4BCD-93E2-E3B085C9AB24}">
+                <p16:designElem xmlns:p16="http://schemas.microsoft.com/office/powerpoint/2015/main" val="1"/>
+              </p:ext>
+            </p:extLst>
+          </p:nvPr>
+        </p:nvSpPr>
+        <p:spPr>
+          <a:xfrm>
+            <a:off x="0" y="0"/>
+            <a:ext cx="12192000" cy="6858000"/>
+          </a:xfrm>
+          <a:prstGeom prst="rect">
+            <a:avLst/>
+          </a:prstGeom>
+          <a:ln>
+            <a:noFill/>
+          </a:ln>
+        </p:spPr>
+        <p:style>
+          <a:lnRef idx="2">
+            <a:schemeClr val="accent1">
+              <a:shade val="50000"/>
+            </a:schemeClr>
+          </a:lnRef>
+          <a:fillRef idx="1">
+            <a:schemeClr val="accent1"/>
+          </a:fillRef>
+          <a:effectRef idx="0">
+            <a:schemeClr val="accent1"/>
+          </a:effectRef>
+          <a:fontRef idx="minor">
+            <a:schemeClr val="lt1"/>
+          </a:fontRef>
+        </p:style>
+        <p:txBody>
+          <a:bodyPr rtlCol="0" anchor="ctr"/>
+          <a:lstStyle/>
+          <a:p>
+            <a:pPr algn="ctr"/>
+            <a:endParaRPr lang="en-US"/>
+          </a:p>
+        </p:txBody>
+      </p:sp>
+      <p:sp>
+        <p:nvSpPr>
+          <p:cNvPr id="10" name="Right Triangle 9">
+            <a:extLst>
+              <a:ext uri="{FF2B5EF4-FFF2-40B4-BE49-F238E27FC236}">
+                <a16:creationId xmlns:a16="http://schemas.microsoft.com/office/drawing/2014/main" id="{E7BD79A6-4552-F384-08A0-7D8948BA35EA}"/>
+              </a:ext>
+              <a:ext uri="{C183D7F6-B498-43B3-948B-1728B52AA6E4}">
+                <adec:decorative xmlns:adec="http://schemas.microsoft.com/office/drawing/2017/decorative" val="1"/>
+              </a:ext>
+            </a:extLst>
+          </p:cNvPr>
+          <p:cNvSpPr>
+            <a:spLocks noGrp="1" noRot="1" noChangeAspect="1" noMove="1" noResize="1" noEditPoints="1" noAdjustHandles="1" noChangeArrowheads="1" noChangeShapeType="1" noTextEdit="1"/>
+          </p:cNvSpPr>
+          <p:nvPr>
+            <p:extLst>
+              <p:ext uri="{386F3935-93C4-4BCD-93E2-E3B085C9AB24}">
+                <p16:designElem xmlns:p16="http://schemas.microsoft.com/office/powerpoint/2015/main" val="1"/>
+              </p:ext>
+            </p:extLst>
+          </p:nvPr>
+        </p:nvSpPr>
+        <p:spPr>
+          <a:xfrm flipH="1">
+            <a:off x="8576720" y="3335867"/>
+            <a:ext cx="3291840" cy="3200400"/>
+          </a:xfrm>
+          <a:prstGeom prst="rtTriangle">
+            <a:avLst/>
+          </a:prstGeom>
+          <a:solidFill>
+            <a:schemeClr val="accent4"/>
+          </a:solidFill>
+          <a:ln>
+            <a:noFill/>
+          </a:ln>
+        </p:spPr>
+        <p:style>
+          <a:lnRef idx="2">
+            <a:schemeClr val="accent1">
+              <a:shade val="50000"/>
+            </a:schemeClr>
+          </a:lnRef>
+          <a:fillRef idx="1">
+            <a:schemeClr val="accent1"/>
+          </a:fillRef>
+          <a:effectRef idx="0">
+            <a:schemeClr val="accent1"/>
+          </a:effectRef>
+          <a:fontRef idx="minor">
+            <a:schemeClr val="lt1"/>
+          </a:fontRef>
+        </p:style>
+        <p:txBody>
+          <a:bodyPr rtlCol="0" anchor="ctr"/>
+          <a:lstStyle/>
+          <a:p>
+            <a:pPr algn="ctr"/>
+            <a:endParaRPr lang="en-US" dirty="0"/>
+          </a:p>
+        </p:txBody>
+      </p:sp>
+      <p:sp>
+        <p:nvSpPr>
+          <p:cNvPr id="12" name="Rectangle 11">
+            <a:extLst>
+              <a:ext uri="{FF2B5EF4-FFF2-40B4-BE49-F238E27FC236}">
+                <a16:creationId xmlns:a16="http://schemas.microsoft.com/office/drawing/2014/main" id="{F177550E-9038-9AFA-3404-3F15AF600671}"/>
+              </a:ext>
+              <a:ext uri="{C183D7F6-B498-43B3-948B-1728B52AA6E4}">
+                <adec:decorative xmlns:adec="http://schemas.microsoft.com/office/drawing/2017/decorative" val="1"/>
+              </a:ext>
+            </a:extLst>
+          </p:cNvPr>
+          <p:cNvSpPr>
+            <a:spLocks noGrp="1" noRot="1" noChangeAspect="1" noMove="1" noResize="1" noEditPoints="1" noAdjustHandles="1" noChangeArrowheads="1" noChangeShapeType="1" noTextEdit="1"/>
+          </p:cNvSpPr>
+          <p:nvPr>
+            <p:extLst>
+              <p:ext uri="{386F3935-93C4-4BCD-93E2-E3B085C9AB24}">
+                <p16:designElem xmlns:p16="http://schemas.microsoft.com/office/powerpoint/2015/main" val="1"/>
+              </p:ext>
+            </p:extLst>
+          </p:nvPr>
+        </p:nvSpPr>
+        <p:spPr>
+          <a:xfrm>
+            <a:off x="641774" y="623275"/>
+            <a:ext cx="10905053" cy="5607882"/>
+          </a:xfrm>
+          <a:prstGeom prst="rect">
+            <a:avLst/>
+          </a:prstGeom>
+          <a:noFill/>
+          <a:ln w="19050">
+            <a:solidFill>
+              <a:schemeClr val="tx1">
+                <a:lumMod val="75000"/>
+                <a:lumOff val="25000"/>
+              </a:schemeClr>
+            </a:solidFill>
+          </a:ln>
+        </p:spPr>
+        <p:style>
+          <a:lnRef idx="2">
+            <a:schemeClr val="accent1">
+              <a:shade val="50000"/>
+            </a:schemeClr>
+          </a:lnRef>
+          <a:fillRef idx="1">
+            <a:schemeClr val="accent1"/>
+          </a:fillRef>
+          <a:effectRef idx="0">
+            <a:schemeClr val="accent1"/>
+          </a:effectRef>
+          <a:fontRef idx="minor">
+            <a:schemeClr val="lt1"/>
+          </a:fontRef>
+        </p:style>
+        <p:txBody>
+          <a:bodyPr rtlCol="0" anchor="ctr"/>
+          <a:lstStyle/>
+          <a:p>
+            <a:pPr algn="ctr"/>
+            <a:endParaRPr lang="en-US"/>
+          </a:p>
+        </p:txBody>
+      </p:sp>
+      <p:sp>
+        <p:nvSpPr>
+          <p:cNvPr id="2" name="Title 1">
+            <a:extLst>
+              <a:ext uri="{FF2B5EF4-FFF2-40B4-BE49-F238E27FC236}">
+                <a16:creationId xmlns:a16="http://schemas.microsoft.com/office/drawing/2014/main" id="{C124C017-1980-1973-DDCB-8E9858C84235}"/>
+              </a:ext>
+            </a:extLst>
+          </p:cNvPr>
+          <p:cNvSpPr>
+            <a:spLocks noGrp="1"/>
+          </p:cNvSpPr>
+          <p:nvPr>
+            <p:ph type="title"/>
+          </p:nvPr>
+        </p:nvSpPr>
+        <p:spPr>
+          <a:xfrm>
+            <a:off x="1285240" y="896057"/>
+            <a:ext cx="9552332" cy="861918"/>
+          </a:xfrm>
+        </p:spPr>
+        <p:txBody>
+          <a:bodyPr anchor="ctr">
+            <a:normAutofit/>
+          </a:bodyPr>
+          <a:lstStyle/>
+          <a:p>
+            <a:r>
+              <a:rPr lang="en-GB" sz="5000" dirty="0"/>
+              <a:t>Slash commands</a:t>
+            </a:r>
+          </a:p>
+        </p:txBody>
+      </p:sp>
+      <p:pic>
+        <p:nvPicPr>
+          <p:cNvPr id="6" name="Content Placeholder 5">
+            <a:extLst>
+              <a:ext uri="{FF2B5EF4-FFF2-40B4-BE49-F238E27FC236}">
+                <a16:creationId xmlns:a16="http://schemas.microsoft.com/office/drawing/2014/main" id="{9B690DD7-505A-7A84-83E5-491CD9CF28D7}"/>
+              </a:ext>
+            </a:extLst>
+          </p:cNvPr>
+          <p:cNvPicPr>
+            <a:picLocks noGrp="1" noChangeAspect="1"/>
+          </p:cNvPicPr>
+          <p:nvPr>
+            <p:ph idx="1"/>
+          </p:nvPr>
+        </p:nvPicPr>
+        <p:blipFill>
+          <a:blip r:embed="rId3"/>
+          <a:stretch>
+            <a:fillRect/>
+          </a:stretch>
+        </p:blipFill>
+        <p:spPr>
+          <a:xfrm>
+            <a:off x="1602457" y="2687214"/>
+            <a:ext cx="6475032" cy="3274729"/>
+          </a:xfrm>
+        </p:spPr>
+      </p:pic>
+      <p:sp>
+        <p:nvSpPr>
+          <p:cNvPr id="7" name="TextBox 6">
+            <a:extLst>
+              <a:ext uri="{FF2B5EF4-FFF2-40B4-BE49-F238E27FC236}">
+                <a16:creationId xmlns:a16="http://schemas.microsoft.com/office/drawing/2014/main" id="{E1F662C0-ACCE-96FA-3EF5-F1EB16E8C48E}"/>
+              </a:ext>
+            </a:extLst>
+          </p:cNvPr>
+          <p:cNvSpPr txBox="1"/>
+          <p:nvPr/>
+        </p:nvSpPr>
+        <p:spPr>
+          <a:xfrm>
+            <a:off x="972355" y="1841679"/>
+            <a:ext cx="5621628" cy="646331"/>
+          </a:xfrm>
+          <a:prstGeom prst="rect">
+            <a:avLst/>
+          </a:prstGeom>
+          <a:noFill/>
+        </p:spPr>
+        <p:txBody>
+          <a:bodyPr wrap="square" rtlCol="0">
+            <a:spAutoFit/>
+          </a:bodyPr>
+          <a:lstStyle/>
+          <a:p>
+            <a:pPr marL="285750" indent="-285750">
+              <a:buFont typeface="Arial" panose="020B0604020202020204" pitchFamily="34" charset="0"/>
+              <a:buChar char="•"/>
+            </a:pPr>
+            <a:r>
+              <a:rPr lang="en-GB" dirty="0">
+                <a:hlinkClick r:id="rId4"/>
+              </a:rPr>
+              <a:t>Slash commands (Microsoft)</a:t>
+            </a:r>
+            <a:endParaRPr lang="en-GB" dirty="0"/>
+          </a:p>
+          <a:p>
+            <a:pPr marL="285750" indent="-285750">
+              <a:buFont typeface="Arial" panose="020B0604020202020204" pitchFamily="34" charset="0"/>
+              <a:buChar char="•"/>
+            </a:pPr>
+            <a:r>
+              <a:rPr lang="en-GB" dirty="0"/>
+              <a:t>You can add your own ones</a:t>
+            </a:r>
+          </a:p>
+        </p:txBody>
+      </p:sp>
+    </p:spTree>
+    <p:extLst>
+      <p:ext uri="{BB962C8B-B14F-4D97-AF65-F5344CB8AC3E}">
+        <p14:creationId xmlns:p14="http://schemas.microsoft.com/office/powerpoint/2010/main" val="4217573439"/>
+      </p:ext>
+    </p:extLst>
+  </p:cSld>
+  <p:clrMapOvr>
+    <a:masterClrMapping/>
+  </p:clrMapOvr>
+  <p:timing>
+    <p:tnLst>
+      <p:par>
+        <p:cTn id="1" dur="indefinite" restart="never" nodeType="tmRoot">
+          <p:childTnLst>
+            <p:seq concurrent="1" nextAc="seek">
+              <p:cTn id="2" dur="indefinite" nodeType="mainSeq">
+                <p:childTnLst>
+                  <p:par>
+                    <p:cTn id="3" fill="hold">
+                      <p:stCondLst>
+                        <p:cond delay="indefinite"/>
+                        <p:cond evt="onBegin" delay="0">
+                          <p:tn val="2"/>
+                        </p:cond>
+                      </p:stCondLst>
+                      <p:childTnLst>
+                        <p:par>
+                          <p:cTn id="4" fill="hold">
+                            <p:stCondLst>
+                              <p:cond delay="0"/>
+                            </p:stCondLst>
+                            <p:childTnLst>
+                              <p:par>
+                                <p:cTn id="5" presetID="10" presetClass="entr" presetSubtype="0" fill="hold" grpId="0" nodeType="withEffect">
+                                  <p:stCondLst>
+                                    <p:cond delay="500"/>
+                                  </p:stCondLst>
+                                  <p:iterate type="wd">
+                                    <p:tmPct val="15000"/>
+                                  </p:iterate>
+                                  <p:childTnLst>
+                                    <p:set>
+                                      <p:cBhvr>
+                                        <p:cTn id="6" dur="1" fill="hold">
+                                          <p:stCondLst>
+                                            <p:cond delay="0"/>
+                                          </p:stCondLst>
+                                        </p:cTn>
+                                        <p:tgtEl>
+                                          <p:spTgt spid="2"/>
+                                        </p:tgtEl>
+                                        <p:attrNameLst>
+                                          <p:attrName>style.visibility</p:attrName>
+                                        </p:attrNameLst>
+                                      </p:cBhvr>
+                                      <p:to>
+                                        <p:strVal val="visible"/>
+                                      </p:to>
+                                    </p:set>
+                                    <p:animEffect transition="in" filter="fade">
+                                      <p:cBhvr>
+                                        <p:cTn id="7" dur="1000"/>
+                                        <p:tgtEl>
+                                          <p:spTgt spid="2"/>
+                                        </p:tgtEl>
+                                      </p:cBhvr>
+                                    </p:animEffect>
+                                  </p:childTnLst>
+                                </p:cTn>
+                              </p:par>
+                            </p:childTnLst>
+                          </p:cTn>
+                        </p:par>
+                      </p:childTnLst>
+                    </p:cTn>
+                  </p:par>
+                </p:childTnLst>
+              </p:cTn>
+              <p:prevCondLst>
+                <p:cond evt="onPrev" delay="0">
+                  <p:tgtEl>
+                    <p:sldTgt/>
+                  </p:tgtEl>
+                </p:cond>
+              </p:prevCondLst>
+              <p:nextCondLst>
+                <p:cond evt="onNext" delay="0">
+                  <p:tgtEl>
+                    <p:sldTgt/>
+                  </p:tgtEl>
+                </p:cond>
+              </p:nextCondLst>
+            </p:seq>
+          </p:childTnLst>
+        </p:cTn>
+      </p:par>
+    </p:tnLst>
+    <p:bldLst>
+      <p:bldP spid="2" grpId="0"/>
+    </p:bldLst>
+  </p:timing>
+</p:sld>
+</file>
+
+<file path=ppt/slides/slide7.xml><?xml version="1.0" encoding="utf-8"?>
+<p:sld xmlns:a="http://schemas.openxmlformats.org/drawingml/2006/main" xmlns:r="http://schemas.openxmlformats.org/officeDocument/2006/relationships" xmlns:p="http://schemas.openxmlformats.org/presentationml/2006/main">
+  <p:cSld>
+    <p:bg>
+      <p:bgPr>
+        <a:solidFill>
+          <a:schemeClr val="bg1"/>
+        </a:solidFill>
+        <a:effectLst/>
+      </p:bgPr>
+    </p:bg>
+    <p:spTree>
+      <p:nvGrpSpPr>
+        <p:cNvPr id="1" name="">
+          <a:extLst>
+            <a:ext uri="{FF2B5EF4-FFF2-40B4-BE49-F238E27FC236}">
+              <a16:creationId xmlns:a16="http://schemas.microsoft.com/office/drawing/2014/main" id="{CB7F19A6-978D-14AC-D20A-FDC071D5AD1B}"/>
+            </a:ext>
+          </a:extLst>
+        </p:cNvPr>
+        <p:cNvGrpSpPr/>
+        <p:nvPr/>
+      </p:nvGrpSpPr>
+      <p:grpSpPr>
+        <a:xfrm>
+          <a:off x="0" y="0"/>
+          <a:ext cx="0" cy="0"/>
+          <a:chOff x="0" y="0"/>
+          <a:chExt cx="0" cy="0"/>
+        </a:xfrm>
+      </p:grpSpPr>
+      <p:sp useBgFill="1">
+        <p:nvSpPr>
+          <p:cNvPr id="8" name="Rectangle 7">
+            <a:extLst>
+              <a:ext uri="{FF2B5EF4-FFF2-40B4-BE49-F238E27FC236}">
+                <a16:creationId xmlns:a16="http://schemas.microsoft.com/office/drawing/2014/main" id="{BC122D5D-D084-A821-6C3B-BA322CD078B1}"/>
+              </a:ext>
+              <a:ext uri="{C183D7F6-B498-43B3-948B-1728B52AA6E4}">
+                <adec:decorative xmlns:adec="http://schemas.microsoft.com/office/drawing/2017/decorative" val="1"/>
+              </a:ext>
+            </a:extLst>
+          </p:cNvPr>
+          <p:cNvSpPr>
+            <a:spLocks noGrp="1" noRot="1" noChangeAspect="1" noMove="1" noResize="1" noEditPoints="1" noAdjustHandles="1" noChangeArrowheads="1" noChangeShapeType="1" noTextEdit="1"/>
+          </p:cNvSpPr>
+          <p:nvPr>
+            <p:extLst>
+              <p:ext uri="{386F3935-93C4-4BCD-93E2-E3B085C9AB24}">
+                <p16:designElem xmlns:p16="http://schemas.microsoft.com/office/powerpoint/2015/main" val="1"/>
+              </p:ext>
+            </p:extLst>
+          </p:nvPr>
+        </p:nvSpPr>
+        <p:spPr>
+          <a:xfrm>
+            <a:off x="0" y="0"/>
+            <a:ext cx="12192000" cy="6858000"/>
+          </a:xfrm>
+          <a:prstGeom prst="rect">
+            <a:avLst/>
+          </a:prstGeom>
+          <a:ln>
+            <a:noFill/>
+          </a:ln>
+        </p:spPr>
+        <p:style>
+          <a:lnRef idx="2">
+            <a:schemeClr val="accent1">
+              <a:shade val="50000"/>
+            </a:schemeClr>
+          </a:lnRef>
+          <a:fillRef idx="1">
+            <a:schemeClr val="accent1"/>
+          </a:fillRef>
+          <a:effectRef idx="0">
+            <a:schemeClr val="accent1"/>
+          </a:effectRef>
+          <a:fontRef idx="minor">
+            <a:schemeClr val="lt1"/>
+          </a:fontRef>
+        </p:style>
+        <p:txBody>
+          <a:bodyPr rtlCol="0" anchor="ctr"/>
+          <a:lstStyle/>
+          <a:p>
+            <a:pPr algn="ctr"/>
+            <a:endParaRPr lang="en-US"/>
+          </a:p>
+        </p:txBody>
+      </p:sp>
+      <p:sp>
+        <p:nvSpPr>
+          <p:cNvPr id="10" name="Right Triangle 9">
+            <a:extLst>
+              <a:ext uri="{FF2B5EF4-FFF2-40B4-BE49-F238E27FC236}">
+                <a16:creationId xmlns:a16="http://schemas.microsoft.com/office/drawing/2014/main" id="{0EB15DD4-7175-AC8A-FF72-F5682D2EE518}"/>
+              </a:ext>
+              <a:ext uri="{C183D7F6-B498-43B3-948B-1728B52AA6E4}">
+                <adec:decorative xmlns:adec="http://schemas.microsoft.com/office/drawing/2017/decorative" val="1"/>
+              </a:ext>
+            </a:extLst>
+          </p:cNvPr>
+          <p:cNvSpPr>
+            <a:spLocks noGrp="1" noRot="1" noChangeAspect="1" noMove="1" noResize="1" noEditPoints="1" noAdjustHandles="1" noChangeArrowheads="1" noChangeShapeType="1" noTextEdit="1"/>
+          </p:cNvSpPr>
+          <p:nvPr>
+            <p:extLst>
+              <p:ext uri="{386F3935-93C4-4BCD-93E2-E3B085C9AB24}">
+                <p16:designElem xmlns:p16="http://schemas.microsoft.com/office/powerpoint/2015/main" val="1"/>
+              </p:ext>
+            </p:extLst>
+          </p:nvPr>
+        </p:nvSpPr>
+        <p:spPr>
+          <a:xfrm flipH="1">
+            <a:off x="8576720" y="3335867"/>
+            <a:ext cx="3291840" cy="3200400"/>
+          </a:xfrm>
+          <a:prstGeom prst="rtTriangle">
+            <a:avLst/>
+          </a:prstGeom>
+          <a:solidFill>
+            <a:schemeClr val="accent4"/>
+          </a:solidFill>
+          <a:ln>
+            <a:noFill/>
+          </a:ln>
+        </p:spPr>
+        <p:style>
+          <a:lnRef idx="2">
+            <a:schemeClr val="accent1">
+              <a:shade val="50000"/>
+            </a:schemeClr>
+          </a:lnRef>
+          <a:fillRef idx="1">
+            <a:schemeClr val="accent1"/>
+          </a:fillRef>
+          <a:effectRef idx="0">
+            <a:schemeClr val="accent1"/>
+          </a:effectRef>
+          <a:fontRef idx="minor">
+            <a:schemeClr val="lt1"/>
+          </a:fontRef>
+        </p:style>
+        <p:txBody>
+          <a:bodyPr rtlCol="0" anchor="ctr"/>
+          <a:lstStyle/>
+          <a:p>
+            <a:pPr algn="ctr"/>
+            <a:endParaRPr lang="en-US" dirty="0"/>
+          </a:p>
+        </p:txBody>
+      </p:sp>
+      <p:sp>
+        <p:nvSpPr>
+          <p:cNvPr id="12" name="Rectangle 11">
+            <a:extLst>
+              <a:ext uri="{FF2B5EF4-FFF2-40B4-BE49-F238E27FC236}">
+                <a16:creationId xmlns:a16="http://schemas.microsoft.com/office/drawing/2014/main" id="{B992263E-5AA5-7719-0889-F93BC8E4A978}"/>
+              </a:ext>
+              <a:ext uri="{C183D7F6-B498-43B3-948B-1728B52AA6E4}">
+                <adec:decorative xmlns:adec="http://schemas.microsoft.com/office/drawing/2017/decorative" val="1"/>
+              </a:ext>
+            </a:extLst>
+          </p:cNvPr>
+          <p:cNvSpPr>
+            <a:spLocks noGrp="1" noRot="1" noChangeAspect="1" noMove="1" noResize="1" noEditPoints="1" noAdjustHandles="1" noChangeArrowheads="1" noChangeShapeType="1" noTextEdit="1"/>
+          </p:cNvSpPr>
+          <p:nvPr>
+            <p:extLst>
+              <p:ext uri="{386F3935-93C4-4BCD-93E2-E3B085C9AB24}">
+                <p16:designElem xmlns:p16="http://schemas.microsoft.com/office/powerpoint/2015/main" val="1"/>
+              </p:ext>
+            </p:extLst>
+          </p:nvPr>
+        </p:nvSpPr>
+        <p:spPr>
+          <a:xfrm>
+            <a:off x="641774" y="623275"/>
+            <a:ext cx="10905053" cy="5607882"/>
+          </a:xfrm>
+          <a:prstGeom prst="rect">
+            <a:avLst/>
+          </a:prstGeom>
+          <a:noFill/>
+          <a:ln w="19050">
+            <a:solidFill>
+              <a:schemeClr val="tx1">
+                <a:lumMod val="75000"/>
+                <a:lumOff val="25000"/>
+              </a:schemeClr>
+            </a:solidFill>
+          </a:ln>
+        </p:spPr>
+        <p:style>
+          <a:lnRef idx="2">
+            <a:schemeClr val="accent1">
+              <a:shade val="50000"/>
+            </a:schemeClr>
+          </a:lnRef>
+          <a:fillRef idx="1">
+            <a:schemeClr val="accent1"/>
+          </a:fillRef>
+          <a:effectRef idx="0">
+            <a:schemeClr val="accent1"/>
+          </a:effectRef>
+          <a:fontRef idx="minor">
+            <a:schemeClr val="lt1"/>
+          </a:fontRef>
+        </p:style>
+        <p:txBody>
+          <a:bodyPr rtlCol="0" anchor="ctr"/>
+          <a:lstStyle/>
+          <a:p>
+            <a:pPr algn="ctr"/>
+            <a:endParaRPr lang="en-US"/>
+          </a:p>
+        </p:txBody>
+      </p:sp>
+      <p:sp>
+        <p:nvSpPr>
+          <p:cNvPr id="2" name="Title 1">
+            <a:extLst>
+              <a:ext uri="{FF2B5EF4-FFF2-40B4-BE49-F238E27FC236}">
+                <a16:creationId xmlns:a16="http://schemas.microsoft.com/office/drawing/2014/main" id="{8281AF80-AB3D-E6EA-700A-7FDC3BA21079}"/>
+              </a:ext>
+            </a:extLst>
+          </p:cNvPr>
+          <p:cNvSpPr>
+            <a:spLocks noGrp="1"/>
+          </p:cNvSpPr>
+          <p:nvPr>
+            <p:ph type="title"/>
+          </p:nvPr>
+        </p:nvSpPr>
+        <p:spPr>
+          <a:xfrm>
+            <a:off x="1285240" y="896057"/>
+            <a:ext cx="9552332" cy="861918"/>
+          </a:xfrm>
+        </p:spPr>
+        <p:txBody>
+          <a:bodyPr anchor="ctr">
+            <a:normAutofit/>
+          </a:bodyPr>
+          <a:lstStyle/>
+          <a:p>
+            <a:r>
+              <a:rPr lang="en-GB" sz="5000" dirty="0"/>
+              <a:t>Context</a:t>
+            </a:r>
+          </a:p>
+        </p:txBody>
+      </p:sp>
+      <p:sp>
+        <p:nvSpPr>
+          <p:cNvPr id="7" name="TextBox 6">
+            <a:extLst>
+              <a:ext uri="{FF2B5EF4-FFF2-40B4-BE49-F238E27FC236}">
+                <a16:creationId xmlns:a16="http://schemas.microsoft.com/office/drawing/2014/main" id="{F20C1D92-4DBB-F7D2-81D1-47CCFE6D81B4}"/>
+              </a:ext>
+            </a:extLst>
+          </p:cNvPr>
+          <p:cNvSpPr txBox="1"/>
+          <p:nvPr/>
+        </p:nvSpPr>
+        <p:spPr>
+          <a:xfrm>
+            <a:off x="963507" y="1573309"/>
+            <a:ext cx="5621628" cy="369332"/>
+          </a:xfrm>
+          <a:prstGeom prst="rect">
+            <a:avLst/>
+          </a:prstGeom>
+          <a:noFill/>
+        </p:spPr>
+        <p:txBody>
+          <a:bodyPr wrap="square" rtlCol="0">
+            <a:spAutoFit/>
+          </a:bodyPr>
+          <a:lstStyle/>
+          <a:p>
+            <a:pPr marL="285750" indent="-285750">
+              <a:buFont typeface="Arial" panose="020B0604020202020204" pitchFamily="34" charset="0"/>
+              <a:buChar char="•"/>
+            </a:pPr>
+            <a:r>
+              <a:rPr lang="en-GB" dirty="0">
+                <a:hlinkClick r:id="rId3"/>
+              </a:rPr>
+              <a:t>Add context to your prompt (</a:t>
+            </a:r>
+            <a:r>
+              <a:rPr lang="en-GB" dirty="0" err="1">
+                <a:hlinkClick r:id="rId3"/>
+              </a:rPr>
+              <a:t>VSCode</a:t>
+            </a:r>
+            <a:r>
+              <a:rPr lang="en-GB" dirty="0">
+                <a:hlinkClick r:id="rId3"/>
+              </a:rPr>
+              <a:t>)</a:t>
+            </a:r>
+            <a:endParaRPr lang="en-GB" dirty="0"/>
+          </a:p>
+        </p:txBody>
+      </p:sp>
+      <p:pic>
+        <p:nvPicPr>
+          <p:cNvPr id="9" name="Picture 8">
+            <a:extLst>
+              <a:ext uri="{FF2B5EF4-FFF2-40B4-BE49-F238E27FC236}">
+                <a16:creationId xmlns:a16="http://schemas.microsoft.com/office/drawing/2014/main" id="{9F054628-011E-7745-1391-7B4940A06D63}"/>
+              </a:ext>
+            </a:extLst>
+          </p:cNvPr>
+          <p:cNvPicPr>
+            <a:picLocks noChangeAspect="1"/>
+          </p:cNvPicPr>
+          <p:nvPr/>
+        </p:nvPicPr>
+        <p:blipFill>
+          <a:blip r:embed="rId4"/>
+          <a:stretch>
+            <a:fillRect/>
+          </a:stretch>
+        </p:blipFill>
+        <p:spPr>
+          <a:xfrm>
+            <a:off x="2230641" y="2030757"/>
+            <a:ext cx="5663294" cy="4473182"/>
+          </a:xfrm>
+          <a:prstGeom prst="rect">
+            <a:avLst/>
+          </a:prstGeom>
+        </p:spPr>
+      </p:pic>
+    </p:spTree>
+    <p:extLst>
+      <p:ext uri="{BB962C8B-B14F-4D97-AF65-F5344CB8AC3E}">
+        <p14:creationId xmlns:p14="http://schemas.microsoft.com/office/powerpoint/2010/main" val="417571514"/>
+      </p:ext>
+    </p:extLst>
+  </p:cSld>
+  <p:clrMapOvr>
+    <a:masterClrMapping/>
+  </p:clrMapOvr>
+  <p:timing>
+    <p:tnLst>
+      <p:par>
+        <p:cTn id="1" dur="indefinite" restart="never" nodeType="tmRoot">
+          <p:childTnLst>
+            <p:seq concurrent="1" nextAc="seek">
+              <p:cTn id="2" dur="indefinite" nodeType="mainSeq">
+                <p:childTnLst>
+                  <p:par>
+                    <p:cTn id="3" fill="hold">
+                      <p:stCondLst>
+                        <p:cond delay="indefinite"/>
+                        <p:cond evt="onBegin" delay="0">
+                          <p:tn val="2"/>
+                        </p:cond>
+                      </p:stCondLst>
+                      <p:childTnLst>
+                        <p:par>
+                          <p:cTn id="4" fill="hold">
+                            <p:stCondLst>
+                              <p:cond delay="0"/>
+                            </p:stCondLst>
+                            <p:childTnLst>
+                              <p:par>
+                                <p:cTn id="5" presetID="10" presetClass="entr" presetSubtype="0" fill="hold" grpId="0" nodeType="withEffect">
+                                  <p:stCondLst>
+                                    <p:cond delay="500"/>
+                                  </p:stCondLst>
+                                  <p:iterate type="wd">
+                                    <p:tmPct val="15000"/>
+                                  </p:iterate>
+                                  <p:childTnLst>
+                                    <p:set>
+                                      <p:cBhvr>
+                                        <p:cTn id="6" dur="1" fill="hold">
+                                          <p:stCondLst>
+                                            <p:cond delay="0"/>
+                                          </p:stCondLst>
+                                        </p:cTn>
+                                        <p:tgtEl>
+                                          <p:spTgt spid="2"/>
+                                        </p:tgtEl>
+                                        <p:attrNameLst>
+                                          <p:attrName>style.visibility</p:attrName>
+                                        </p:attrNameLst>
+                                      </p:cBhvr>
+                                      <p:to>
+                                        <p:strVal val="visible"/>
+                                      </p:to>
+                                    </p:set>
+                                    <p:animEffect transition="in" filter="fade">
+                                      <p:cBhvr>
+                                        <p:cTn id="7" dur="1000"/>
+                                        <p:tgtEl>
+                                          <p:spTgt spid="2"/>
+                                        </p:tgtEl>
+                                      </p:cBhvr>
+                                    </p:animEffect>
+                                  </p:childTnLst>
+                                </p:cTn>
+                              </p:par>
+                            </p:childTnLst>
+                          </p:cTn>
+                        </p:par>
+                      </p:childTnLst>
+                    </p:cTn>
+                  </p:par>
+                </p:childTnLst>
+              </p:cTn>
+              <p:prevCondLst>
+                <p:cond evt="onPrev" delay="0">
+                  <p:tgtEl>
+                    <p:sldTgt/>
+                  </p:tgtEl>
+                </p:cond>
+              </p:prevCondLst>
+              <p:nextCondLst>
+                <p:cond evt="onNext" delay="0">
+                  <p:tgtEl>
+                    <p:sldTgt/>
+                  </p:tgtEl>
+                </p:cond>
+              </p:nextCondLst>
+            </p:seq>
+          </p:childTnLst>
+        </p:cTn>
+      </p:par>
+    </p:tnLst>
+    <p:bldLst>
+      <p:bldP spid="2" grpId="0"/>
+    </p:bldLst>
+  </p:timing>
+</p:sld>
+</file>
+
+<file path=ppt/slides/slide8.xml><?xml version="1.0" encoding="utf-8"?>
+<p:sld xmlns:a="http://schemas.openxmlformats.org/drawingml/2006/main" xmlns:r="http://schemas.openxmlformats.org/officeDocument/2006/relationships" xmlns:p="http://schemas.openxmlformats.org/presentationml/2006/main">
+  <p:cSld>
+    <p:bg>
+      <p:bgPr>
+        <a:solidFill>
+          <a:schemeClr val="bg1"/>
+        </a:solidFill>
+        <a:effectLst/>
+      </p:bgPr>
+    </p:bg>
+    <p:spTree>
+      <p:nvGrpSpPr>
+        <p:cNvPr id="1" name="">
+          <a:extLst>
+            <a:ext uri="{FF2B5EF4-FFF2-40B4-BE49-F238E27FC236}">
               <a16:creationId xmlns:a16="http://schemas.microsoft.com/office/drawing/2014/main" id="{F34F3A21-2666-FBD5-8BF0-631B53B1E228}"/>
             </a:ext>
           </a:extLst>
@@ -5700,7 +7354,7 @@
 </p:sld>
 </file>
 
-<file path=ppt/slides/slide7.xml><?xml version="1.0" encoding="utf-8"?>
+<file path=ppt/slides/slide9.xml><?xml version="1.0" encoding="utf-8"?>
 <p:sld xmlns:a="http://schemas.openxmlformats.org/drawingml/2006/main" xmlns:r="http://schemas.openxmlformats.org/officeDocument/2006/relationships" xmlns:p="http://schemas.openxmlformats.org/presentationml/2006/main">
   <p:cSld>
     <p:bg>
@@ -6752,4 +8406,319 @@
     </a:ext>
   </a:extLst>
 </a:theme>
+</file>
+
+<file path=ppt/theme/theme2.xml><?xml version="1.0" encoding="utf-8"?>
+<a:theme xmlns:a="http://schemas.openxmlformats.org/drawingml/2006/main" name="Office Theme">
+  <a:themeElements>
+    <a:clrScheme name="Office">
+      <a:dk1>
+        <a:sysClr val="windowText" lastClr="000000"/>
+      </a:dk1>
+      <a:lt1>
+        <a:sysClr val="window" lastClr="FFFFFF"/>
+      </a:lt1>
+      <a:dk2>
+        <a:srgbClr val="0E2841"/>
+      </a:dk2>
+      <a:lt2>
+        <a:srgbClr val="E8E8E8"/>
+      </a:lt2>
+      <a:accent1>
+        <a:srgbClr val="156082"/>
+      </a:accent1>
+      <a:accent2>
+        <a:srgbClr val="E97132"/>
+      </a:accent2>
+      <a:accent3>
+        <a:srgbClr val="196B24"/>
+      </a:accent3>
+      <a:accent4>
+        <a:srgbClr val="0F9ED5"/>
+      </a:accent4>
+      <a:accent5>
+        <a:srgbClr val="A02B93"/>
+      </a:accent5>
+      <a:accent6>
+        <a:srgbClr val="4EA72E"/>
+      </a:accent6>
+      <a:hlink>
+        <a:srgbClr val="467886"/>
+      </a:hlink>
+      <a:folHlink>
+        <a:srgbClr val="96607D"/>
+      </a:folHlink>
+    </a:clrScheme>
+    <a:fontScheme name="Office">
+      <a:majorFont>
+        <a:latin typeface="Aptos Display" panose="02110004020202020204"/>
+        <a:ea typeface=""/>
+        <a:cs typeface=""/>
+        <a:font script="Jpan" typeface="游ゴシック Light"/>
+        <a:font script="Hang" typeface="맑은 고딕"/>
+        <a:font script="Hans" typeface="等线 Light"/>
+        <a:font script="Hant" typeface="新細明體"/>
+        <a:font script="Arab" typeface="Times New Roman"/>
+        <a:font script="Hebr" typeface="Times New Roman"/>
+        <a:font script="Thai" typeface="Angsana New"/>
+        <a:font script="Ethi" typeface="Nyala"/>
+        <a:font script="Beng" typeface="Vrinda"/>
+        <a:font script="Gujr" typeface="Shruti"/>
+        <a:font script="Khmr" typeface="MoolBoran"/>
+        <a:font script="Knda" typeface="Tunga"/>
+        <a:font script="Guru" typeface="Raavi"/>
+        <a:font script="Cans" typeface="Euphemia"/>
+        <a:font script="Cher" typeface="Plantagenet Cherokee"/>
+        <a:font script="Yiii" typeface="Microsoft Yi Baiti"/>
+        <a:font script="Tibt" typeface="Microsoft Himalaya"/>
+        <a:font script="Thaa" typeface="MV Boli"/>
+        <a:font script="Deva" typeface="Mangal"/>
+        <a:font script="Telu" typeface="Gautami"/>
+        <a:font script="Taml" typeface="Latha"/>
+        <a:font script="Syrc" typeface="Estrangelo Edessa"/>
+        <a:font script="Orya" typeface="Kalinga"/>
+        <a:font script="Mlym" typeface="Kartika"/>
+        <a:font script="Laoo" typeface="DokChampa"/>
+        <a:font script="Sinh" typeface="Iskoola Pota"/>
+        <a:font script="Mong" typeface="Mongolian Baiti"/>
+        <a:font script="Viet" typeface="Times New Roman"/>
+        <a:font script="Uigh" typeface="Microsoft Uighur"/>
+        <a:font script="Geor" typeface="Sylfaen"/>
+        <a:font script="Armn" typeface="Arial"/>
+        <a:font script="Bugi" typeface="Leelawadee UI"/>
+        <a:font script="Bopo" typeface="Microsoft JhengHei"/>
+        <a:font script="Java" typeface="Javanese Text"/>
+        <a:font script="Lisu" typeface="Segoe UI"/>
+        <a:font script="Mymr" typeface="Myanmar Text"/>
+        <a:font script="Nkoo" typeface="Ebrima"/>
+        <a:font script="Olck" typeface="Nirmala UI"/>
+        <a:font script="Osma" typeface="Ebrima"/>
+        <a:font script="Phag" typeface="Phagspa"/>
+        <a:font script="Syrn" typeface="Estrangelo Edessa"/>
+        <a:font script="Syrj" typeface="Estrangelo Edessa"/>
+        <a:font script="Syre" typeface="Estrangelo Edessa"/>
+        <a:font script="Sora" typeface="Nirmala UI"/>
+        <a:font script="Tale" typeface="Microsoft Tai Le"/>
+        <a:font script="Talu" typeface="Microsoft New Tai Lue"/>
+        <a:font script="Tfng" typeface="Ebrima"/>
+      </a:majorFont>
+      <a:minorFont>
+        <a:latin typeface="Aptos" panose="02110004020202020204"/>
+        <a:ea typeface=""/>
+        <a:cs typeface=""/>
+        <a:font script="Jpan" typeface="游ゴシック"/>
+        <a:font script="Hang" typeface="맑은 고딕"/>
+        <a:font script="Hans" typeface="等线"/>
+        <a:font script="Hant" typeface="新細明體"/>
+        <a:font script="Arab" typeface="Arial"/>
+        <a:font script="Hebr" typeface="Arial"/>
+        <a:font script="Thai" typeface="Cordia New"/>
+        <a:font script="Ethi" typeface="Nyala"/>
+        <a:font script="Beng" typeface="Vrinda"/>
+        <a:font script="Gujr" typeface="Shruti"/>
+        <a:font script="Khmr" typeface="DaunPenh"/>
+        <a:font script="Knda" typeface="Tunga"/>
+        <a:font script="Guru" typeface="Raavi"/>
+        <a:font script="Cans" typeface="Euphemia"/>
+        <a:font script="Cher" typeface="Plantagenet Cherokee"/>
+        <a:font script="Yiii" typeface="Microsoft Yi Baiti"/>
+        <a:font script="Tibt" typeface="Microsoft Himalaya"/>
+        <a:font script="Thaa" typeface="MV Boli"/>
+        <a:font script="Deva" typeface="Mangal"/>
+        <a:font script="Telu" typeface="Gautami"/>
+        <a:font script="Taml" typeface="Latha"/>
+        <a:font script="Syrc" typeface="Estrangelo Edessa"/>
+        <a:font script="Orya" typeface="Kalinga"/>
+        <a:font script="Mlym" typeface="Kartika"/>
+        <a:font script="Laoo" typeface="DokChampa"/>
+        <a:font script="Sinh" typeface="Iskoola Pota"/>
+        <a:font script="Mong" typeface="Mongolian Baiti"/>
+        <a:font script="Viet" typeface="Arial"/>
+        <a:font script="Uigh" typeface="Microsoft Uighur"/>
+        <a:font script="Geor" typeface="Sylfaen"/>
+        <a:font script="Armn" typeface="Arial"/>
+        <a:font script="Bugi" typeface="Leelawadee UI"/>
+        <a:font script="Bopo" typeface="Microsoft JhengHei"/>
+        <a:font script="Java" typeface="Javanese Text"/>
+        <a:font script="Lisu" typeface="Segoe UI"/>
+        <a:font script="Mymr" typeface="Myanmar Text"/>
+        <a:font script="Nkoo" typeface="Ebrima"/>
+        <a:font script="Olck" typeface="Nirmala UI"/>
+        <a:font script="Osma" typeface="Ebrima"/>
+        <a:font script="Phag" typeface="Phagspa"/>
+        <a:font script="Syrn" typeface="Estrangelo Edessa"/>
+        <a:font script="Syrj" typeface="Estrangelo Edessa"/>
+        <a:font script="Syre" typeface="Estrangelo Edessa"/>
+        <a:font script="Sora" typeface="Nirmala UI"/>
+        <a:font script="Tale" typeface="Microsoft Tai Le"/>
+        <a:font script="Talu" typeface="Microsoft New Tai Lue"/>
+        <a:font script="Tfng" typeface="Ebrima"/>
+      </a:minorFont>
+    </a:fontScheme>
+    <a:fmtScheme name="Office">
+      <a:fillStyleLst>
+        <a:solidFill>
+          <a:schemeClr val="phClr"/>
+        </a:solidFill>
+        <a:gradFill rotWithShape="1">
+          <a:gsLst>
+            <a:gs pos="0">
+              <a:schemeClr val="phClr">
+                <a:lumMod val="110000"/>
+                <a:satMod val="105000"/>
+                <a:tint val="67000"/>
+              </a:schemeClr>
+            </a:gs>
+            <a:gs pos="50000">
+              <a:schemeClr val="phClr">
+                <a:lumMod val="105000"/>
+                <a:satMod val="103000"/>
+                <a:tint val="73000"/>
+              </a:schemeClr>
+            </a:gs>
+            <a:gs pos="100000">
+              <a:schemeClr val="phClr">
+                <a:lumMod val="105000"/>
+                <a:satMod val="109000"/>
+                <a:tint val="81000"/>
+              </a:schemeClr>
+            </a:gs>
+          </a:gsLst>
+          <a:lin ang="5400000" scaled="0"/>
+        </a:gradFill>
+        <a:gradFill rotWithShape="1">
+          <a:gsLst>
+            <a:gs pos="0">
+              <a:schemeClr val="phClr">
+                <a:satMod val="103000"/>
+                <a:lumMod val="102000"/>
+                <a:tint val="94000"/>
+              </a:schemeClr>
+            </a:gs>
+            <a:gs pos="50000">
+              <a:schemeClr val="phClr">
+                <a:satMod val="110000"/>
+                <a:lumMod val="100000"/>
+                <a:shade val="100000"/>
+              </a:schemeClr>
+            </a:gs>
+            <a:gs pos="100000">
+              <a:schemeClr val="phClr">
+                <a:lumMod val="99000"/>
+                <a:satMod val="120000"/>
+                <a:shade val="78000"/>
+              </a:schemeClr>
+            </a:gs>
+          </a:gsLst>
+          <a:lin ang="5400000" scaled="0"/>
+        </a:gradFill>
+      </a:fillStyleLst>
+      <a:lnStyleLst>
+        <a:ln w="12700" cap="flat" cmpd="sng" algn="ctr">
+          <a:solidFill>
+            <a:schemeClr val="phClr"/>
+          </a:solidFill>
+          <a:prstDash val="solid"/>
+          <a:miter lim="800000"/>
+        </a:ln>
+        <a:ln w="19050" cap="flat" cmpd="sng" algn="ctr">
+          <a:solidFill>
+            <a:schemeClr val="phClr"/>
+          </a:solidFill>
+          <a:prstDash val="solid"/>
+          <a:miter lim="800000"/>
+        </a:ln>
+        <a:ln w="25400" cap="flat" cmpd="sng" algn="ctr">
+          <a:solidFill>
+            <a:schemeClr val="phClr"/>
+          </a:solidFill>
+          <a:prstDash val="solid"/>
+          <a:miter lim="800000"/>
+        </a:ln>
+      </a:lnStyleLst>
+      <a:effectStyleLst>
+        <a:effectStyle>
+          <a:effectLst/>
+        </a:effectStyle>
+        <a:effectStyle>
+          <a:effectLst/>
+        </a:effectStyle>
+        <a:effectStyle>
+          <a:effectLst>
+            <a:outerShdw blurRad="57150" dist="19050" dir="5400000" algn="ctr" rotWithShape="0">
+              <a:srgbClr val="000000">
+                <a:alpha val="63000"/>
+              </a:srgbClr>
+            </a:outerShdw>
+          </a:effectLst>
+        </a:effectStyle>
+      </a:effectStyleLst>
+      <a:bgFillStyleLst>
+        <a:solidFill>
+          <a:schemeClr val="phClr"/>
+        </a:solidFill>
+        <a:solidFill>
+          <a:schemeClr val="phClr">
+            <a:tint val="95000"/>
+            <a:satMod val="170000"/>
+          </a:schemeClr>
+        </a:solidFill>
+        <a:gradFill rotWithShape="1">
+          <a:gsLst>
+            <a:gs pos="0">
+              <a:schemeClr val="phClr">
+                <a:tint val="93000"/>
+                <a:satMod val="150000"/>
+                <a:shade val="98000"/>
+                <a:lumMod val="102000"/>
+              </a:schemeClr>
+            </a:gs>
+            <a:gs pos="50000">
+              <a:schemeClr val="phClr">
+                <a:tint val="98000"/>
+                <a:satMod val="130000"/>
+                <a:shade val="90000"/>
+                <a:lumMod val="103000"/>
+              </a:schemeClr>
+            </a:gs>
+            <a:gs pos="100000">
+              <a:schemeClr val="phClr">
+                <a:shade val="63000"/>
+                <a:satMod val="120000"/>
+              </a:schemeClr>
+            </a:gs>
+          </a:gsLst>
+          <a:lin ang="5400000" scaled="0"/>
+        </a:gradFill>
+      </a:bgFillStyleLst>
+    </a:fmtScheme>
+  </a:themeElements>
+  <a:objectDefaults>
+    <a:lnDef>
+      <a:spPr/>
+      <a:bodyPr/>
+      <a:lstStyle/>
+      <a:style>
+        <a:lnRef idx="2">
+          <a:schemeClr val="accent1"/>
+        </a:lnRef>
+        <a:fillRef idx="0">
+          <a:schemeClr val="accent1"/>
+        </a:fillRef>
+        <a:effectRef idx="1">
+          <a:schemeClr val="accent1"/>
+        </a:effectRef>
+        <a:fontRef idx="minor">
+          <a:schemeClr val="tx1"/>
+        </a:fontRef>
+      </a:style>
+    </a:lnDef>
+  </a:objectDefaults>
+  <a:extraClrSchemeLst/>
+  <a:extLst>
+    <a:ext uri="{05A4C25C-085E-4340-85A3-A5531E510DB2}">
+      <thm15:themeFamily xmlns:thm15="http://schemas.microsoft.com/office/thememl/2012/main" name="Office Theme" id="{2E142A2C-CD16-42D6-873A-C26D2A0506FA}" vid="{1BDDFF52-6CD6-40A5-AB3C-68EB2F1E4D0A}"/>
+    </a:ext>
+  </a:extLst>
+</a:theme>
 </file>
--- a/Code Dojo - GitHub copilot.pptx
+++ b/Code Dojo - GitHub copilot.pptx
@@ -5,7 +5,7 @@
     <p:sldMasterId id="2147483648" r:id="rId1"/>
   </p:sldMasterIdLst>
   <p:notesMasterIdLst>
-    <p:notesMasterId r:id="rId11"/>
+    <p:notesMasterId r:id="rId12"/>
   </p:notesMasterIdLst>
   <p:sldIdLst>
     <p:sldId id="256" r:id="rId2"/>
@@ -15,8 +15,9 @@
     <p:sldId id="259" r:id="rId6"/>
     <p:sldId id="267" r:id="rId7"/>
     <p:sldId id="268" r:id="rId8"/>
-    <p:sldId id="264" r:id="rId9"/>
-    <p:sldId id="265" r:id="rId10"/>
+    <p:sldId id="269" r:id="rId9"/>
+    <p:sldId id="264" r:id="rId10"/>
+    <p:sldId id="265" r:id="rId11"/>
   </p:sldIdLst>
   <p:sldSz cx="12192000" cy="6858000"/>
   <p:notesSz cx="6858000" cy="9144000"/>
@@ -764,6 +765,114 @@
     <p:extLst>
       <p:ext uri="{BB962C8B-B14F-4D97-AF65-F5344CB8AC3E}">
         <p14:creationId xmlns:p14="http://schemas.microsoft.com/office/powerpoint/2010/main" val="221318321"/>
+      </p:ext>
+    </p:extLst>
+  </p:cSld>
+  <p:clrMapOvr>
+    <a:masterClrMapping/>
+  </p:clrMapOvr>
+</p:notes>
+</file>
+
+<file path=ppt/notesSlides/notesSlide4.xml><?xml version="1.0" encoding="utf-8"?>
+<p:notes xmlns:a="http://schemas.openxmlformats.org/drawingml/2006/main" xmlns:r="http://schemas.openxmlformats.org/officeDocument/2006/relationships" xmlns:p="http://schemas.openxmlformats.org/presentationml/2006/main">
+  <p:cSld>
+    <p:spTree>
+      <p:nvGrpSpPr>
+        <p:cNvPr id="1" name="">
+          <a:extLst>
+            <a:ext uri="{FF2B5EF4-FFF2-40B4-BE49-F238E27FC236}">
+              <a16:creationId xmlns:a16="http://schemas.microsoft.com/office/drawing/2014/main" id="{C3685058-91D9-CD3F-899E-4DF8798980DD}"/>
+            </a:ext>
+          </a:extLst>
+        </p:cNvPr>
+        <p:cNvGrpSpPr/>
+        <p:nvPr/>
+      </p:nvGrpSpPr>
+      <p:grpSpPr>
+        <a:xfrm>
+          <a:off x="0" y="0"/>
+          <a:ext cx="0" cy="0"/>
+          <a:chOff x="0" y="0"/>
+          <a:chExt cx="0" cy="0"/>
+        </a:xfrm>
+      </p:grpSpPr>
+      <p:sp>
+        <p:nvSpPr>
+          <p:cNvPr id="2" name="Slide Image Placeholder 1">
+            <a:extLst>
+              <a:ext uri="{FF2B5EF4-FFF2-40B4-BE49-F238E27FC236}">
+                <a16:creationId xmlns:a16="http://schemas.microsoft.com/office/drawing/2014/main" id="{7D5C9D17-15BC-5DE5-5248-CE1CFA1E932B}"/>
+              </a:ext>
+            </a:extLst>
+          </p:cNvPr>
+          <p:cNvSpPr>
+            <a:spLocks noGrp="1" noRot="1" noChangeAspect="1"/>
+          </p:cNvSpPr>
+          <p:nvPr>
+            <p:ph type="sldImg"/>
+          </p:nvPr>
+        </p:nvSpPr>
+        <p:spPr/>
+      </p:sp>
+      <p:sp>
+        <p:nvSpPr>
+          <p:cNvPr id="3" name="Notes Placeholder 2">
+            <a:extLst>
+              <a:ext uri="{FF2B5EF4-FFF2-40B4-BE49-F238E27FC236}">
+                <a16:creationId xmlns:a16="http://schemas.microsoft.com/office/drawing/2014/main" id="{2DCAFE1B-801C-6804-14C8-1026657F7034}"/>
+              </a:ext>
+            </a:extLst>
+          </p:cNvPr>
+          <p:cNvSpPr>
+            <a:spLocks noGrp="1"/>
+          </p:cNvSpPr>
+          <p:nvPr>
+            <p:ph type="body" idx="1"/>
+          </p:nvPr>
+        </p:nvSpPr>
+        <p:spPr/>
+        <p:txBody>
+          <a:bodyPr/>
+          <a:lstStyle/>
+          <a:p>
+            <a:endParaRPr lang="en-GB" dirty="0"/>
+          </a:p>
+        </p:txBody>
+      </p:sp>
+      <p:sp>
+        <p:nvSpPr>
+          <p:cNvPr id="4" name="Slide Number Placeholder 3">
+            <a:extLst>
+              <a:ext uri="{FF2B5EF4-FFF2-40B4-BE49-F238E27FC236}">
+                <a16:creationId xmlns:a16="http://schemas.microsoft.com/office/drawing/2014/main" id="{8905817F-2F21-BFA2-8737-5AAC52333D0D}"/>
+              </a:ext>
+            </a:extLst>
+          </p:cNvPr>
+          <p:cNvSpPr>
+            <a:spLocks noGrp="1"/>
+          </p:cNvSpPr>
+          <p:nvPr>
+            <p:ph type="sldNum" sz="quarter" idx="5"/>
+          </p:nvPr>
+        </p:nvSpPr>
+        <p:spPr/>
+        <p:txBody>
+          <a:bodyPr/>
+          <a:lstStyle/>
+          <a:p>
+            <a:fld id="{BAB86C82-4297-4050-A2FA-941D81DA6BC9}" type="slidenum">
+              <a:rPr lang="en-GB" smtClean="0"/>
+              <a:t>8</a:t>
+            </a:fld>
+            <a:endParaRPr lang="en-GB"/>
+          </a:p>
+        </p:txBody>
+      </p:sp>
+    </p:spTree>
+    <p:extLst>
+      <p:ext uri="{BB962C8B-B14F-4D97-AF65-F5344CB8AC3E}">
+        <p14:creationId xmlns:p14="http://schemas.microsoft.com/office/powerpoint/2010/main" val="3330756711"/>
       </p:ext>
     </p:extLst>
   </p:cSld>
@@ -4336,3025 +4445,7 @@
 </p:sld>
 </file>
 
-<file path=ppt/slides/slide2.xml><?xml version="1.0" encoding="utf-8"?>
-<p:sld xmlns:a="http://schemas.openxmlformats.org/drawingml/2006/main" xmlns:r="http://schemas.openxmlformats.org/officeDocument/2006/relationships" xmlns:p="http://schemas.openxmlformats.org/presentationml/2006/main">
-  <p:cSld>
-    <p:bg>
-      <p:bgPr>
-        <a:solidFill>
-          <a:schemeClr val="bg1"/>
-        </a:solidFill>
-        <a:effectLst/>
-      </p:bgPr>
-    </p:bg>
-    <p:spTree>
-      <p:nvGrpSpPr>
-        <p:cNvPr id="1" name=""/>
-        <p:cNvGrpSpPr/>
-        <p:nvPr/>
-      </p:nvGrpSpPr>
-      <p:grpSpPr>
-        <a:xfrm>
-          <a:off x="0" y="0"/>
-          <a:ext cx="0" cy="0"/>
-          <a:chOff x="0" y="0"/>
-          <a:chExt cx="0" cy="0"/>
-        </a:xfrm>
-      </p:grpSpPr>
-      <p:sp useBgFill="1">
-        <p:nvSpPr>
-          <p:cNvPr id="8" name="Rectangle 7">
-            <a:extLst>
-              <a:ext uri="{FF2B5EF4-FFF2-40B4-BE49-F238E27FC236}">
-                <a16:creationId xmlns:a16="http://schemas.microsoft.com/office/drawing/2014/main" id="{081EA652-8C6A-4E69-BEB9-170809474553}"/>
-              </a:ext>
-              <a:ext uri="{C183D7F6-B498-43B3-948B-1728B52AA6E4}">
-                <adec:decorative xmlns:adec="http://schemas.microsoft.com/office/drawing/2017/decorative" val="1"/>
-              </a:ext>
-            </a:extLst>
-          </p:cNvPr>
-          <p:cNvSpPr>
-            <a:spLocks noGrp="1" noRot="1" noChangeAspect="1" noMove="1" noResize="1" noEditPoints="1" noAdjustHandles="1" noChangeArrowheads="1" noChangeShapeType="1" noTextEdit="1"/>
-          </p:cNvSpPr>
-          <p:nvPr>
-            <p:extLst>
-              <p:ext uri="{386F3935-93C4-4BCD-93E2-E3B085C9AB24}">
-                <p16:designElem xmlns:p16="http://schemas.microsoft.com/office/powerpoint/2015/main" val="1"/>
-              </p:ext>
-            </p:extLst>
-          </p:nvPr>
-        </p:nvSpPr>
-        <p:spPr>
-          <a:xfrm>
-            <a:off x="0" y="0"/>
-            <a:ext cx="12192000" cy="6858000"/>
-          </a:xfrm>
-          <a:prstGeom prst="rect">
-            <a:avLst/>
-          </a:prstGeom>
-          <a:ln>
-            <a:noFill/>
-          </a:ln>
-        </p:spPr>
-        <p:style>
-          <a:lnRef idx="2">
-            <a:schemeClr val="accent1">
-              <a:shade val="50000"/>
-            </a:schemeClr>
-          </a:lnRef>
-          <a:fillRef idx="1">
-            <a:schemeClr val="accent1"/>
-          </a:fillRef>
-          <a:effectRef idx="0">
-            <a:schemeClr val="accent1"/>
-          </a:effectRef>
-          <a:fontRef idx="minor">
-            <a:schemeClr val="lt1"/>
-          </a:fontRef>
-        </p:style>
-        <p:txBody>
-          <a:bodyPr rtlCol="0" anchor="ctr"/>
-          <a:lstStyle/>
-          <a:p>
-            <a:pPr algn="ctr"/>
-            <a:endParaRPr lang="en-US"/>
-          </a:p>
-        </p:txBody>
-      </p:sp>
-      <p:sp>
-        <p:nvSpPr>
-          <p:cNvPr id="10" name="Right Triangle 9">
-            <a:extLst>
-              <a:ext uri="{FF2B5EF4-FFF2-40B4-BE49-F238E27FC236}">
-                <a16:creationId xmlns:a16="http://schemas.microsoft.com/office/drawing/2014/main" id="{5298780A-33B9-4EA2-8F67-DE68AD62841B}"/>
-              </a:ext>
-              <a:ext uri="{C183D7F6-B498-43B3-948B-1728B52AA6E4}">
-                <adec:decorative xmlns:adec="http://schemas.microsoft.com/office/drawing/2017/decorative" val="1"/>
-              </a:ext>
-            </a:extLst>
-          </p:cNvPr>
-          <p:cNvSpPr>
-            <a:spLocks noGrp="1" noRot="1" noChangeAspect="1" noMove="1" noResize="1" noEditPoints="1" noAdjustHandles="1" noChangeArrowheads="1" noChangeShapeType="1" noTextEdit="1"/>
-          </p:cNvSpPr>
-          <p:nvPr>
-            <p:extLst>
-              <p:ext uri="{386F3935-93C4-4BCD-93E2-E3B085C9AB24}">
-                <p16:designElem xmlns:p16="http://schemas.microsoft.com/office/powerpoint/2015/main" val="1"/>
-              </p:ext>
-            </p:extLst>
-          </p:nvPr>
-        </p:nvSpPr>
-        <p:spPr>
-          <a:xfrm flipH="1">
-            <a:off x="8576720" y="3335867"/>
-            <a:ext cx="3291840" cy="3200400"/>
-          </a:xfrm>
-          <a:prstGeom prst="rtTriangle">
-            <a:avLst/>
-          </a:prstGeom>
-          <a:solidFill>
-            <a:schemeClr val="accent4"/>
-          </a:solidFill>
-          <a:ln>
-            <a:noFill/>
-          </a:ln>
-        </p:spPr>
-        <p:style>
-          <a:lnRef idx="2">
-            <a:schemeClr val="accent1">
-              <a:shade val="50000"/>
-            </a:schemeClr>
-          </a:lnRef>
-          <a:fillRef idx="1">
-            <a:schemeClr val="accent1"/>
-          </a:fillRef>
-          <a:effectRef idx="0">
-            <a:schemeClr val="accent1"/>
-          </a:effectRef>
-          <a:fontRef idx="minor">
-            <a:schemeClr val="lt1"/>
-          </a:fontRef>
-        </p:style>
-        <p:txBody>
-          <a:bodyPr rtlCol="0" anchor="ctr"/>
-          <a:lstStyle/>
-          <a:p>
-            <a:pPr algn="ctr"/>
-            <a:endParaRPr lang="en-US" dirty="0"/>
-          </a:p>
-        </p:txBody>
-      </p:sp>
-      <p:sp>
-        <p:nvSpPr>
-          <p:cNvPr id="12" name="Rectangle 11">
-            <a:extLst>
-              <a:ext uri="{FF2B5EF4-FFF2-40B4-BE49-F238E27FC236}">
-                <a16:creationId xmlns:a16="http://schemas.microsoft.com/office/drawing/2014/main" id="{7F488E8B-4E1E-4402-8935-D4E6C02615C7}"/>
-              </a:ext>
-              <a:ext uri="{C183D7F6-B498-43B3-948B-1728B52AA6E4}">
-                <adec:decorative xmlns:adec="http://schemas.microsoft.com/office/drawing/2017/decorative" val="1"/>
-              </a:ext>
-            </a:extLst>
-          </p:cNvPr>
-          <p:cNvSpPr>
-            <a:spLocks noGrp="1" noRot="1" noChangeAspect="1" noMove="1" noResize="1" noEditPoints="1" noAdjustHandles="1" noChangeArrowheads="1" noChangeShapeType="1" noTextEdit="1"/>
-          </p:cNvSpPr>
-          <p:nvPr>
-            <p:extLst>
-              <p:ext uri="{386F3935-93C4-4BCD-93E2-E3B085C9AB24}">
-                <p16:designElem xmlns:p16="http://schemas.microsoft.com/office/powerpoint/2015/main" val="1"/>
-              </p:ext>
-            </p:extLst>
-          </p:nvPr>
-        </p:nvSpPr>
-        <p:spPr>
-          <a:xfrm>
-            <a:off x="641774" y="623275"/>
-            <a:ext cx="10905053" cy="5607882"/>
-          </a:xfrm>
-          <a:prstGeom prst="rect">
-            <a:avLst/>
-          </a:prstGeom>
-          <a:noFill/>
-          <a:ln w="19050">
-            <a:solidFill>
-              <a:schemeClr val="tx1">
-                <a:lumMod val="75000"/>
-                <a:lumOff val="25000"/>
-              </a:schemeClr>
-            </a:solidFill>
-          </a:ln>
-        </p:spPr>
-        <p:style>
-          <a:lnRef idx="2">
-            <a:schemeClr val="accent1">
-              <a:shade val="50000"/>
-            </a:schemeClr>
-          </a:lnRef>
-          <a:fillRef idx="1">
-            <a:schemeClr val="accent1"/>
-          </a:fillRef>
-          <a:effectRef idx="0">
-            <a:schemeClr val="accent1"/>
-          </a:effectRef>
-          <a:fontRef idx="minor">
-            <a:schemeClr val="lt1"/>
-          </a:fontRef>
-        </p:style>
-        <p:txBody>
-          <a:bodyPr rtlCol="0" anchor="ctr"/>
-          <a:lstStyle/>
-          <a:p>
-            <a:pPr algn="ctr"/>
-            <a:endParaRPr lang="en-US"/>
-          </a:p>
-        </p:txBody>
-      </p:sp>
-      <p:sp>
-        <p:nvSpPr>
-          <p:cNvPr id="2" name="Title 1">
-            <a:extLst>
-              <a:ext uri="{FF2B5EF4-FFF2-40B4-BE49-F238E27FC236}">
-                <a16:creationId xmlns:a16="http://schemas.microsoft.com/office/drawing/2014/main" id="{3BDA9B1C-3DB5-485D-7A5D-0E901972539F}"/>
-              </a:ext>
-            </a:extLst>
-          </p:cNvPr>
-          <p:cNvSpPr>
-            <a:spLocks noGrp="1"/>
-          </p:cNvSpPr>
-          <p:nvPr>
-            <p:ph type="title"/>
-          </p:nvPr>
-        </p:nvSpPr>
-        <p:spPr>
-          <a:xfrm>
-            <a:off x="1285240" y="1050595"/>
-            <a:ext cx="8074815" cy="1618489"/>
-          </a:xfrm>
-        </p:spPr>
-        <p:txBody>
-          <a:bodyPr anchor="ctr">
-            <a:normAutofit/>
-          </a:bodyPr>
-          <a:lstStyle/>
-          <a:p>
-            <a:r>
-              <a:rPr lang="en-GB" sz="7200"/>
-              <a:t>Objectives</a:t>
-            </a:r>
-          </a:p>
-        </p:txBody>
-      </p:sp>
-      <p:sp>
-        <p:nvSpPr>
-          <p:cNvPr id="3" name="Content Placeholder 2">
-            <a:extLst>
-              <a:ext uri="{FF2B5EF4-FFF2-40B4-BE49-F238E27FC236}">
-                <a16:creationId xmlns:a16="http://schemas.microsoft.com/office/drawing/2014/main" id="{7B2860DC-59A0-705E-C1EA-C257B6C04111}"/>
-              </a:ext>
-            </a:extLst>
-          </p:cNvPr>
-          <p:cNvSpPr>
-            <a:spLocks noGrp="1"/>
-          </p:cNvSpPr>
-          <p:nvPr>
-            <p:ph idx="1"/>
-          </p:nvPr>
-        </p:nvSpPr>
-        <p:spPr>
-          <a:xfrm>
-            <a:off x="1285240" y="2969469"/>
-            <a:ext cx="8074815" cy="2800395"/>
-          </a:xfrm>
-        </p:spPr>
-        <p:txBody>
-          <a:bodyPr anchor="t">
-            <a:normAutofit/>
-          </a:bodyPr>
-          <a:lstStyle/>
-          <a:p>
-            <a:r>
-              <a:rPr lang="en-GB" sz="2200"/>
-              <a:t>Learn more about AI Augmented Development and GitHub Copilot</a:t>
-            </a:r>
-          </a:p>
-          <a:p>
-            <a:r>
-              <a:rPr lang="en-GB" sz="2200"/>
-              <a:t>Know how to configure GH Copilot in your IDE</a:t>
-            </a:r>
-          </a:p>
-          <a:p>
-            <a:r>
-              <a:rPr lang="en-GB" sz="2200"/>
-              <a:t>Learn how to use the GH Copilot in:</a:t>
-            </a:r>
-          </a:p>
-          <a:p>
-            <a:pPr lvl="1"/>
-            <a:r>
-              <a:rPr lang="en-GB" sz="2200"/>
-              <a:t>Chat mode</a:t>
-            </a:r>
-          </a:p>
-          <a:p>
-            <a:pPr lvl="1"/>
-            <a:r>
-              <a:rPr lang="en-GB" sz="2200"/>
-              <a:t>Agent/Edit mode</a:t>
-            </a:r>
-          </a:p>
-          <a:p>
-            <a:pPr lvl="1"/>
-            <a:r>
-              <a:rPr lang="en-GB" sz="2200"/>
-              <a:t>Inline edits</a:t>
-            </a:r>
-          </a:p>
-        </p:txBody>
-      </p:sp>
-    </p:spTree>
-    <p:extLst>
-      <p:ext uri="{BB962C8B-B14F-4D97-AF65-F5344CB8AC3E}">
-        <p14:creationId xmlns:p14="http://schemas.microsoft.com/office/powerpoint/2010/main" val="2610281595"/>
-      </p:ext>
-    </p:extLst>
-  </p:cSld>
-  <p:clrMapOvr>
-    <a:masterClrMapping/>
-  </p:clrMapOvr>
-</p:sld>
-</file>
-
-<file path=ppt/slides/slide3.xml><?xml version="1.0" encoding="utf-8"?>
-<p:sld xmlns:a="http://schemas.openxmlformats.org/drawingml/2006/main" xmlns:r="http://schemas.openxmlformats.org/officeDocument/2006/relationships" xmlns:p="http://schemas.openxmlformats.org/presentationml/2006/main">
-  <p:cSld>
-    <p:bg>
-      <p:bgPr>
-        <a:solidFill>
-          <a:schemeClr val="bg1"/>
-        </a:solidFill>
-        <a:effectLst/>
-      </p:bgPr>
-    </p:bg>
-    <p:spTree>
-      <p:nvGrpSpPr>
-        <p:cNvPr id="1" name="">
-          <a:extLst>
-            <a:ext uri="{FF2B5EF4-FFF2-40B4-BE49-F238E27FC236}">
-              <a16:creationId xmlns:a16="http://schemas.microsoft.com/office/drawing/2014/main" id="{C46151A9-8B5C-27AB-5E68-E64F5B3C10CB}"/>
-            </a:ext>
-          </a:extLst>
-        </p:cNvPr>
-        <p:cNvGrpSpPr/>
-        <p:nvPr/>
-      </p:nvGrpSpPr>
-      <p:grpSpPr>
-        <a:xfrm>
-          <a:off x="0" y="0"/>
-          <a:ext cx="0" cy="0"/>
-          <a:chOff x="0" y="0"/>
-          <a:chExt cx="0" cy="0"/>
-        </a:xfrm>
-      </p:grpSpPr>
-      <p:sp useBgFill="1">
-        <p:nvSpPr>
-          <p:cNvPr id="8" name="Rectangle 7">
-            <a:extLst>
-              <a:ext uri="{FF2B5EF4-FFF2-40B4-BE49-F238E27FC236}">
-                <a16:creationId xmlns:a16="http://schemas.microsoft.com/office/drawing/2014/main" id="{081EA652-8C6A-4E69-BEB9-170809474553}"/>
-              </a:ext>
-              <a:ext uri="{C183D7F6-B498-43B3-948B-1728B52AA6E4}">
-                <adec:decorative xmlns:adec="http://schemas.microsoft.com/office/drawing/2017/decorative" val="1"/>
-              </a:ext>
-            </a:extLst>
-          </p:cNvPr>
-          <p:cNvSpPr>
-            <a:spLocks noGrp="1" noRot="1" noChangeAspect="1" noMove="1" noResize="1" noEditPoints="1" noAdjustHandles="1" noChangeArrowheads="1" noChangeShapeType="1" noTextEdit="1"/>
-          </p:cNvSpPr>
-          <p:nvPr>
-            <p:extLst>
-              <p:ext uri="{386F3935-93C4-4BCD-93E2-E3B085C9AB24}">
-                <p16:designElem xmlns:p16="http://schemas.microsoft.com/office/powerpoint/2015/main" val="1"/>
-              </p:ext>
-            </p:extLst>
-          </p:nvPr>
-        </p:nvSpPr>
-        <p:spPr>
-          <a:xfrm>
-            <a:off x="0" y="0"/>
-            <a:ext cx="12192000" cy="6858000"/>
-          </a:xfrm>
-          <a:prstGeom prst="rect">
-            <a:avLst/>
-          </a:prstGeom>
-          <a:ln>
-            <a:noFill/>
-          </a:ln>
-        </p:spPr>
-        <p:style>
-          <a:lnRef idx="2">
-            <a:schemeClr val="accent1">
-              <a:shade val="50000"/>
-            </a:schemeClr>
-          </a:lnRef>
-          <a:fillRef idx="1">
-            <a:schemeClr val="accent1"/>
-          </a:fillRef>
-          <a:effectRef idx="0">
-            <a:schemeClr val="accent1"/>
-          </a:effectRef>
-          <a:fontRef idx="minor">
-            <a:schemeClr val="lt1"/>
-          </a:fontRef>
-        </p:style>
-        <p:txBody>
-          <a:bodyPr rtlCol="0" anchor="ctr"/>
-          <a:lstStyle/>
-          <a:p>
-            <a:pPr algn="ctr"/>
-            <a:endParaRPr lang="en-US"/>
-          </a:p>
-        </p:txBody>
-      </p:sp>
-      <p:sp>
-        <p:nvSpPr>
-          <p:cNvPr id="10" name="Right Triangle 9">
-            <a:extLst>
-              <a:ext uri="{FF2B5EF4-FFF2-40B4-BE49-F238E27FC236}">
-                <a16:creationId xmlns:a16="http://schemas.microsoft.com/office/drawing/2014/main" id="{5298780A-33B9-4EA2-8F67-DE68AD62841B}"/>
-              </a:ext>
-              <a:ext uri="{C183D7F6-B498-43B3-948B-1728B52AA6E4}">
-                <adec:decorative xmlns:adec="http://schemas.microsoft.com/office/drawing/2017/decorative" val="1"/>
-              </a:ext>
-            </a:extLst>
-          </p:cNvPr>
-          <p:cNvSpPr>
-            <a:spLocks noGrp="1" noRot="1" noChangeAspect="1" noMove="1" noResize="1" noEditPoints="1" noAdjustHandles="1" noChangeArrowheads="1" noChangeShapeType="1" noTextEdit="1"/>
-          </p:cNvSpPr>
-          <p:nvPr>
-            <p:extLst>
-              <p:ext uri="{386F3935-93C4-4BCD-93E2-E3B085C9AB24}">
-                <p16:designElem xmlns:p16="http://schemas.microsoft.com/office/powerpoint/2015/main" val="1"/>
-              </p:ext>
-            </p:extLst>
-          </p:nvPr>
-        </p:nvSpPr>
-        <p:spPr>
-          <a:xfrm flipH="1">
-            <a:off x="8576720" y="3335867"/>
-            <a:ext cx="3291840" cy="3200400"/>
-          </a:xfrm>
-          <a:prstGeom prst="rtTriangle">
-            <a:avLst/>
-          </a:prstGeom>
-          <a:solidFill>
-            <a:schemeClr val="accent4"/>
-          </a:solidFill>
-          <a:ln>
-            <a:noFill/>
-          </a:ln>
-        </p:spPr>
-        <p:style>
-          <a:lnRef idx="2">
-            <a:schemeClr val="accent1">
-              <a:shade val="50000"/>
-            </a:schemeClr>
-          </a:lnRef>
-          <a:fillRef idx="1">
-            <a:schemeClr val="accent1"/>
-          </a:fillRef>
-          <a:effectRef idx="0">
-            <a:schemeClr val="accent1"/>
-          </a:effectRef>
-          <a:fontRef idx="minor">
-            <a:schemeClr val="lt1"/>
-          </a:fontRef>
-        </p:style>
-        <p:txBody>
-          <a:bodyPr rtlCol="0" anchor="ctr"/>
-          <a:lstStyle/>
-          <a:p>
-            <a:pPr algn="ctr"/>
-            <a:endParaRPr lang="en-US" dirty="0"/>
-          </a:p>
-        </p:txBody>
-      </p:sp>
-      <p:sp>
-        <p:nvSpPr>
-          <p:cNvPr id="12" name="Rectangle 11">
-            <a:extLst>
-              <a:ext uri="{FF2B5EF4-FFF2-40B4-BE49-F238E27FC236}">
-                <a16:creationId xmlns:a16="http://schemas.microsoft.com/office/drawing/2014/main" id="{7F488E8B-4E1E-4402-8935-D4E6C02615C7}"/>
-              </a:ext>
-              <a:ext uri="{C183D7F6-B498-43B3-948B-1728B52AA6E4}">
-                <adec:decorative xmlns:adec="http://schemas.microsoft.com/office/drawing/2017/decorative" val="1"/>
-              </a:ext>
-            </a:extLst>
-          </p:cNvPr>
-          <p:cNvSpPr>
-            <a:spLocks noGrp="1" noRot="1" noChangeAspect="1" noMove="1" noResize="1" noEditPoints="1" noAdjustHandles="1" noChangeArrowheads="1" noChangeShapeType="1" noTextEdit="1"/>
-          </p:cNvSpPr>
-          <p:nvPr>
-            <p:extLst>
-              <p:ext uri="{386F3935-93C4-4BCD-93E2-E3B085C9AB24}">
-                <p16:designElem xmlns:p16="http://schemas.microsoft.com/office/powerpoint/2015/main" val="1"/>
-              </p:ext>
-            </p:extLst>
-          </p:nvPr>
-        </p:nvSpPr>
-        <p:spPr>
-          <a:xfrm>
-            <a:off x="641774" y="623275"/>
-            <a:ext cx="10905053" cy="5607882"/>
-          </a:xfrm>
-          <a:prstGeom prst="rect">
-            <a:avLst/>
-          </a:prstGeom>
-          <a:noFill/>
-          <a:ln w="19050">
-            <a:solidFill>
-              <a:schemeClr val="tx1">
-                <a:lumMod val="75000"/>
-                <a:lumOff val="25000"/>
-              </a:schemeClr>
-            </a:solidFill>
-          </a:ln>
-        </p:spPr>
-        <p:style>
-          <a:lnRef idx="2">
-            <a:schemeClr val="accent1">
-              <a:shade val="50000"/>
-            </a:schemeClr>
-          </a:lnRef>
-          <a:fillRef idx="1">
-            <a:schemeClr val="accent1"/>
-          </a:fillRef>
-          <a:effectRef idx="0">
-            <a:schemeClr val="accent1"/>
-          </a:effectRef>
-          <a:fontRef idx="minor">
-            <a:schemeClr val="lt1"/>
-          </a:fontRef>
-        </p:style>
-        <p:txBody>
-          <a:bodyPr rtlCol="0" anchor="ctr"/>
-          <a:lstStyle/>
-          <a:p>
-            <a:pPr algn="ctr"/>
-            <a:endParaRPr lang="en-US"/>
-          </a:p>
-        </p:txBody>
-      </p:sp>
-      <p:sp>
-        <p:nvSpPr>
-          <p:cNvPr id="2" name="Title 1">
-            <a:extLst>
-              <a:ext uri="{FF2B5EF4-FFF2-40B4-BE49-F238E27FC236}">
-                <a16:creationId xmlns:a16="http://schemas.microsoft.com/office/drawing/2014/main" id="{722F0D5D-DC6B-2B83-B91B-DBA14ABF4E33}"/>
-              </a:ext>
-            </a:extLst>
-          </p:cNvPr>
-          <p:cNvSpPr>
-            <a:spLocks noGrp="1"/>
-          </p:cNvSpPr>
-          <p:nvPr>
-            <p:ph type="title"/>
-          </p:nvPr>
-        </p:nvSpPr>
-        <p:spPr>
-          <a:xfrm>
-            <a:off x="1285240" y="1050596"/>
-            <a:ext cx="8074815" cy="630098"/>
-          </a:xfrm>
-        </p:spPr>
-        <p:txBody>
-          <a:bodyPr anchor="ctr">
-            <a:normAutofit fontScale="90000"/>
-          </a:bodyPr>
-          <a:lstStyle/>
-          <a:p>
-            <a:r>
-              <a:rPr lang="en-GB" sz="7200" dirty="0"/>
-              <a:t>Instructions</a:t>
-            </a:r>
-          </a:p>
-        </p:txBody>
-      </p:sp>
-      <p:sp>
-        <p:nvSpPr>
-          <p:cNvPr id="3" name="Content Placeholder 2">
-            <a:extLst>
-              <a:ext uri="{FF2B5EF4-FFF2-40B4-BE49-F238E27FC236}">
-                <a16:creationId xmlns:a16="http://schemas.microsoft.com/office/drawing/2014/main" id="{523069EC-AB69-421B-38B7-CC9F9B68A1D7}"/>
-              </a:ext>
-            </a:extLst>
-          </p:cNvPr>
-          <p:cNvSpPr>
-            <a:spLocks noGrp="1"/>
-          </p:cNvSpPr>
-          <p:nvPr>
-            <p:ph idx="1"/>
-          </p:nvPr>
-        </p:nvSpPr>
-        <p:spPr>
-          <a:xfrm>
-            <a:off x="1285240" y="1815921"/>
-            <a:ext cx="8074815" cy="4320862"/>
-          </a:xfrm>
-        </p:spPr>
-        <p:txBody>
-          <a:bodyPr anchor="t">
-            <a:normAutofit fontScale="92500" lnSpcReduction="10000"/>
-          </a:bodyPr>
-          <a:lstStyle/>
-          <a:p>
-            <a:r>
-              <a:rPr lang="en-GB" sz="1600" dirty="0"/>
-              <a:t>Go to </a:t>
-            </a:r>
-            <a:r>
-              <a:rPr lang="en-GB" sz="1600" dirty="0">
-                <a:hlinkClick r:id="rId2"/>
-              </a:rPr>
-              <a:t>https://github.com/features/copilot</a:t>
-            </a:r>
-            <a:r>
-              <a:rPr lang="en-GB" sz="1600" dirty="0"/>
-              <a:t> </a:t>
-            </a:r>
-          </a:p>
-          <a:p>
-            <a:pPr lvl="1"/>
-            <a:r>
-              <a:rPr lang="en-GB" sz="1600" dirty="0"/>
-              <a:t>Sign up and create a new GitHub account</a:t>
-            </a:r>
-          </a:p>
-          <a:p>
-            <a:pPr lvl="1"/>
-            <a:endParaRPr lang="en-GB" sz="1600" dirty="0"/>
-          </a:p>
-          <a:p>
-            <a:r>
-              <a:rPr lang="en-GB" sz="1600" dirty="0">
-                <a:hlinkClick r:id="rId3"/>
-              </a:rPr>
-              <a:t>https://docs.github.com/en/copilot/setting-up-github-copilot/setting-up-github-copilot-for-yourself</a:t>
-            </a:r>
-            <a:r>
-              <a:rPr lang="en-GB" sz="1600" dirty="0"/>
-              <a:t> </a:t>
-            </a:r>
-          </a:p>
-          <a:p>
-            <a:endParaRPr lang="en-GB" sz="1600" dirty="0"/>
-          </a:p>
-          <a:p>
-            <a:pPr lvl="1"/>
-            <a:r>
-              <a:rPr lang="en-GB" sz="1600" dirty="0"/>
-              <a:t>VS Code: </a:t>
-            </a:r>
-          </a:p>
-          <a:p>
-            <a:pPr lvl="2"/>
-            <a:r>
-              <a:rPr lang="en-GB" sz="1600" dirty="0"/>
-              <a:t>Install VS Code (1.100.2): </a:t>
-            </a:r>
-            <a:r>
-              <a:rPr lang="en-GB" sz="1600" dirty="0">
-                <a:hlinkClick r:id="rId4"/>
-              </a:rPr>
-              <a:t>https://code.visualstudio.com/Download</a:t>
-            </a:r>
-            <a:r>
-              <a:rPr lang="en-GB" sz="1600" dirty="0"/>
-              <a:t> </a:t>
-            </a:r>
-          </a:p>
-          <a:p>
-            <a:pPr lvl="2"/>
-            <a:r>
-              <a:rPr lang="en-GB" sz="1600" dirty="0"/>
-              <a:t>Configure GH Copilot: </a:t>
-            </a:r>
-            <a:r>
-              <a:rPr lang="en-GB" sz="1600" dirty="0">
-                <a:hlinkClick r:id="rId5"/>
-              </a:rPr>
-              <a:t>https://code.visualstudio.com/docs/copilot/setup#_set-up-copilot-in-vs-code</a:t>
-            </a:r>
-            <a:r>
-              <a:rPr lang="en-GB" sz="1600" dirty="0"/>
-              <a:t> </a:t>
-            </a:r>
-          </a:p>
-          <a:p>
-            <a:pPr lvl="2"/>
-            <a:endParaRPr lang="en-GB" sz="1600" dirty="0"/>
-          </a:p>
-          <a:p>
-            <a:pPr lvl="1"/>
-            <a:r>
-              <a:rPr lang="en-GB" sz="1600" dirty="0" err="1"/>
-              <a:t>Intellij</a:t>
-            </a:r>
-            <a:r>
-              <a:rPr lang="en-GB" sz="1600" dirty="0"/>
-              <a:t>:</a:t>
-            </a:r>
-          </a:p>
-          <a:p>
-            <a:pPr lvl="2"/>
-            <a:r>
-              <a:rPr lang="en-GB" sz="1600" dirty="0"/>
-              <a:t>Install </a:t>
-            </a:r>
-            <a:r>
-              <a:rPr lang="en-GB" sz="1600" dirty="0" err="1"/>
-              <a:t>Intellij</a:t>
-            </a:r>
-            <a:r>
-              <a:rPr lang="en-GB" sz="1600" dirty="0"/>
-              <a:t> (Community edition – 2025.1.1.1): </a:t>
-            </a:r>
-            <a:r>
-              <a:rPr lang="en-GB" sz="1600" dirty="0">
-                <a:hlinkClick r:id="rId6"/>
-              </a:rPr>
-              <a:t>https://www.jetbrains.com/idea/download/?section=windows</a:t>
-            </a:r>
-            <a:r>
-              <a:rPr lang="en-GB" sz="1600" dirty="0"/>
-              <a:t> </a:t>
-            </a:r>
-          </a:p>
-          <a:p>
-            <a:pPr lvl="2"/>
-            <a:r>
-              <a:rPr lang="en-GB" sz="1600" dirty="0"/>
-              <a:t>Configure GH Copilot: </a:t>
-            </a:r>
-            <a:r>
-              <a:rPr lang="en-GB" sz="1600" dirty="0">
-                <a:hlinkClick r:id="rId7"/>
-              </a:rPr>
-              <a:t>https://docs.github.com/en/copilot/managing-copilot/configure-personal-settings/installing-the-github-copilot-extension-in-your-environment?tool=jetbrains</a:t>
-            </a:r>
-            <a:r>
-              <a:rPr lang="en-GB" sz="1600" dirty="0"/>
-              <a:t> </a:t>
-            </a:r>
-          </a:p>
-        </p:txBody>
-      </p:sp>
-    </p:spTree>
-    <p:extLst>
-      <p:ext uri="{BB962C8B-B14F-4D97-AF65-F5344CB8AC3E}">
-        <p14:creationId xmlns:p14="http://schemas.microsoft.com/office/powerpoint/2010/main" val="119619460"/>
-      </p:ext>
-    </p:extLst>
-  </p:cSld>
-  <p:clrMapOvr>
-    <a:masterClrMapping/>
-  </p:clrMapOvr>
-</p:sld>
-</file>
-
-<file path=ppt/slides/slide4.xml><?xml version="1.0" encoding="utf-8"?>
-<p:sld xmlns:a="http://schemas.openxmlformats.org/drawingml/2006/main" xmlns:r="http://schemas.openxmlformats.org/officeDocument/2006/relationships" xmlns:p="http://schemas.openxmlformats.org/presentationml/2006/main">
-  <p:cSld>
-    <p:bg>
-      <p:bgPr>
-        <a:solidFill>
-          <a:schemeClr val="bg1"/>
-        </a:solidFill>
-        <a:effectLst/>
-      </p:bgPr>
-    </p:bg>
-    <p:spTree>
-      <p:nvGrpSpPr>
-        <p:cNvPr id="1" name="">
-          <a:extLst>
-            <a:ext uri="{FF2B5EF4-FFF2-40B4-BE49-F238E27FC236}">
-              <a16:creationId xmlns:a16="http://schemas.microsoft.com/office/drawing/2014/main" id="{18E355A0-015B-04AC-2ED2-64E2A4DC4F7A}"/>
-            </a:ext>
-          </a:extLst>
-        </p:cNvPr>
-        <p:cNvGrpSpPr/>
-        <p:nvPr/>
-      </p:nvGrpSpPr>
-      <p:grpSpPr>
-        <a:xfrm>
-          <a:off x="0" y="0"/>
-          <a:ext cx="0" cy="0"/>
-          <a:chOff x="0" y="0"/>
-          <a:chExt cx="0" cy="0"/>
-        </a:xfrm>
-      </p:grpSpPr>
-      <p:sp useBgFill="1">
-        <p:nvSpPr>
-          <p:cNvPr id="8" name="Rectangle 7">
-            <a:extLst>
-              <a:ext uri="{FF2B5EF4-FFF2-40B4-BE49-F238E27FC236}">
-                <a16:creationId xmlns:a16="http://schemas.microsoft.com/office/drawing/2014/main" id="{081EA652-8C6A-4E69-BEB9-170809474553}"/>
-              </a:ext>
-              <a:ext uri="{C183D7F6-B498-43B3-948B-1728B52AA6E4}">
-                <adec:decorative xmlns:adec="http://schemas.microsoft.com/office/drawing/2017/decorative" val="1"/>
-              </a:ext>
-            </a:extLst>
-          </p:cNvPr>
-          <p:cNvSpPr>
-            <a:spLocks noGrp="1" noRot="1" noChangeAspect="1" noMove="1" noResize="1" noEditPoints="1" noAdjustHandles="1" noChangeArrowheads="1" noChangeShapeType="1" noTextEdit="1"/>
-          </p:cNvSpPr>
-          <p:nvPr>
-            <p:extLst>
-              <p:ext uri="{386F3935-93C4-4BCD-93E2-E3B085C9AB24}">
-                <p16:designElem xmlns:p16="http://schemas.microsoft.com/office/powerpoint/2015/main" val="1"/>
-              </p:ext>
-            </p:extLst>
-          </p:nvPr>
-        </p:nvSpPr>
-        <p:spPr>
-          <a:xfrm>
-            <a:off x="0" y="0"/>
-            <a:ext cx="12192000" cy="6858000"/>
-          </a:xfrm>
-          <a:prstGeom prst="rect">
-            <a:avLst/>
-          </a:prstGeom>
-          <a:ln>
-            <a:noFill/>
-          </a:ln>
-        </p:spPr>
-        <p:style>
-          <a:lnRef idx="2">
-            <a:schemeClr val="accent1">
-              <a:shade val="50000"/>
-            </a:schemeClr>
-          </a:lnRef>
-          <a:fillRef idx="1">
-            <a:schemeClr val="accent1"/>
-          </a:fillRef>
-          <a:effectRef idx="0">
-            <a:schemeClr val="accent1"/>
-          </a:effectRef>
-          <a:fontRef idx="minor">
-            <a:schemeClr val="lt1"/>
-          </a:fontRef>
-        </p:style>
-        <p:txBody>
-          <a:bodyPr rtlCol="0" anchor="ctr"/>
-          <a:lstStyle/>
-          <a:p>
-            <a:pPr algn="ctr"/>
-            <a:endParaRPr lang="en-US"/>
-          </a:p>
-        </p:txBody>
-      </p:sp>
-      <p:sp>
-        <p:nvSpPr>
-          <p:cNvPr id="10" name="Right Triangle 9">
-            <a:extLst>
-              <a:ext uri="{FF2B5EF4-FFF2-40B4-BE49-F238E27FC236}">
-                <a16:creationId xmlns:a16="http://schemas.microsoft.com/office/drawing/2014/main" id="{5298780A-33B9-4EA2-8F67-DE68AD62841B}"/>
-              </a:ext>
-              <a:ext uri="{C183D7F6-B498-43B3-948B-1728B52AA6E4}">
-                <adec:decorative xmlns:adec="http://schemas.microsoft.com/office/drawing/2017/decorative" val="1"/>
-              </a:ext>
-            </a:extLst>
-          </p:cNvPr>
-          <p:cNvSpPr>
-            <a:spLocks noGrp="1" noRot="1" noChangeAspect="1" noMove="1" noResize="1" noEditPoints="1" noAdjustHandles="1" noChangeArrowheads="1" noChangeShapeType="1" noTextEdit="1"/>
-          </p:cNvSpPr>
-          <p:nvPr>
-            <p:extLst>
-              <p:ext uri="{386F3935-93C4-4BCD-93E2-E3B085C9AB24}">
-                <p16:designElem xmlns:p16="http://schemas.microsoft.com/office/powerpoint/2015/main" val="1"/>
-              </p:ext>
-            </p:extLst>
-          </p:nvPr>
-        </p:nvSpPr>
-        <p:spPr>
-          <a:xfrm flipH="1">
-            <a:off x="8576720" y="3335867"/>
-            <a:ext cx="3291840" cy="3200400"/>
-          </a:xfrm>
-          <a:prstGeom prst="rtTriangle">
-            <a:avLst/>
-          </a:prstGeom>
-          <a:solidFill>
-            <a:schemeClr val="accent4"/>
-          </a:solidFill>
-          <a:ln>
-            <a:noFill/>
-          </a:ln>
-        </p:spPr>
-        <p:style>
-          <a:lnRef idx="2">
-            <a:schemeClr val="accent1">
-              <a:shade val="50000"/>
-            </a:schemeClr>
-          </a:lnRef>
-          <a:fillRef idx="1">
-            <a:schemeClr val="accent1"/>
-          </a:fillRef>
-          <a:effectRef idx="0">
-            <a:schemeClr val="accent1"/>
-          </a:effectRef>
-          <a:fontRef idx="minor">
-            <a:schemeClr val="lt1"/>
-          </a:fontRef>
-        </p:style>
-        <p:txBody>
-          <a:bodyPr rtlCol="0" anchor="ctr"/>
-          <a:lstStyle/>
-          <a:p>
-            <a:pPr algn="ctr"/>
-            <a:endParaRPr lang="en-US" dirty="0"/>
-          </a:p>
-        </p:txBody>
-      </p:sp>
-      <p:sp>
-        <p:nvSpPr>
-          <p:cNvPr id="12" name="Rectangle 11">
-            <a:extLst>
-              <a:ext uri="{FF2B5EF4-FFF2-40B4-BE49-F238E27FC236}">
-                <a16:creationId xmlns:a16="http://schemas.microsoft.com/office/drawing/2014/main" id="{7F488E8B-4E1E-4402-8935-D4E6C02615C7}"/>
-              </a:ext>
-              <a:ext uri="{C183D7F6-B498-43B3-948B-1728B52AA6E4}">
-                <adec:decorative xmlns:adec="http://schemas.microsoft.com/office/drawing/2017/decorative" val="1"/>
-              </a:ext>
-            </a:extLst>
-          </p:cNvPr>
-          <p:cNvSpPr>
-            <a:spLocks noGrp="1" noRot="1" noChangeAspect="1" noMove="1" noResize="1" noEditPoints="1" noAdjustHandles="1" noChangeArrowheads="1" noChangeShapeType="1" noTextEdit="1"/>
-          </p:cNvSpPr>
-          <p:nvPr>
-            <p:extLst>
-              <p:ext uri="{386F3935-93C4-4BCD-93E2-E3B085C9AB24}">
-                <p16:designElem xmlns:p16="http://schemas.microsoft.com/office/powerpoint/2015/main" val="1"/>
-              </p:ext>
-            </p:extLst>
-          </p:nvPr>
-        </p:nvSpPr>
-        <p:spPr>
-          <a:xfrm>
-            <a:off x="641774" y="623275"/>
-            <a:ext cx="10905053" cy="5607882"/>
-          </a:xfrm>
-          <a:prstGeom prst="rect">
-            <a:avLst/>
-          </a:prstGeom>
-          <a:noFill/>
-          <a:ln w="19050">
-            <a:solidFill>
-              <a:schemeClr val="tx1">
-                <a:lumMod val="75000"/>
-                <a:lumOff val="25000"/>
-              </a:schemeClr>
-            </a:solidFill>
-          </a:ln>
-        </p:spPr>
-        <p:style>
-          <a:lnRef idx="2">
-            <a:schemeClr val="accent1">
-              <a:shade val="50000"/>
-            </a:schemeClr>
-          </a:lnRef>
-          <a:fillRef idx="1">
-            <a:schemeClr val="accent1"/>
-          </a:fillRef>
-          <a:effectRef idx="0">
-            <a:schemeClr val="accent1"/>
-          </a:effectRef>
-          <a:fontRef idx="minor">
-            <a:schemeClr val="lt1"/>
-          </a:fontRef>
-        </p:style>
-        <p:txBody>
-          <a:bodyPr rtlCol="0" anchor="ctr"/>
-          <a:lstStyle/>
-          <a:p>
-            <a:pPr algn="ctr"/>
-            <a:endParaRPr lang="en-US"/>
-          </a:p>
-        </p:txBody>
-      </p:sp>
-      <p:sp>
-        <p:nvSpPr>
-          <p:cNvPr id="2" name="Title 1">
-            <a:extLst>
-              <a:ext uri="{FF2B5EF4-FFF2-40B4-BE49-F238E27FC236}">
-                <a16:creationId xmlns:a16="http://schemas.microsoft.com/office/drawing/2014/main" id="{ADEDFA46-C190-0A4D-E00A-7347B56F8733}"/>
-              </a:ext>
-            </a:extLst>
-          </p:cNvPr>
-          <p:cNvSpPr>
-            <a:spLocks noGrp="1"/>
-          </p:cNvSpPr>
-          <p:nvPr>
-            <p:ph type="title"/>
-          </p:nvPr>
-        </p:nvSpPr>
-        <p:spPr>
-          <a:xfrm>
-            <a:off x="1285240" y="902495"/>
-            <a:ext cx="9533014" cy="823281"/>
-          </a:xfrm>
-        </p:spPr>
-        <p:txBody>
-          <a:bodyPr anchor="ctr">
-            <a:normAutofit/>
-          </a:bodyPr>
-          <a:lstStyle/>
-          <a:p>
-            <a:r>
-              <a:rPr lang="en-GB" sz="5000" dirty="0"/>
-              <a:t>What is AI Augmented Development</a:t>
-            </a:r>
-          </a:p>
-        </p:txBody>
-      </p:sp>
-      <p:sp>
-        <p:nvSpPr>
-          <p:cNvPr id="3" name="Content Placeholder 2">
-            <a:extLst>
-              <a:ext uri="{FF2B5EF4-FFF2-40B4-BE49-F238E27FC236}">
-                <a16:creationId xmlns:a16="http://schemas.microsoft.com/office/drawing/2014/main" id="{62890C78-8809-5ED5-9C8C-794B15C33D9A}"/>
-              </a:ext>
-            </a:extLst>
-          </p:cNvPr>
-          <p:cNvSpPr>
-            <a:spLocks noGrp="1"/>
-          </p:cNvSpPr>
-          <p:nvPr>
-            <p:ph idx="1"/>
-          </p:nvPr>
-        </p:nvSpPr>
-        <p:spPr>
-          <a:xfrm>
-            <a:off x="1285240" y="1828909"/>
-            <a:ext cx="8074815" cy="3967801"/>
-          </a:xfrm>
-        </p:spPr>
-        <p:txBody>
-          <a:bodyPr anchor="t">
-            <a:normAutofit/>
-          </a:bodyPr>
-          <a:lstStyle/>
-          <a:p>
-            <a:r>
-              <a:rPr lang="en-GB" sz="2400" dirty="0">
-                <a:hlinkClick r:id="rId2"/>
-              </a:rPr>
-              <a:t>Reading material (Medium)</a:t>
-            </a:r>
-            <a:r>
-              <a:rPr lang="en-GB" sz="2400" dirty="0"/>
-              <a:t> </a:t>
-            </a:r>
-          </a:p>
-          <a:p>
-            <a:r>
-              <a:rPr lang="en-GB" sz="2400" b="0" i="0" dirty="0">
-                <a:solidFill>
-                  <a:srgbClr val="242424"/>
-                </a:solidFill>
-                <a:effectLst/>
-                <a:latin typeface="source-serif-pro"/>
-              </a:rPr>
-              <a:t>AI-Augmented Development is a term that describes the use of </a:t>
-            </a:r>
-            <a:r>
-              <a:rPr lang="en-GB" sz="2400" b="0" i="0" u="sng" dirty="0">
-                <a:effectLst/>
-                <a:latin typeface="source-serif-pro"/>
-                <a:hlinkClick r:id="rId3"/>
-              </a:rPr>
-              <a:t>AI</a:t>
-            </a:r>
-            <a:r>
-              <a:rPr lang="en-GB" sz="2400" b="0" i="0" dirty="0">
-                <a:solidFill>
-                  <a:srgbClr val="242424"/>
-                </a:solidFill>
-                <a:effectLst/>
-                <a:latin typeface="source-serif-pro"/>
-              </a:rPr>
-              <a:t> technologies to assist software developers in creating applications more efficiently, quickly, and reliably. AI-Augmented Development can automate some of the repetitive or tedious tasks in software development, such as code generation, testing, debugging, and documentation. It can also help developers to learn from existing code, find relevant resources, and collaborate with other developers. AI-Augmented Development is considered one of the strategic technology trends for 2024.</a:t>
-            </a:r>
-            <a:endParaRPr lang="en-GB" sz="3600" dirty="0"/>
-          </a:p>
-        </p:txBody>
-      </p:sp>
-    </p:spTree>
-    <p:extLst>
-      <p:ext uri="{BB962C8B-B14F-4D97-AF65-F5344CB8AC3E}">
-        <p14:creationId xmlns:p14="http://schemas.microsoft.com/office/powerpoint/2010/main" val="2933140865"/>
-      </p:ext>
-    </p:extLst>
-  </p:cSld>
-  <p:clrMapOvr>
-    <a:masterClrMapping/>
-  </p:clrMapOvr>
-  <p:timing>
-    <p:tnLst>
-      <p:par>
-        <p:cTn id="1" dur="indefinite" restart="never" nodeType="tmRoot">
-          <p:childTnLst>
-            <p:seq concurrent="1" nextAc="seek">
-              <p:cTn id="2" dur="indefinite" nodeType="mainSeq">
-                <p:childTnLst>
-                  <p:par>
-                    <p:cTn id="3" fill="hold">
-                      <p:stCondLst>
-                        <p:cond delay="indefinite"/>
-                        <p:cond evt="onBegin" delay="0">
-                          <p:tn val="2"/>
-                        </p:cond>
-                      </p:stCondLst>
-                      <p:childTnLst>
-                        <p:par>
-                          <p:cTn id="4" fill="hold">
-                            <p:stCondLst>
-                              <p:cond delay="0"/>
-                            </p:stCondLst>
-                            <p:childTnLst>
-                              <p:par>
-                                <p:cTn id="5" presetID="10" presetClass="entr" presetSubtype="0" fill="hold" grpId="0" nodeType="withEffect">
-                                  <p:stCondLst>
-                                    <p:cond delay="500"/>
-                                  </p:stCondLst>
-                                  <p:iterate>
-                                    <p:tmPct val="10000"/>
-                                  </p:iterate>
-                                  <p:childTnLst>
-                                    <p:set>
-                                      <p:cBhvr>
-                                        <p:cTn id="6" dur="1" fill="hold">
-                                          <p:stCondLst>
-                                            <p:cond delay="0"/>
-                                          </p:stCondLst>
-                                        </p:cTn>
-                                        <p:tgtEl>
-                                          <p:spTgt spid="2"/>
-                                        </p:tgtEl>
-                                        <p:attrNameLst>
-                                          <p:attrName>style.visibility</p:attrName>
-                                        </p:attrNameLst>
-                                      </p:cBhvr>
-                                      <p:to>
-                                        <p:strVal val="visible"/>
-                                      </p:to>
-                                    </p:set>
-                                    <p:animEffect transition="in" filter="fade">
-                                      <p:cBhvr>
-                                        <p:cTn id="7" dur="700"/>
-                                        <p:tgtEl>
-                                          <p:spTgt spid="2"/>
-                                        </p:tgtEl>
-                                      </p:cBhvr>
-                                    </p:animEffect>
-                                  </p:childTnLst>
-                                </p:cTn>
-                              </p:par>
-                            </p:childTnLst>
-                          </p:cTn>
-                        </p:par>
-                      </p:childTnLst>
-                    </p:cTn>
-                  </p:par>
-                </p:childTnLst>
-              </p:cTn>
-              <p:prevCondLst>
-                <p:cond evt="onPrev" delay="0">
-                  <p:tgtEl>
-                    <p:sldTgt/>
-                  </p:tgtEl>
-                </p:cond>
-              </p:prevCondLst>
-              <p:nextCondLst>
-                <p:cond evt="onNext" delay="0">
-                  <p:tgtEl>
-                    <p:sldTgt/>
-                  </p:tgtEl>
-                </p:cond>
-              </p:nextCondLst>
-            </p:seq>
-          </p:childTnLst>
-        </p:cTn>
-      </p:par>
-    </p:tnLst>
-    <p:bldLst>
-      <p:bldP spid="2" grpId="0"/>
-    </p:bldLst>
-  </p:timing>
-</p:sld>
-</file>
-
-<file path=ppt/slides/slide5.xml><?xml version="1.0" encoding="utf-8"?>
-<p:sld xmlns:a="http://schemas.openxmlformats.org/drawingml/2006/main" xmlns:r="http://schemas.openxmlformats.org/officeDocument/2006/relationships" xmlns:p="http://schemas.openxmlformats.org/presentationml/2006/main">
-  <p:cSld>
-    <p:bg>
-      <p:bgPr>
-        <a:solidFill>
-          <a:schemeClr val="bg1"/>
-        </a:solidFill>
-        <a:effectLst/>
-      </p:bgPr>
-    </p:bg>
-    <p:spTree>
-      <p:nvGrpSpPr>
-        <p:cNvPr id="1" name="">
-          <a:extLst>
-            <a:ext uri="{FF2B5EF4-FFF2-40B4-BE49-F238E27FC236}">
-              <a16:creationId xmlns:a16="http://schemas.microsoft.com/office/drawing/2014/main" id="{758ABAE8-4D3C-23CD-54A8-3D5558DCC229}"/>
-            </a:ext>
-          </a:extLst>
-        </p:cNvPr>
-        <p:cNvGrpSpPr/>
-        <p:nvPr/>
-      </p:nvGrpSpPr>
-      <p:grpSpPr>
-        <a:xfrm>
-          <a:off x="0" y="0"/>
-          <a:ext cx="0" cy="0"/>
-          <a:chOff x="0" y="0"/>
-          <a:chExt cx="0" cy="0"/>
-        </a:xfrm>
-      </p:grpSpPr>
-      <p:sp useBgFill="1">
-        <p:nvSpPr>
-          <p:cNvPr id="8" name="Rectangle 7">
-            <a:extLst>
-              <a:ext uri="{FF2B5EF4-FFF2-40B4-BE49-F238E27FC236}">
-                <a16:creationId xmlns:a16="http://schemas.microsoft.com/office/drawing/2014/main" id="{081EA652-8C6A-4E69-BEB9-170809474553}"/>
-              </a:ext>
-              <a:ext uri="{C183D7F6-B498-43B3-948B-1728B52AA6E4}">
-                <adec:decorative xmlns:adec="http://schemas.microsoft.com/office/drawing/2017/decorative" val="1"/>
-              </a:ext>
-            </a:extLst>
-          </p:cNvPr>
-          <p:cNvSpPr>
-            <a:spLocks noGrp="1" noRot="1" noChangeAspect="1" noMove="1" noResize="1" noEditPoints="1" noAdjustHandles="1" noChangeArrowheads="1" noChangeShapeType="1" noTextEdit="1"/>
-          </p:cNvSpPr>
-          <p:nvPr>
-            <p:extLst>
-              <p:ext uri="{386F3935-93C4-4BCD-93E2-E3B085C9AB24}">
-                <p16:designElem xmlns:p16="http://schemas.microsoft.com/office/powerpoint/2015/main" val="1"/>
-              </p:ext>
-            </p:extLst>
-          </p:nvPr>
-        </p:nvSpPr>
-        <p:spPr>
-          <a:xfrm>
-            <a:off x="0" y="0"/>
-            <a:ext cx="12192000" cy="6858000"/>
-          </a:xfrm>
-          <a:prstGeom prst="rect">
-            <a:avLst/>
-          </a:prstGeom>
-          <a:ln>
-            <a:noFill/>
-          </a:ln>
-        </p:spPr>
-        <p:style>
-          <a:lnRef idx="2">
-            <a:schemeClr val="accent1">
-              <a:shade val="50000"/>
-            </a:schemeClr>
-          </a:lnRef>
-          <a:fillRef idx="1">
-            <a:schemeClr val="accent1"/>
-          </a:fillRef>
-          <a:effectRef idx="0">
-            <a:schemeClr val="accent1"/>
-          </a:effectRef>
-          <a:fontRef idx="minor">
-            <a:schemeClr val="lt1"/>
-          </a:fontRef>
-        </p:style>
-        <p:txBody>
-          <a:bodyPr rtlCol="0" anchor="ctr"/>
-          <a:lstStyle/>
-          <a:p>
-            <a:pPr algn="ctr"/>
-            <a:endParaRPr lang="en-US"/>
-          </a:p>
-        </p:txBody>
-      </p:sp>
-      <p:sp>
-        <p:nvSpPr>
-          <p:cNvPr id="10" name="Right Triangle 9">
-            <a:extLst>
-              <a:ext uri="{FF2B5EF4-FFF2-40B4-BE49-F238E27FC236}">
-                <a16:creationId xmlns:a16="http://schemas.microsoft.com/office/drawing/2014/main" id="{5298780A-33B9-4EA2-8F67-DE68AD62841B}"/>
-              </a:ext>
-              <a:ext uri="{C183D7F6-B498-43B3-948B-1728B52AA6E4}">
-                <adec:decorative xmlns:adec="http://schemas.microsoft.com/office/drawing/2017/decorative" val="1"/>
-              </a:ext>
-            </a:extLst>
-          </p:cNvPr>
-          <p:cNvSpPr>
-            <a:spLocks noGrp="1" noRot="1" noChangeAspect="1" noMove="1" noResize="1" noEditPoints="1" noAdjustHandles="1" noChangeArrowheads="1" noChangeShapeType="1" noTextEdit="1"/>
-          </p:cNvSpPr>
-          <p:nvPr>
-            <p:extLst>
-              <p:ext uri="{386F3935-93C4-4BCD-93E2-E3B085C9AB24}">
-                <p16:designElem xmlns:p16="http://schemas.microsoft.com/office/powerpoint/2015/main" val="1"/>
-              </p:ext>
-            </p:extLst>
-          </p:nvPr>
-        </p:nvSpPr>
-        <p:spPr>
-          <a:xfrm flipH="1">
-            <a:off x="8576720" y="3335867"/>
-            <a:ext cx="3291840" cy="3200400"/>
-          </a:xfrm>
-          <a:prstGeom prst="rtTriangle">
-            <a:avLst/>
-          </a:prstGeom>
-          <a:solidFill>
-            <a:schemeClr val="accent4"/>
-          </a:solidFill>
-          <a:ln>
-            <a:noFill/>
-          </a:ln>
-        </p:spPr>
-        <p:style>
-          <a:lnRef idx="2">
-            <a:schemeClr val="accent1">
-              <a:shade val="50000"/>
-            </a:schemeClr>
-          </a:lnRef>
-          <a:fillRef idx="1">
-            <a:schemeClr val="accent1"/>
-          </a:fillRef>
-          <a:effectRef idx="0">
-            <a:schemeClr val="accent1"/>
-          </a:effectRef>
-          <a:fontRef idx="minor">
-            <a:schemeClr val="lt1"/>
-          </a:fontRef>
-        </p:style>
-        <p:txBody>
-          <a:bodyPr rtlCol="0" anchor="ctr"/>
-          <a:lstStyle/>
-          <a:p>
-            <a:pPr algn="ctr"/>
-            <a:endParaRPr lang="en-US" dirty="0"/>
-          </a:p>
-        </p:txBody>
-      </p:sp>
-      <p:sp>
-        <p:nvSpPr>
-          <p:cNvPr id="12" name="Rectangle 11">
-            <a:extLst>
-              <a:ext uri="{FF2B5EF4-FFF2-40B4-BE49-F238E27FC236}">
-                <a16:creationId xmlns:a16="http://schemas.microsoft.com/office/drawing/2014/main" id="{7F488E8B-4E1E-4402-8935-D4E6C02615C7}"/>
-              </a:ext>
-              <a:ext uri="{C183D7F6-B498-43B3-948B-1728B52AA6E4}">
-                <adec:decorative xmlns:adec="http://schemas.microsoft.com/office/drawing/2017/decorative" val="1"/>
-              </a:ext>
-            </a:extLst>
-          </p:cNvPr>
-          <p:cNvSpPr>
-            <a:spLocks noGrp="1" noRot="1" noChangeAspect="1" noMove="1" noResize="1" noEditPoints="1" noAdjustHandles="1" noChangeArrowheads="1" noChangeShapeType="1" noTextEdit="1"/>
-          </p:cNvSpPr>
-          <p:nvPr>
-            <p:extLst>
-              <p:ext uri="{386F3935-93C4-4BCD-93E2-E3B085C9AB24}">
-                <p16:designElem xmlns:p16="http://schemas.microsoft.com/office/powerpoint/2015/main" val="1"/>
-              </p:ext>
-            </p:extLst>
-          </p:nvPr>
-        </p:nvSpPr>
-        <p:spPr>
-          <a:xfrm>
-            <a:off x="641774" y="623275"/>
-            <a:ext cx="10905053" cy="5607882"/>
-          </a:xfrm>
-          <a:prstGeom prst="rect">
-            <a:avLst/>
-          </a:prstGeom>
-          <a:noFill/>
-          <a:ln w="19050">
-            <a:solidFill>
-              <a:schemeClr val="tx1">
-                <a:lumMod val="75000"/>
-                <a:lumOff val="25000"/>
-              </a:schemeClr>
-            </a:solidFill>
-          </a:ln>
-        </p:spPr>
-        <p:style>
-          <a:lnRef idx="2">
-            <a:schemeClr val="accent1">
-              <a:shade val="50000"/>
-            </a:schemeClr>
-          </a:lnRef>
-          <a:fillRef idx="1">
-            <a:schemeClr val="accent1"/>
-          </a:fillRef>
-          <a:effectRef idx="0">
-            <a:schemeClr val="accent1"/>
-          </a:effectRef>
-          <a:fontRef idx="minor">
-            <a:schemeClr val="lt1"/>
-          </a:fontRef>
-        </p:style>
-        <p:txBody>
-          <a:bodyPr rtlCol="0" anchor="ctr"/>
-          <a:lstStyle/>
-          <a:p>
-            <a:pPr algn="ctr"/>
-            <a:endParaRPr lang="en-US"/>
-          </a:p>
-        </p:txBody>
-      </p:sp>
-      <p:sp>
-        <p:nvSpPr>
-          <p:cNvPr id="2" name="Title 1">
-            <a:extLst>
-              <a:ext uri="{FF2B5EF4-FFF2-40B4-BE49-F238E27FC236}">
-                <a16:creationId xmlns:a16="http://schemas.microsoft.com/office/drawing/2014/main" id="{EC176B5F-B4F7-18E4-3338-C2B1AE2BB1CC}"/>
-              </a:ext>
-            </a:extLst>
-          </p:cNvPr>
-          <p:cNvSpPr>
-            <a:spLocks noGrp="1"/>
-          </p:cNvSpPr>
-          <p:nvPr>
-            <p:ph type="title"/>
-          </p:nvPr>
-        </p:nvSpPr>
-        <p:spPr>
-          <a:xfrm>
-            <a:off x="1285240" y="850975"/>
-            <a:ext cx="9552332" cy="861918"/>
-          </a:xfrm>
-        </p:spPr>
-        <p:txBody>
-          <a:bodyPr anchor="ctr">
-            <a:normAutofit/>
-          </a:bodyPr>
-          <a:lstStyle/>
-          <a:p>
-            <a:r>
-              <a:rPr lang="en-GB" sz="5000" dirty="0"/>
-              <a:t>How does GitHub Copilot work</a:t>
-            </a:r>
-          </a:p>
-        </p:txBody>
-      </p:sp>
-      <p:sp>
-        <p:nvSpPr>
-          <p:cNvPr id="3" name="Content Placeholder 2">
-            <a:extLst>
-              <a:ext uri="{FF2B5EF4-FFF2-40B4-BE49-F238E27FC236}">
-                <a16:creationId xmlns:a16="http://schemas.microsoft.com/office/drawing/2014/main" id="{5189D7EB-C4C0-DAF4-E851-DD7FF9FBB3F5}"/>
-              </a:ext>
-            </a:extLst>
-          </p:cNvPr>
-          <p:cNvSpPr>
-            <a:spLocks noGrp="1"/>
-          </p:cNvSpPr>
-          <p:nvPr>
-            <p:ph idx="1"/>
-          </p:nvPr>
-        </p:nvSpPr>
-        <p:spPr>
-          <a:xfrm>
-            <a:off x="1285240" y="1912514"/>
-            <a:ext cx="8074815" cy="3857351"/>
-          </a:xfrm>
-        </p:spPr>
-        <p:txBody>
-          <a:bodyPr anchor="t">
-            <a:normAutofit/>
-          </a:bodyPr>
-          <a:lstStyle/>
-          <a:p>
-            <a:r>
-              <a:rPr lang="en-GB" sz="2400" dirty="0">
-                <a:hlinkClick r:id="rId3"/>
-              </a:rPr>
-              <a:t>Reading material (GitHub)</a:t>
-            </a:r>
-            <a:endParaRPr lang="en-GB" sz="2400" dirty="0"/>
-          </a:p>
-          <a:p>
-            <a:r>
-              <a:rPr lang="en-GB" sz="2400" dirty="0"/>
-              <a:t>Chat - 3 modes </a:t>
-            </a:r>
-            <a:r>
-              <a:rPr lang="en-GB" sz="2400" dirty="0">
-                <a:hlinkClick r:id="rId4"/>
-              </a:rPr>
-              <a:t>(more details here)</a:t>
-            </a:r>
-            <a:r>
-              <a:rPr lang="en-GB" sz="2400" dirty="0"/>
-              <a:t>:</a:t>
-            </a:r>
-          </a:p>
-          <a:p>
-            <a:pPr lvl="1"/>
-            <a:r>
-              <a:rPr lang="en-GB" sz="2000" dirty="0"/>
-              <a:t>Ask mode: The quick gut check</a:t>
-            </a:r>
-          </a:p>
-          <a:p>
-            <a:pPr lvl="1"/>
-            <a:r>
-              <a:rPr lang="en-GB" sz="2000" dirty="0"/>
-              <a:t>Edit mode: You’re still in charge, just moving faster</a:t>
-            </a:r>
-          </a:p>
-          <a:p>
-            <a:pPr lvl="1"/>
-            <a:r>
-              <a:rPr lang="en-GB" sz="2000" dirty="0"/>
-              <a:t>Agent mode: A lot of power, when you’re ready for it</a:t>
-            </a:r>
-          </a:p>
-          <a:p>
-            <a:r>
-              <a:rPr lang="en-GB" sz="2400" dirty="0"/>
-              <a:t>Inline questions:</a:t>
-            </a:r>
-          </a:p>
-          <a:p>
-            <a:endParaRPr lang="en-GB" sz="2400" dirty="0"/>
-          </a:p>
-        </p:txBody>
-      </p:sp>
-      <p:pic>
-        <p:nvPicPr>
-          <p:cNvPr id="5" name="Picture 4">
-            <a:extLst>
-              <a:ext uri="{FF2B5EF4-FFF2-40B4-BE49-F238E27FC236}">
-                <a16:creationId xmlns:a16="http://schemas.microsoft.com/office/drawing/2014/main" id="{1D503319-FCEB-CEF1-CE96-9A725CA47C6C}"/>
-              </a:ext>
-            </a:extLst>
-          </p:cNvPr>
-          <p:cNvPicPr>
-            <a:picLocks noChangeAspect="1"/>
-          </p:cNvPicPr>
-          <p:nvPr/>
-        </p:nvPicPr>
-        <p:blipFill>
-          <a:blip r:embed="rId5"/>
-          <a:srcRect b="14680"/>
-          <a:stretch/>
-        </p:blipFill>
-        <p:spPr>
-          <a:xfrm>
-            <a:off x="3918203" y="3841189"/>
-            <a:ext cx="5192994" cy="2919208"/>
-          </a:xfrm>
-          <a:prstGeom prst="rect">
-            <a:avLst/>
-          </a:prstGeom>
-        </p:spPr>
-      </p:pic>
-    </p:spTree>
-    <p:extLst>
-      <p:ext uri="{BB962C8B-B14F-4D97-AF65-F5344CB8AC3E}">
-        <p14:creationId xmlns:p14="http://schemas.microsoft.com/office/powerpoint/2010/main" val="782380162"/>
-      </p:ext>
-    </p:extLst>
-  </p:cSld>
-  <p:clrMapOvr>
-    <a:masterClrMapping/>
-  </p:clrMapOvr>
-  <p:timing>
-    <p:tnLst>
-      <p:par>
-        <p:cTn id="1" dur="indefinite" restart="never" nodeType="tmRoot">
-          <p:childTnLst>
-            <p:seq concurrent="1" nextAc="seek">
-              <p:cTn id="2" dur="indefinite" nodeType="mainSeq">
-                <p:childTnLst>
-                  <p:par>
-                    <p:cTn id="3" fill="hold">
-                      <p:stCondLst>
-                        <p:cond delay="indefinite"/>
-                        <p:cond evt="onBegin" delay="0">
-                          <p:tn val="2"/>
-                        </p:cond>
-                      </p:stCondLst>
-                      <p:childTnLst>
-                        <p:par>
-                          <p:cTn id="4" fill="hold">
-                            <p:stCondLst>
-                              <p:cond delay="0"/>
-                            </p:stCondLst>
-                            <p:childTnLst>
-                              <p:par>
-                                <p:cTn id="5" presetID="10" presetClass="entr" presetSubtype="0" fill="hold" grpId="0" nodeType="withEffect">
-                                  <p:stCondLst>
-                                    <p:cond delay="500"/>
-                                  </p:stCondLst>
-                                  <p:iterate type="wd">
-                                    <p:tmPct val="15000"/>
-                                  </p:iterate>
-                                  <p:childTnLst>
-                                    <p:set>
-                                      <p:cBhvr>
-                                        <p:cTn id="6" dur="1" fill="hold">
-                                          <p:stCondLst>
-                                            <p:cond delay="0"/>
-                                          </p:stCondLst>
-                                        </p:cTn>
-                                        <p:tgtEl>
-                                          <p:spTgt spid="2"/>
-                                        </p:tgtEl>
-                                        <p:attrNameLst>
-                                          <p:attrName>style.visibility</p:attrName>
-                                        </p:attrNameLst>
-                                      </p:cBhvr>
-                                      <p:to>
-                                        <p:strVal val="visible"/>
-                                      </p:to>
-                                    </p:set>
-                                    <p:animEffect transition="in" filter="fade">
-                                      <p:cBhvr>
-                                        <p:cTn id="7" dur="1000"/>
-                                        <p:tgtEl>
-                                          <p:spTgt spid="2"/>
-                                        </p:tgtEl>
-                                      </p:cBhvr>
-                                    </p:animEffect>
-                                  </p:childTnLst>
-                                </p:cTn>
-                              </p:par>
-                            </p:childTnLst>
-                          </p:cTn>
-                        </p:par>
-                      </p:childTnLst>
-                    </p:cTn>
-                  </p:par>
-                </p:childTnLst>
-              </p:cTn>
-              <p:prevCondLst>
-                <p:cond evt="onPrev" delay="0">
-                  <p:tgtEl>
-                    <p:sldTgt/>
-                  </p:tgtEl>
-                </p:cond>
-              </p:prevCondLst>
-              <p:nextCondLst>
-                <p:cond evt="onNext" delay="0">
-                  <p:tgtEl>
-                    <p:sldTgt/>
-                  </p:tgtEl>
-                </p:cond>
-              </p:nextCondLst>
-            </p:seq>
-          </p:childTnLst>
-        </p:cTn>
-      </p:par>
-    </p:tnLst>
-    <p:bldLst>
-      <p:bldP spid="2" grpId="0"/>
-    </p:bldLst>
-  </p:timing>
-</p:sld>
-</file>
-
-<file path=ppt/slides/slide6.xml><?xml version="1.0" encoding="utf-8"?>
-<p:sld xmlns:a="http://schemas.openxmlformats.org/drawingml/2006/main" xmlns:r="http://schemas.openxmlformats.org/officeDocument/2006/relationships" xmlns:p="http://schemas.openxmlformats.org/presentationml/2006/main">
-  <p:cSld>
-    <p:bg>
-      <p:bgPr>
-        <a:solidFill>
-          <a:schemeClr val="bg1"/>
-        </a:solidFill>
-        <a:effectLst/>
-      </p:bgPr>
-    </p:bg>
-    <p:spTree>
-      <p:nvGrpSpPr>
-        <p:cNvPr id="1" name="">
-          <a:extLst>
-            <a:ext uri="{FF2B5EF4-FFF2-40B4-BE49-F238E27FC236}">
-              <a16:creationId xmlns:a16="http://schemas.microsoft.com/office/drawing/2014/main" id="{B16BA018-F3C5-36D7-AD49-CB5B816795C9}"/>
-            </a:ext>
-          </a:extLst>
-        </p:cNvPr>
-        <p:cNvGrpSpPr/>
-        <p:nvPr/>
-      </p:nvGrpSpPr>
-      <p:grpSpPr>
-        <a:xfrm>
-          <a:off x="0" y="0"/>
-          <a:ext cx="0" cy="0"/>
-          <a:chOff x="0" y="0"/>
-          <a:chExt cx="0" cy="0"/>
-        </a:xfrm>
-      </p:grpSpPr>
-      <p:sp useBgFill="1">
-        <p:nvSpPr>
-          <p:cNvPr id="8" name="Rectangle 7">
-            <a:extLst>
-              <a:ext uri="{FF2B5EF4-FFF2-40B4-BE49-F238E27FC236}">
-                <a16:creationId xmlns:a16="http://schemas.microsoft.com/office/drawing/2014/main" id="{2EF545A7-852A-7931-9B35-2AE7EF97F394}"/>
-              </a:ext>
-              <a:ext uri="{C183D7F6-B498-43B3-948B-1728B52AA6E4}">
-                <adec:decorative xmlns:adec="http://schemas.microsoft.com/office/drawing/2017/decorative" val="1"/>
-              </a:ext>
-            </a:extLst>
-          </p:cNvPr>
-          <p:cNvSpPr>
-            <a:spLocks noGrp="1" noRot="1" noChangeAspect="1" noMove="1" noResize="1" noEditPoints="1" noAdjustHandles="1" noChangeArrowheads="1" noChangeShapeType="1" noTextEdit="1"/>
-          </p:cNvSpPr>
-          <p:nvPr>
-            <p:extLst>
-              <p:ext uri="{386F3935-93C4-4BCD-93E2-E3B085C9AB24}">
-                <p16:designElem xmlns:p16="http://schemas.microsoft.com/office/powerpoint/2015/main" val="1"/>
-              </p:ext>
-            </p:extLst>
-          </p:nvPr>
-        </p:nvSpPr>
-        <p:spPr>
-          <a:xfrm>
-            <a:off x="0" y="0"/>
-            <a:ext cx="12192000" cy="6858000"/>
-          </a:xfrm>
-          <a:prstGeom prst="rect">
-            <a:avLst/>
-          </a:prstGeom>
-          <a:ln>
-            <a:noFill/>
-          </a:ln>
-        </p:spPr>
-        <p:style>
-          <a:lnRef idx="2">
-            <a:schemeClr val="accent1">
-              <a:shade val="50000"/>
-            </a:schemeClr>
-          </a:lnRef>
-          <a:fillRef idx="1">
-            <a:schemeClr val="accent1"/>
-          </a:fillRef>
-          <a:effectRef idx="0">
-            <a:schemeClr val="accent1"/>
-          </a:effectRef>
-          <a:fontRef idx="minor">
-            <a:schemeClr val="lt1"/>
-          </a:fontRef>
-        </p:style>
-        <p:txBody>
-          <a:bodyPr rtlCol="0" anchor="ctr"/>
-          <a:lstStyle/>
-          <a:p>
-            <a:pPr algn="ctr"/>
-            <a:endParaRPr lang="en-US"/>
-          </a:p>
-        </p:txBody>
-      </p:sp>
-      <p:sp>
-        <p:nvSpPr>
-          <p:cNvPr id="10" name="Right Triangle 9">
-            <a:extLst>
-              <a:ext uri="{FF2B5EF4-FFF2-40B4-BE49-F238E27FC236}">
-                <a16:creationId xmlns:a16="http://schemas.microsoft.com/office/drawing/2014/main" id="{E7BD79A6-4552-F384-08A0-7D8948BA35EA}"/>
-              </a:ext>
-              <a:ext uri="{C183D7F6-B498-43B3-948B-1728B52AA6E4}">
-                <adec:decorative xmlns:adec="http://schemas.microsoft.com/office/drawing/2017/decorative" val="1"/>
-              </a:ext>
-            </a:extLst>
-          </p:cNvPr>
-          <p:cNvSpPr>
-            <a:spLocks noGrp="1" noRot="1" noChangeAspect="1" noMove="1" noResize="1" noEditPoints="1" noAdjustHandles="1" noChangeArrowheads="1" noChangeShapeType="1" noTextEdit="1"/>
-          </p:cNvSpPr>
-          <p:nvPr>
-            <p:extLst>
-              <p:ext uri="{386F3935-93C4-4BCD-93E2-E3B085C9AB24}">
-                <p16:designElem xmlns:p16="http://schemas.microsoft.com/office/powerpoint/2015/main" val="1"/>
-              </p:ext>
-            </p:extLst>
-          </p:nvPr>
-        </p:nvSpPr>
-        <p:spPr>
-          <a:xfrm flipH="1">
-            <a:off x="8576720" y="3335867"/>
-            <a:ext cx="3291840" cy="3200400"/>
-          </a:xfrm>
-          <a:prstGeom prst="rtTriangle">
-            <a:avLst/>
-          </a:prstGeom>
-          <a:solidFill>
-            <a:schemeClr val="accent4"/>
-          </a:solidFill>
-          <a:ln>
-            <a:noFill/>
-          </a:ln>
-        </p:spPr>
-        <p:style>
-          <a:lnRef idx="2">
-            <a:schemeClr val="accent1">
-              <a:shade val="50000"/>
-            </a:schemeClr>
-          </a:lnRef>
-          <a:fillRef idx="1">
-            <a:schemeClr val="accent1"/>
-          </a:fillRef>
-          <a:effectRef idx="0">
-            <a:schemeClr val="accent1"/>
-          </a:effectRef>
-          <a:fontRef idx="minor">
-            <a:schemeClr val="lt1"/>
-          </a:fontRef>
-        </p:style>
-        <p:txBody>
-          <a:bodyPr rtlCol="0" anchor="ctr"/>
-          <a:lstStyle/>
-          <a:p>
-            <a:pPr algn="ctr"/>
-            <a:endParaRPr lang="en-US" dirty="0"/>
-          </a:p>
-        </p:txBody>
-      </p:sp>
-      <p:sp>
-        <p:nvSpPr>
-          <p:cNvPr id="12" name="Rectangle 11">
-            <a:extLst>
-              <a:ext uri="{FF2B5EF4-FFF2-40B4-BE49-F238E27FC236}">
-                <a16:creationId xmlns:a16="http://schemas.microsoft.com/office/drawing/2014/main" id="{F177550E-9038-9AFA-3404-3F15AF600671}"/>
-              </a:ext>
-              <a:ext uri="{C183D7F6-B498-43B3-948B-1728B52AA6E4}">
-                <adec:decorative xmlns:adec="http://schemas.microsoft.com/office/drawing/2017/decorative" val="1"/>
-              </a:ext>
-            </a:extLst>
-          </p:cNvPr>
-          <p:cNvSpPr>
-            <a:spLocks noGrp="1" noRot="1" noChangeAspect="1" noMove="1" noResize="1" noEditPoints="1" noAdjustHandles="1" noChangeArrowheads="1" noChangeShapeType="1" noTextEdit="1"/>
-          </p:cNvSpPr>
-          <p:nvPr>
-            <p:extLst>
-              <p:ext uri="{386F3935-93C4-4BCD-93E2-E3B085C9AB24}">
-                <p16:designElem xmlns:p16="http://schemas.microsoft.com/office/powerpoint/2015/main" val="1"/>
-              </p:ext>
-            </p:extLst>
-          </p:nvPr>
-        </p:nvSpPr>
-        <p:spPr>
-          <a:xfrm>
-            <a:off x="641774" y="623275"/>
-            <a:ext cx="10905053" cy="5607882"/>
-          </a:xfrm>
-          <a:prstGeom prst="rect">
-            <a:avLst/>
-          </a:prstGeom>
-          <a:noFill/>
-          <a:ln w="19050">
-            <a:solidFill>
-              <a:schemeClr val="tx1">
-                <a:lumMod val="75000"/>
-                <a:lumOff val="25000"/>
-              </a:schemeClr>
-            </a:solidFill>
-          </a:ln>
-        </p:spPr>
-        <p:style>
-          <a:lnRef idx="2">
-            <a:schemeClr val="accent1">
-              <a:shade val="50000"/>
-            </a:schemeClr>
-          </a:lnRef>
-          <a:fillRef idx="1">
-            <a:schemeClr val="accent1"/>
-          </a:fillRef>
-          <a:effectRef idx="0">
-            <a:schemeClr val="accent1"/>
-          </a:effectRef>
-          <a:fontRef idx="minor">
-            <a:schemeClr val="lt1"/>
-          </a:fontRef>
-        </p:style>
-        <p:txBody>
-          <a:bodyPr rtlCol="0" anchor="ctr"/>
-          <a:lstStyle/>
-          <a:p>
-            <a:pPr algn="ctr"/>
-            <a:endParaRPr lang="en-US"/>
-          </a:p>
-        </p:txBody>
-      </p:sp>
-      <p:sp>
-        <p:nvSpPr>
-          <p:cNvPr id="2" name="Title 1">
-            <a:extLst>
-              <a:ext uri="{FF2B5EF4-FFF2-40B4-BE49-F238E27FC236}">
-                <a16:creationId xmlns:a16="http://schemas.microsoft.com/office/drawing/2014/main" id="{C124C017-1980-1973-DDCB-8E9858C84235}"/>
-              </a:ext>
-            </a:extLst>
-          </p:cNvPr>
-          <p:cNvSpPr>
-            <a:spLocks noGrp="1"/>
-          </p:cNvSpPr>
-          <p:nvPr>
-            <p:ph type="title"/>
-          </p:nvPr>
-        </p:nvSpPr>
-        <p:spPr>
-          <a:xfrm>
-            <a:off x="1285240" y="896057"/>
-            <a:ext cx="9552332" cy="861918"/>
-          </a:xfrm>
-        </p:spPr>
-        <p:txBody>
-          <a:bodyPr anchor="ctr">
-            <a:normAutofit/>
-          </a:bodyPr>
-          <a:lstStyle/>
-          <a:p>
-            <a:r>
-              <a:rPr lang="en-GB" sz="5000" dirty="0"/>
-              <a:t>Slash commands</a:t>
-            </a:r>
-          </a:p>
-        </p:txBody>
-      </p:sp>
-      <p:pic>
-        <p:nvPicPr>
-          <p:cNvPr id="6" name="Content Placeholder 5">
-            <a:extLst>
-              <a:ext uri="{FF2B5EF4-FFF2-40B4-BE49-F238E27FC236}">
-                <a16:creationId xmlns:a16="http://schemas.microsoft.com/office/drawing/2014/main" id="{9B690DD7-505A-7A84-83E5-491CD9CF28D7}"/>
-              </a:ext>
-            </a:extLst>
-          </p:cNvPr>
-          <p:cNvPicPr>
-            <a:picLocks noGrp="1" noChangeAspect="1"/>
-          </p:cNvPicPr>
-          <p:nvPr>
-            <p:ph idx="1"/>
-          </p:nvPr>
-        </p:nvPicPr>
-        <p:blipFill>
-          <a:blip r:embed="rId3"/>
-          <a:stretch>
-            <a:fillRect/>
-          </a:stretch>
-        </p:blipFill>
-        <p:spPr>
-          <a:xfrm>
-            <a:off x="1602457" y="2687214"/>
-            <a:ext cx="6475032" cy="3274729"/>
-          </a:xfrm>
-        </p:spPr>
-      </p:pic>
-      <p:sp>
-        <p:nvSpPr>
-          <p:cNvPr id="7" name="TextBox 6">
-            <a:extLst>
-              <a:ext uri="{FF2B5EF4-FFF2-40B4-BE49-F238E27FC236}">
-                <a16:creationId xmlns:a16="http://schemas.microsoft.com/office/drawing/2014/main" id="{E1F662C0-ACCE-96FA-3EF5-F1EB16E8C48E}"/>
-              </a:ext>
-            </a:extLst>
-          </p:cNvPr>
-          <p:cNvSpPr txBox="1"/>
-          <p:nvPr/>
-        </p:nvSpPr>
-        <p:spPr>
-          <a:xfrm>
-            <a:off x="972355" y="1841679"/>
-            <a:ext cx="5621628" cy="646331"/>
-          </a:xfrm>
-          <a:prstGeom prst="rect">
-            <a:avLst/>
-          </a:prstGeom>
-          <a:noFill/>
-        </p:spPr>
-        <p:txBody>
-          <a:bodyPr wrap="square" rtlCol="0">
-            <a:spAutoFit/>
-          </a:bodyPr>
-          <a:lstStyle/>
-          <a:p>
-            <a:pPr marL="285750" indent="-285750">
-              <a:buFont typeface="Arial" panose="020B0604020202020204" pitchFamily="34" charset="0"/>
-              <a:buChar char="•"/>
-            </a:pPr>
-            <a:r>
-              <a:rPr lang="en-GB" dirty="0">
-                <a:hlinkClick r:id="rId4"/>
-              </a:rPr>
-              <a:t>Slash commands (Microsoft)</a:t>
-            </a:r>
-            <a:endParaRPr lang="en-GB" dirty="0"/>
-          </a:p>
-          <a:p>
-            <a:pPr marL="285750" indent="-285750">
-              <a:buFont typeface="Arial" panose="020B0604020202020204" pitchFamily="34" charset="0"/>
-              <a:buChar char="•"/>
-            </a:pPr>
-            <a:r>
-              <a:rPr lang="en-GB" dirty="0"/>
-              <a:t>You can add your own ones</a:t>
-            </a:r>
-          </a:p>
-        </p:txBody>
-      </p:sp>
-    </p:spTree>
-    <p:extLst>
-      <p:ext uri="{BB962C8B-B14F-4D97-AF65-F5344CB8AC3E}">
-        <p14:creationId xmlns:p14="http://schemas.microsoft.com/office/powerpoint/2010/main" val="4217573439"/>
-      </p:ext>
-    </p:extLst>
-  </p:cSld>
-  <p:clrMapOvr>
-    <a:masterClrMapping/>
-  </p:clrMapOvr>
-  <p:timing>
-    <p:tnLst>
-      <p:par>
-        <p:cTn id="1" dur="indefinite" restart="never" nodeType="tmRoot">
-          <p:childTnLst>
-            <p:seq concurrent="1" nextAc="seek">
-              <p:cTn id="2" dur="indefinite" nodeType="mainSeq">
-                <p:childTnLst>
-                  <p:par>
-                    <p:cTn id="3" fill="hold">
-                      <p:stCondLst>
-                        <p:cond delay="indefinite"/>
-                        <p:cond evt="onBegin" delay="0">
-                          <p:tn val="2"/>
-                        </p:cond>
-                      </p:stCondLst>
-                      <p:childTnLst>
-                        <p:par>
-                          <p:cTn id="4" fill="hold">
-                            <p:stCondLst>
-                              <p:cond delay="0"/>
-                            </p:stCondLst>
-                            <p:childTnLst>
-                              <p:par>
-                                <p:cTn id="5" presetID="10" presetClass="entr" presetSubtype="0" fill="hold" grpId="0" nodeType="withEffect">
-                                  <p:stCondLst>
-                                    <p:cond delay="500"/>
-                                  </p:stCondLst>
-                                  <p:iterate type="wd">
-                                    <p:tmPct val="15000"/>
-                                  </p:iterate>
-                                  <p:childTnLst>
-                                    <p:set>
-                                      <p:cBhvr>
-                                        <p:cTn id="6" dur="1" fill="hold">
-                                          <p:stCondLst>
-                                            <p:cond delay="0"/>
-                                          </p:stCondLst>
-                                        </p:cTn>
-                                        <p:tgtEl>
-                                          <p:spTgt spid="2"/>
-                                        </p:tgtEl>
-                                        <p:attrNameLst>
-                                          <p:attrName>style.visibility</p:attrName>
-                                        </p:attrNameLst>
-                                      </p:cBhvr>
-                                      <p:to>
-                                        <p:strVal val="visible"/>
-                                      </p:to>
-                                    </p:set>
-                                    <p:animEffect transition="in" filter="fade">
-                                      <p:cBhvr>
-                                        <p:cTn id="7" dur="1000"/>
-                                        <p:tgtEl>
-                                          <p:spTgt spid="2"/>
-                                        </p:tgtEl>
-                                      </p:cBhvr>
-                                    </p:animEffect>
-                                  </p:childTnLst>
-                                </p:cTn>
-                              </p:par>
-                            </p:childTnLst>
-                          </p:cTn>
-                        </p:par>
-                      </p:childTnLst>
-                    </p:cTn>
-                  </p:par>
-                </p:childTnLst>
-              </p:cTn>
-              <p:prevCondLst>
-                <p:cond evt="onPrev" delay="0">
-                  <p:tgtEl>
-                    <p:sldTgt/>
-                  </p:tgtEl>
-                </p:cond>
-              </p:prevCondLst>
-              <p:nextCondLst>
-                <p:cond evt="onNext" delay="0">
-                  <p:tgtEl>
-                    <p:sldTgt/>
-                  </p:tgtEl>
-                </p:cond>
-              </p:nextCondLst>
-            </p:seq>
-          </p:childTnLst>
-        </p:cTn>
-      </p:par>
-    </p:tnLst>
-    <p:bldLst>
-      <p:bldP spid="2" grpId="0"/>
-    </p:bldLst>
-  </p:timing>
-</p:sld>
-</file>
-
-<file path=ppt/slides/slide7.xml><?xml version="1.0" encoding="utf-8"?>
-<p:sld xmlns:a="http://schemas.openxmlformats.org/drawingml/2006/main" xmlns:r="http://schemas.openxmlformats.org/officeDocument/2006/relationships" xmlns:p="http://schemas.openxmlformats.org/presentationml/2006/main">
-  <p:cSld>
-    <p:bg>
-      <p:bgPr>
-        <a:solidFill>
-          <a:schemeClr val="bg1"/>
-        </a:solidFill>
-        <a:effectLst/>
-      </p:bgPr>
-    </p:bg>
-    <p:spTree>
-      <p:nvGrpSpPr>
-        <p:cNvPr id="1" name="">
-          <a:extLst>
-            <a:ext uri="{FF2B5EF4-FFF2-40B4-BE49-F238E27FC236}">
-              <a16:creationId xmlns:a16="http://schemas.microsoft.com/office/drawing/2014/main" id="{CB7F19A6-978D-14AC-D20A-FDC071D5AD1B}"/>
-            </a:ext>
-          </a:extLst>
-        </p:cNvPr>
-        <p:cNvGrpSpPr/>
-        <p:nvPr/>
-      </p:nvGrpSpPr>
-      <p:grpSpPr>
-        <a:xfrm>
-          <a:off x="0" y="0"/>
-          <a:ext cx="0" cy="0"/>
-          <a:chOff x="0" y="0"/>
-          <a:chExt cx="0" cy="0"/>
-        </a:xfrm>
-      </p:grpSpPr>
-      <p:sp useBgFill="1">
-        <p:nvSpPr>
-          <p:cNvPr id="8" name="Rectangle 7">
-            <a:extLst>
-              <a:ext uri="{FF2B5EF4-FFF2-40B4-BE49-F238E27FC236}">
-                <a16:creationId xmlns:a16="http://schemas.microsoft.com/office/drawing/2014/main" id="{BC122D5D-D084-A821-6C3B-BA322CD078B1}"/>
-              </a:ext>
-              <a:ext uri="{C183D7F6-B498-43B3-948B-1728B52AA6E4}">
-                <adec:decorative xmlns:adec="http://schemas.microsoft.com/office/drawing/2017/decorative" val="1"/>
-              </a:ext>
-            </a:extLst>
-          </p:cNvPr>
-          <p:cNvSpPr>
-            <a:spLocks noGrp="1" noRot="1" noChangeAspect="1" noMove="1" noResize="1" noEditPoints="1" noAdjustHandles="1" noChangeArrowheads="1" noChangeShapeType="1" noTextEdit="1"/>
-          </p:cNvSpPr>
-          <p:nvPr>
-            <p:extLst>
-              <p:ext uri="{386F3935-93C4-4BCD-93E2-E3B085C9AB24}">
-                <p16:designElem xmlns:p16="http://schemas.microsoft.com/office/powerpoint/2015/main" val="1"/>
-              </p:ext>
-            </p:extLst>
-          </p:nvPr>
-        </p:nvSpPr>
-        <p:spPr>
-          <a:xfrm>
-            <a:off x="0" y="0"/>
-            <a:ext cx="12192000" cy="6858000"/>
-          </a:xfrm>
-          <a:prstGeom prst="rect">
-            <a:avLst/>
-          </a:prstGeom>
-          <a:ln>
-            <a:noFill/>
-          </a:ln>
-        </p:spPr>
-        <p:style>
-          <a:lnRef idx="2">
-            <a:schemeClr val="accent1">
-              <a:shade val="50000"/>
-            </a:schemeClr>
-          </a:lnRef>
-          <a:fillRef idx="1">
-            <a:schemeClr val="accent1"/>
-          </a:fillRef>
-          <a:effectRef idx="0">
-            <a:schemeClr val="accent1"/>
-          </a:effectRef>
-          <a:fontRef idx="minor">
-            <a:schemeClr val="lt1"/>
-          </a:fontRef>
-        </p:style>
-        <p:txBody>
-          <a:bodyPr rtlCol="0" anchor="ctr"/>
-          <a:lstStyle/>
-          <a:p>
-            <a:pPr algn="ctr"/>
-            <a:endParaRPr lang="en-US"/>
-          </a:p>
-        </p:txBody>
-      </p:sp>
-      <p:sp>
-        <p:nvSpPr>
-          <p:cNvPr id="10" name="Right Triangle 9">
-            <a:extLst>
-              <a:ext uri="{FF2B5EF4-FFF2-40B4-BE49-F238E27FC236}">
-                <a16:creationId xmlns:a16="http://schemas.microsoft.com/office/drawing/2014/main" id="{0EB15DD4-7175-AC8A-FF72-F5682D2EE518}"/>
-              </a:ext>
-              <a:ext uri="{C183D7F6-B498-43B3-948B-1728B52AA6E4}">
-                <adec:decorative xmlns:adec="http://schemas.microsoft.com/office/drawing/2017/decorative" val="1"/>
-              </a:ext>
-            </a:extLst>
-          </p:cNvPr>
-          <p:cNvSpPr>
-            <a:spLocks noGrp="1" noRot="1" noChangeAspect="1" noMove="1" noResize="1" noEditPoints="1" noAdjustHandles="1" noChangeArrowheads="1" noChangeShapeType="1" noTextEdit="1"/>
-          </p:cNvSpPr>
-          <p:nvPr>
-            <p:extLst>
-              <p:ext uri="{386F3935-93C4-4BCD-93E2-E3B085C9AB24}">
-                <p16:designElem xmlns:p16="http://schemas.microsoft.com/office/powerpoint/2015/main" val="1"/>
-              </p:ext>
-            </p:extLst>
-          </p:nvPr>
-        </p:nvSpPr>
-        <p:spPr>
-          <a:xfrm flipH="1">
-            <a:off x="8576720" y="3335867"/>
-            <a:ext cx="3291840" cy="3200400"/>
-          </a:xfrm>
-          <a:prstGeom prst="rtTriangle">
-            <a:avLst/>
-          </a:prstGeom>
-          <a:solidFill>
-            <a:schemeClr val="accent4"/>
-          </a:solidFill>
-          <a:ln>
-            <a:noFill/>
-          </a:ln>
-        </p:spPr>
-        <p:style>
-          <a:lnRef idx="2">
-            <a:schemeClr val="accent1">
-              <a:shade val="50000"/>
-            </a:schemeClr>
-          </a:lnRef>
-          <a:fillRef idx="1">
-            <a:schemeClr val="accent1"/>
-          </a:fillRef>
-          <a:effectRef idx="0">
-            <a:schemeClr val="accent1"/>
-          </a:effectRef>
-          <a:fontRef idx="minor">
-            <a:schemeClr val="lt1"/>
-          </a:fontRef>
-        </p:style>
-        <p:txBody>
-          <a:bodyPr rtlCol="0" anchor="ctr"/>
-          <a:lstStyle/>
-          <a:p>
-            <a:pPr algn="ctr"/>
-            <a:endParaRPr lang="en-US" dirty="0"/>
-          </a:p>
-        </p:txBody>
-      </p:sp>
-      <p:sp>
-        <p:nvSpPr>
-          <p:cNvPr id="12" name="Rectangle 11">
-            <a:extLst>
-              <a:ext uri="{FF2B5EF4-FFF2-40B4-BE49-F238E27FC236}">
-                <a16:creationId xmlns:a16="http://schemas.microsoft.com/office/drawing/2014/main" id="{B992263E-5AA5-7719-0889-F93BC8E4A978}"/>
-              </a:ext>
-              <a:ext uri="{C183D7F6-B498-43B3-948B-1728B52AA6E4}">
-                <adec:decorative xmlns:adec="http://schemas.microsoft.com/office/drawing/2017/decorative" val="1"/>
-              </a:ext>
-            </a:extLst>
-          </p:cNvPr>
-          <p:cNvSpPr>
-            <a:spLocks noGrp="1" noRot="1" noChangeAspect="1" noMove="1" noResize="1" noEditPoints="1" noAdjustHandles="1" noChangeArrowheads="1" noChangeShapeType="1" noTextEdit="1"/>
-          </p:cNvSpPr>
-          <p:nvPr>
-            <p:extLst>
-              <p:ext uri="{386F3935-93C4-4BCD-93E2-E3B085C9AB24}">
-                <p16:designElem xmlns:p16="http://schemas.microsoft.com/office/powerpoint/2015/main" val="1"/>
-              </p:ext>
-            </p:extLst>
-          </p:nvPr>
-        </p:nvSpPr>
-        <p:spPr>
-          <a:xfrm>
-            <a:off x="641774" y="623275"/>
-            <a:ext cx="10905053" cy="5607882"/>
-          </a:xfrm>
-          <a:prstGeom prst="rect">
-            <a:avLst/>
-          </a:prstGeom>
-          <a:noFill/>
-          <a:ln w="19050">
-            <a:solidFill>
-              <a:schemeClr val="tx1">
-                <a:lumMod val="75000"/>
-                <a:lumOff val="25000"/>
-              </a:schemeClr>
-            </a:solidFill>
-          </a:ln>
-        </p:spPr>
-        <p:style>
-          <a:lnRef idx="2">
-            <a:schemeClr val="accent1">
-              <a:shade val="50000"/>
-            </a:schemeClr>
-          </a:lnRef>
-          <a:fillRef idx="1">
-            <a:schemeClr val="accent1"/>
-          </a:fillRef>
-          <a:effectRef idx="0">
-            <a:schemeClr val="accent1"/>
-          </a:effectRef>
-          <a:fontRef idx="minor">
-            <a:schemeClr val="lt1"/>
-          </a:fontRef>
-        </p:style>
-        <p:txBody>
-          <a:bodyPr rtlCol="0" anchor="ctr"/>
-          <a:lstStyle/>
-          <a:p>
-            <a:pPr algn="ctr"/>
-            <a:endParaRPr lang="en-US"/>
-          </a:p>
-        </p:txBody>
-      </p:sp>
-      <p:sp>
-        <p:nvSpPr>
-          <p:cNvPr id="2" name="Title 1">
-            <a:extLst>
-              <a:ext uri="{FF2B5EF4-FFF2-40B4-BE49-F238E27FC236}">
-                <a16:creationId xmlns:a16="http://schemas.microsoft.com/office/drawing/2014/main" id="{8281AF80-AB3D-E6EA-700A-7FDC3BA21079}"/>
-              </a:ext>
-            </a:extLst>
-          </p:cNvPr>
-          <p:cNvSpPr>
-            <a:spLocks noGrp="1"/>
-          </p:cNvSpPr>
-          <p:nvPr>
-            <p:ph type="title"/>
-          </p:nvPr>
-        </p:nvSpPr>
-        <p:spPr>
-          <a:xfrm>
-            <a:off x="1285240" y="896057"/>
-            <a:ext cx="9552332" cy="861918"/>
-          </a:xfrm>
-        </p:spPr>
-        <p:txBody>
-          <a:bodyPr anchor="ctr">
-            <a:normAutofit/>
-          </a:bodyPr>
-          <a:lstStyle/>
-          <a:p>
-            <a:r>
-              <a:rPr lang="en-GB" sz="5000" dirty="0"/>
-              <a:t>Context</a:t>
-            </a:r>
-          </a:p>
-        </p:txBody>
-      </p:sp>
-      <p:sp>
-        <p:nvSpPr>
-          <p:cNvPr id="7" name="TextBox 6">
-            <a:extLst>
-              <a:ext uri="{FF2B5EF4-FFF2-40B4-BE49-F238E27FC236}">
-                <a16:creationId xmlns:a16="http://schemas.microsoft.com/office/drawing/2014/main" id="{F20C1D92-4DBB-F7D2-81D1-47CCFE6D81B4}"/>
-              </a:ext>
-            </a:extLst>
-          </p:cNvPr>
-          <p:cNvSpPr txBox="1"/>
-          <p:nvPr/>
-        </p:nvSpPr>
-        <p:spPr>
-          <a:xfrm>
-            <a:off x="963507" y="1573309"/>
-            <a:ext cx="5621628" cy="369332"/>
-          </a:xfrm>
-          <a:prstGeom prst="rect">
-            <a:avLst/>
-          </a:prstGeom>
-          <a:noFill/>
-        </p:spPr>
-        <p:txBody>
-          <a:bodyPr wrap="square" rtlCol="0">
-            <a:spAutoFit/>
-          </a:bodyPr>
-          <a:lstStyle/>
-          <a:p>
-            <a:pPr marL="285750" indent="-285750">
-              <a:buFont typeface="Arial" panose="020B0604020202020204" pitchFamily="34" charset="0"/>
-              <a:buChar char="•"/>
-            </a:pPr>
-            <a:r>
-              <a:rPr lang="en-GB" dirty="0">
-                <a:hlinkClick r:id="rId3"/>
-              </a:rPr>
-              <a:t>Add context to your prompt (</a:t>
-            </a:r>
-            <a:r>
-              <a:rPr lang="en-GB" dirty="0" err="1">
-                <a:hlinkClick r:id="rId3"/>
-              </a:rPr>
-              <a:t>VSCode</a:t>
-            </a:r>
-            <a:r>
-              <a:rPr lang="en-GB" dirty="0">
-                <a:hlinkClick r:id="rId3"/>
-              </a:rPr>
-              <a:t>)</a:t>
-            </a:r>
-            <a:endParaRPr lang="en-GB" dirty="0"/>
-          </a:p>
-        </p:txBody>
-      </p:sp>
-      <p:pic>
-        <p:nvPicPr>
-          <p:cNvPr id="9" name="Picture 8">
-            <a:extLst>
-              <a:ext uri="{FF2B5EF4-FFF2-40B4-BE49-F238E27FC236}">
-                <a16:creationId xmlns:a16="http://schemas.microsoft.com/office/drawing/2014/main" id="{9F054628-011E-7745-1391-7B4940A06D63}"/>
-              </a:ext>
-            </a:extLst>
-          </p:cNvPr>
-          <p:cNvPicPr>
-            <a:picLocks noChangeAspect="1"/>
-          </p:cNvPicPr>
-          <p:nvPr/>
-        </p:nvPicPr>
-        <p:blipFill>
-          <a:blip r:embed="rId4"/>
-          <a:stretch>
-            <a:fillRect/>
-          </a:stretch>
-        </p:blipFill>
-        <p:spPr>
-          <a:xfrm>
-            <a:off x="2230641" y="2030757"/>
-            <a:ext cx="5663294" cy="4473182"/>
-          </a:xfrm>
-          <a:prstGeom prst="rect">
-            <a:avLst/>
-          </a:prstGeom>
-        </p:spPr>
-      </p:pic>
-    </p:spTree>
-    <p:extLst>
-      <p:ext uri="{BB962C8B-B14F-4D97-AF65-F5344CB8AC3E}">
-        <p14:creationId xmlns:p14="http://schemas.microsoft.com/office/powerpoint/2010/main" val="417571514"/>
-      </p:ext>
-    </p:extLst>
-  </p:cSld>
-  <p:clrMapOvr>
-    <a:masterClrMapping/>
-  </p:clrMapOvr>
-  <p:timing>
-    <p:tnLst>
-      <p:par>
-        <p:cTn id="1" dur="indefinite" restart="never" nodeType="tmRoot">
-          <p:childTnLst>
-            <p:seq concurrent="1" nextAc="seek">
-              <p:cTn id="2" dur="indefinite" nodeType="mainSeq">
-                <p:childTnLst>
-                  <p:par>
-                    <p:cTn id="3" fill="hold">
-                      <p:stCondLst>
-                        <p:cond delay="indefinite"/>
-                        <p:cond evt="onBegin" delay="0">
-                          <p:tn val="2"/>
-                        </p:cond>
-                      </p:stCondLst>
-                      <p:childTnLst>
-                        <p:par>
-                          <p:cTn id="4" fill="hold">
-                            <p:stCondLst>
-                              <p:cond delay="0"/>
-                            </p:stCondLst>
-                            <p:childTnLst>
-                              <p:par>
-                                <p:cTn id="5" presetID="10" presetClass="entr" presetSubtype="0" fill="hold" grpId="0" nodeType="withEffect">
-                                  <p:stCondLst>
-                                    <p:cond delay="500"/>
-                                  </p:stCondLst>
-                                  <p:iterate type="wd">
-                                    <p:tmPct val="15000"/>
-                                  </p:iterate>
-                                  <p:childTnLst>
-                                    <p:set>
-                                      <p:cBhvr>
-                                        <p:cTn id="6" dur="1" fill="hold">
-                                          <p:stCondLst>
-                                            <p:cond delay="0"/>
-                                          </p:stCondLst>
-                                        </p:cTn>
-                                        <p:tgtEl>
-                                          <p:spTgt spid="2"/>
-                                        </p:tgtEl>
-                                        <p:attrNameLst>
-                                          <p:attrName>style.visibility</p:attrName>
-                                        </p:attrNameLst>
-                                      </p:cBhvr>
-                                      <p:to>
-                                        <p:strVal val="visible"/>
-                                      </p:to>
-                                    </p:set>
-                                    <p:animEffect transition="in" filter="fade">
-                                      <p:cBhvr>
-                                        <p:cTn id="7" dur="1000"/>
-                                        <p:tgtEl>
-                                          <p:spTgt spid="2"/>
-                                        </p:tgtEl>
-                                      </p:cBhvr>
-                                    </p:animEffect>
-                                  </p:childTnLst>
-                                </p:cTn>
-                              </p:par>
-                            </p:childTnLst>
-                          </p:cTn>
-                        </p:par>
-                      </p:childTnLst>
-                    </p:cTn>
-                  </p:par>
-                </p:childTnLst>
-              </p:cTn>
-              <p:prevCondLst>
-                <p:cond evt="onPrev" delay="0">
-                  <p:tgtEl>
-                    <p:sldTgt/>
-                  </p:tgtEl>
-                </p:cond>
-              </p:prevCondLst>
-              <p:nextCondLst>
-                <p:cond evt="onNext" delay="0">
-                  <p:tgtEl>
-                    <p:sldTgt/>
-                  </p:tgtEl>
-                </p:cond>
-              </p:nextCondLst>
-            </p:seq>
-          </p:childTnLst>
-        </p:cTn>
-      </p:par>
-    </p:tnLst>
-    <p:bldLst>
-      <p:bldP spid="2" grpId="0"/>
-    </p:bldLst>
-  </p:timing>
-</p:sld>
-</file>
-
-<file path=ppt/slides/slide8.xml><?xml version="1.0" encoding="utf-8"?>
-<p:sld xmlns:a="http://schemas.openxmlformats.org/drawingml/2006/main" xmlns:r="http://schemas.openxmlformats.org/officeDocument/2006/relationships" xmlns:p="http://schemas.openxmlformats.org/presentationml/2006/main">
-  <p:cSld>
-    <p:bg>
-      <p:bgPr>
-        <a:solidFill>
-          <a:schemeClr val="bg1"/>
-        </a:solidFill>
-        <a:effectLst/>
-      </p:bgPr>
-    </p:bg>
-    <p:spTree>
-      <p:nvGrpSpPr>
-        <p:cNvPr id="1" name="">
-          <a:extLst>
-            <a:ext uri="{FF2B5EF4-FFF2-40B4-BE49-F238E27FC236}">
-              <a16:creationId xmlns:a16="http://schemas.microsoft.com/office/drawing/2014/main" id="{F34F3A21-2666-FBD5-8BF0-631B53B1E228}"/>
-            </a:ext>
-          </a:extLst>
-        </p:cNvPr>
-        <p:cNvGrpSpPr/>
-        <p:nvPr/>
-      </p:nvGrpSpPr>
-      <p:grpSpPr>
-        <a:xfrm>
-          <a:off x="0" y="0"/>
-          <a:ext cx="0" cy="0"/>
-          <a:chOff x="0" y="0"/>
-          <a:chExt cx="0" cy="0"/>
-        </a:xfrm>
-      </p:grpSpPr>
-      <p:sp useBgFill="1">
-        <p:nvSpPr>
-          <p:cNvPr id="8" name="Rectangle 7">
-            <a:extLst>
-              <a:ext uri="{FF2B5EF4-FFF2-40B4-BE49-F238E27FC236}">
-                <a16:creationId xmlns:a16="http://schemas.microsoft.com/office/drawing/2014/main" id="{56AEE8EC-D667-1DB1-21F5-4465C224A9DC}"/>
-              </a:ext>
-              <a:ext uri="{C183D7F6-B498-43B3-948B-1728B52AA6E4}">
-                <adec:decorative xmlns:adec="http://schemas.microsoft.com/office/drawing/2017/decorative" val="1"/>
-              </a:ext>
-            </a:extLst>
-          </p:cNvPr>
-          <p:cNvSpPr>
-            <a:spLocks noGrp="1" noRot="1" noChangeAspect="1" noMove="1" noResize="1" noEditPoints="1" noAdjustHandles="1" noChangeArrowheads="1" noChangeShapeType="1" noTextEdit="1"/>
-          </p:cNvSpPr>
-          <p:nvPr>
-            <p:extLst>
-              <p:ext uri="{386F3935-93C4-4BCD-93E2-E3B085C9AB24}">
-                <p16:designElem xmlns:p16="http://schemas.microsoft.com/office/powerpoint/2015/main" val="1"/>
-              </p:ext>
-            </p:extLst>
-          </p:nvPr>
-        </p:nvSpPr>
-        <p:spPr>
-          <a:xfrm>
-            <a:off x="0" y="0"/>
-            <a:ext cx="12192000" cy="6858000"/>
-          </a:xfrm>
-          <a:prstGeom prst="rect">
-            <a:avLst/>
-          </a:prstGeom>
-          <a:ln>
-            <a:noFill/>
-          </a:ln>
-        </p:spPr>
-        <p:style>
-          <a:lnRef idx="2">
-            <a:schemeClr val="accent1">
-              <a:shade val="50000"/>
-            </a:schemeClr>
-          </a:lnRef>
-          <a:fillRef idx="1">
-            <a:schemeClr val="accent1"/>
-          </a:fillRef>
-          <a:effectRef idx="0">
-            <a:schemeClr val="accent1"/>
-          </a:effectRef>
-          <a:fontRef idx="minor">
-            <a:schemeClr val="lt1"/>
-          </a:fontRef>
-        </p:style>
-        <p:txBody>
-          <a:bodyPr rtlCol="0" anchor="ctr"/>
-          <a:lstStyle/>
-          <a:p>
-            <a:pPr algn="ctr"/>
-            <a:endParaRPr lang="en-US"/>
-          </a:p>
-        </p:txBody>
-      </p:sp>
-      <p:sp>
-        <p:nvSpPr>
-          <p:cNvPr id="10" name="Right Triangle 9">
-            <a:extLst>
-              <a:ext uri="{FF2B5EF4-FFF2-40B4-BE49-F238E27FC236}">
-                <a16:creationId xmlns:a16="http://schemas.microsoft.com/office/drawing/2014/main" id="{E5E840AA-4478-A9EA-5C14-094B94A0AD4A}"/>
-              </a:ext>
-              <a:ext uri="{C183D7F6-B498-43B3-948B-1728B52AA6E4}">
-                <adec:decorative xmlns:adec="http://schemas.microsoft.com/office/drawing/2017/decorative" val="1"/>
-              </a:ext>
-            </a:extLst>
-          </p:cNvPr>
-          <p:cNvSpPr>
-            <a:spLocks noGrp="1" noRot="1" noChangeAspect="1" noMove="1" noResize="1" noEditPoints="1" noAdjustHandles="1" noChangeArrowheads="1" noChangeShapeType="1" noTextEdit="1"/>
-          </p:cNvSpPr>
-          <p:nvPr>
-            <p:extLst>
-              <p:ext uri="{386F3935-93C4-4BCD-93E2-E3B085C9AB24}">
-                <p16:designElem xmlns:p16="http://schemas.microsoft.com/office/powerpoint/2015/main" val="1"/>
-              </p:ext>
-            </p:extLst>
-          </p:nvPr>
-        </p:nvSpPr>
-        <p:spPr>
-          <a:xfrm flipH="1">
-            <a:off x="8576720" y="3335867"/>
-            <a:ext cx="3291840" cy="3200400"/>
-          </a:xfrm>
-          <a:prstGeom prst="rtTriangle">
-            <a:avLst/>
-          </a:prstGeom>
-          <a:solidFill>
-            <a:schemeClr val="accent4"/>
-          </a:solidFill>
-          <a:ln>
-            <a:noFill/>
-          </a:ln>
-        </p:spPr>
-        <p:style>
-          <a:lnRef idx="2">
-            <a:schemeClr val="accent1">
-              <a:shade val="50000"/>
-            </a:schemeClr>
-          </a:lnRef>
-          <a:fillRef idx="1">
-            <a:schemeClr val="accent1"/>
-          </a:fillRef>
-          <a:effectRef idx="0">
-            <a:schemeClr val="accent1"/>
-          </a:effectRef>
-          <a:fontRef idx="minor">
-            <a:schemeClr val="lt1"/>
-          </a:fontRef>
-        </p:style>
-        <p:txBody>
-          <a:bodyPr rtlCol="0" anchor="ctr"/>
-          <a:lstStyle/>
-          <a:p>
-            <a:pPr algn="ctr"/>
-            <a:endParaRPr lang="en-US" dirty="0"/>
-          </a:p>
-        </p:txBody>
-      </p:sp>
-      <p:sp>
-        <p:nvSpPr>
-          <p:cNvPr id="12" name="Rectangle 11">
-            <a:extLst>
-              <a:ext uri="{FF2B5EF4-FFF2-40B4-BE49-F238E27FC236}">
-                <a16:creationId xmlns:a16="http://schemas.microsoft.com/office/drawing/2014/main" id="{8A633D59-64E1-AD48-4CE5-2574555CBE3D}"/>
-              </a:ext>
-              <a:ext uri="{C183D7F6-B498-43B3-948B-1728B52AA6E4}">
-                <adec:decorative xmlns:adec="http://schemas.microsoft.com/office/drawing/2017/decorative" val="1"/>
-              </a:ext>
-            </a:extLst>
-          </p:cNvPr>
-          <p:cNvSpPr>
-            <a:spLocks noGrp="1" noRot="1" noChangeAspect="1" noMove="1" noResize="1" noEditPoints="1" noAdjustHandles="1" noChangeArrowheads="1" noChangeShapeType="1" noTextEdit="1"/>
-          </p:cNvSpPr>
-          <p:nvPr>
-            <p:extLst>
-              <p:ext uri="{386F3935-93C4-4BCD-93E2-E3B085C9AB24}">
-                <p16:designElem xmlns:p16="http://schemas.microsoft.com/office/powerpoint/2015/main" val="1"/>
-              </p:ext>
-            </p:extLst>
-          </p:nvPr>
-        </p:nvSpPr>
-        <p:spPr>
-          <a:xfrm>
-            <a:off x="641774" y="623275"/>
-            <a:ext cx="10905053" cy="5607882"/>
-          </a:xfrm>
-          <a:prstGeom prst="rect">
-            <a:avLst/>
-          </a:prstGeom>
-          <a:noFill/>
-          <a:ln w="19050">
-            <a:solidFill>
-              <a:schemeClr val="tx1">
-                <a:lumMod val="75000"/>
-                <a:lumOff val="25000"/>
-              </a:schemeClr>
-            </a:solidFill>
-          </a:ln>
-        </p:spPr>
-        <p:style>
-          <a:lnRef idx="2">
-            <a:schemeClr val="accent1">
-              <a:shade val="50000"/>
-            </a:schemeClr>
-          </a:lnRef>
-          <a:fillRef idx="1">
-            <a:schemeClr val="accent1"/>
-          </a:fillRef>
-          <a:effectRef idx="0">
-            <a:schemeClr val="accent1"/>
-          </a:effectRef>
-          <a:fontRef idx="minor">
-            <a:schemeClr val="lt1"/>
-          </a:fontRef>
-        </p:style>
-        <p:txBody>
-          <a:bodyPr rtlCol="0" anchor="ctr"/>
-          <a:lstStyle/>
-          <a:p>
-            <a:pPr algn="ctr"/>
-            <a:endParaRPr lang="en-US"/>
-          </a:p>
-        </p:txBody>
-      </p:sp>
-      <p:sp>
-        <p:nvSpPr>
-          <p:cNvPr id="2" name="Title 1">
-            <a:extLst>
-              <a:ext uri="{FF2B5EF4-FFF2-40B4-BE49-F238E27FC236}">
-                <a16:creationId xmlns:a16="http://schemas.microsoft.com/office/drawing/2014/main" id="{414CB868-5D66-A5CE-1E80-68B5F9FB2291}"/>
-              </a:ext>
-            </a:extLst>
-          </p:cNvPr>
-          <p:cNvSpPr>
-            <a:spLocks noGrp="1"/>
-          </p:cNvSpPr>
-          <p:nvPr>
-            <p:ph type="title"/>
-          </p:nvPr>
-        </p:nvSpPr>
-        <p:spPr>
-          <a:xfrm>
-            <a:off x="1285240" y="1050596"/>
-            <a:ext cx="9552332" cy="861918"/>
-          </a:xfrm>
-        </p:spPr>
-        <p:txBody>
-          <a:bodyPr anchor="ctr">
-            <a:normAutofit/>
-          </a:bodyPr>
-          <a:lstStyle/>
-          <a:p>
-            <a:r>
-              <a:rPr lang="en-GB" sz="5400" dirty="0"/>
-              <a:t>Starter code</a:t>
-            </a:r>
-            <a:endParaRPr lang="en-GB" sz="5000" dirty="0"/>
-          </a:p>
-        </p:txBody>
-      </p:sp>
-      <p:sp>
-        <p:nvSpPr>
-          <p:cNvPr id="3" name="Content Placeholder 2">
-            <a:extLst>
-              <a:ext uri="{FF2B5EF4-FFF2-40B4-BE49-F238E27FC236}">
-                <a16:creationId xmlns:a16="http://schemas.microsoft.com/office/drawing/2014/main" id="{D355B525-C1C4-2B85-C52D-34D651B4B362}"/>
-              </a:ext>
-            </a:extLst>
-          </p:cNvPr>
-          <p:cNvSpPr>
-            <a:spLocks noGrp="1"/>
-          </p:cNvSpPr>
-          <p:nvPr>
-            <p:ph idx="1"/>
-          </p:nvPr>
-        </p:nvSpPr>
-        <p:spPr>
-          <a:xfrm>
-            <a:off x="1285240" y="2188397"/>
-            <a:ext cx="8074815" cy="3581468"/>
-          </a:xfrm>
-        </p:spPr>
-        <p:txBody>
-          <a:bodyPr anchor="t">
-            <a:normAutofit fontScale="92500" lnSpcReduction="20000"/>
-          </a:bodyPr>
-          <a:lstStyle/>
-          <a:p>
-            <a:r>
-              <a:rPr lang="en-GB" dirty="0"/>
-              <a:t>Java: </a:t>
-            </a:r>
-            <a:r>
-              <a:rPr lang="en-GB" dirty="0">
-                <a:hlinkClick r:id="rId2"/>
-              </a:rPr>
-              <a:t>https://github.com/blarojo/java-github-copilot</a:t>
-            </a:r>
-            <a:r>
-              <a:rPr lang="en-GB" dirty="0"/>
-              <a:t> </a:t>
-            </a:r>
-          </a:p>
-          <a:p>
-            <a:r>
-              <a:rPr lang="en-GB" dirty="0"/>
-              <a:t>Python: </a:t>
-            </a:r>
-            <a:r>
-              <a:rPr lang="en-GB" dirty="0">
-                <a:hlinkClick r:id="rId3"/>
-              </a:rPr>
-              <a:t>https://github.com/blarojo/python-github-copilot</a:t>
-            </a:r>
-            <a:r>
-              <a:rPr lang="en-GB" dirty="0"/>
-              <a:t> </a:t>
-            </a:r>
-          </a:p>
-          <a:p>
-            <a:endParaRPr lang="en-GB" dirty="0"/>
-          </a:p>
-          <a:p>
-            <a:r>
-              <a:rPr lang="en-GB" dirty="0"/>
-              <a:t>Exercise:</a:t>
-            </a:r>
-          </a:p>
-          <a:p>
-            <a:pPr lvl="1"/>
-            <a:r>
-              <a:rPr lang="en-GB" dirty="0"/>
-              <a:t>Clone / download code in your machine</a:t>
-            </a:r>
-          </a:p>
-          <a:p>
-            <a:pPr lvl="1"/>
-            <a:r>
-              <a:rPr lang="en-GB" dirty="0"/>
-              <a:t>Try inline recommendations, chat, edit mode, agent mode (?)</a:t>
-            </a:r>
-          </a:p>
-          <a:p>
-            <a:pPr lvl="1"/>
-            <a:r>
-              <a:rPr lang="en-GB" dirty="0"/>
-              <a:t>Add a new endpoint to the existing code using the GH copilot suggestions</a:t>
-            </a:r>
-          </a:p>
-          <a:p>
-            <a:endParaRPr lang="en-GB" dirty="0"/>
-          </a:p>
-          <a:p>
-            <a:endParaRPr lang="en-GB" dirty="0"/>
-          </a:p>
-          <a:p>
-            <a:endParaRPr lang="en-GB" dirty="0"/>
-          </a:p>
-        </p:txBody>
-      </p:sp>
-    </p:spTree>
-    <p:extLst>
-      <p:ext uri="{BB962C8B-B14F-4D97-AF65-F5344CB8AC3E}">
-        <p14:creationId xmlns:p14="http://schemas.microsoft.com/office/powerpoint/2010/main" val="1345716271"/>
-      </p:ext>
-    </p:extLst>
-  </p:cSld>
-  <p:clrMapOvr>
-    <a:masterClrMapping/>
-  </p:clrMapOvr>
-  <p:timing>
-    <p:tnLst>
-      <p:par>
-        <p:cTn id="1" dur="indefinite" restart="never" nodeType="tmRoot">
-          <p:childTnLst>
-            <p:seq concurrent="1" nextAc="seek">
-              <p:cTn id="2" dur="indefinite" nodeType="mainSeq">
-                <p:childTnLst>
-                  <p:par>
-                    <p:cTn id="3" fill="hold">
-                      <p:stCondLst>
-                        <p:cond delay="indefinite"/>
-                        <p:cond evt="onBegin" delay="0">
-                          <p:tn val="2"/>
-                        </p:cond>
-                      </p:stCondLst>
-                      <p:childTnLst>
-                        <p:par>
-                          <p:cTn id="4" fill="hold">
-                            <p:stCondLst>
-                              <p:cond delay="0"/>
-                            </p:stCondLst>
-                            <p:childTnLst>
-                              <p:par>
-                                <p:cTn id="5" presetID="10" presetClass="entr" presetSubtype="0" fill="hold" grpId="0" nodeType="withEffect">
-                                  <p:stCondLst>
-                                    <p:cond delay="500"/>
-                                  </p:stCondLst>
-                                  <p:iterate type="wd">
-                                    <p:tmPct val="15000"/>
-                                  </p:iterate>
-                                  <p:childTnLst>
-                                    <p:set>
-                                      <p:cBhvr>
-                                        <p:cTn id="6" dur="1" fill="hold">
-                                          <p:stCondLst>
-                                            <p:cond delay="0"/>
-                                          </p:stCondLst>
-                                        </p:cTn>
-                                        <p:tgtEl>
-                                          <p:spTgt spid="2"/>
-                                        </p:tgtEl>
-                                        <p:attrNameLst>
-                                          <p:attrName>style.visibility</p:attrName>
-                                        </p:attrNameLst>
-                                      </p:cBhvr>
-                                      <p:to>
-                                        <p:strVal val="visible"/>
-                                      </p:to>
-                                    </p:set>
-                                    <p:animEffect transition="in" filter="fade">
-                                      <p:cBhvr>
-                                        <p:cTn id="7" dur="1000"/>
-                                        <p:tgtEl>
-                                          <p:spTgt spid="2"/>
-                                        </p:tgtEl>
-                                      </p:cBhvr>
-                                    </p:animEffect>
-                                  </p:childTnLst>
-                                </p:cTn>
-                              </p:par>
-                            </p:childTnLst>
-                          </p:cTn>
-                        </p:par>
-                      </p:childTnLst>
-                    </p:cTn>
-                  </p:par>
-                </p:childTnLst>
-              </p:cTn>
-              <p:prevCondLst>
-                <p:cond evt="onPrev" delay="0">
-                  <p:tgtEl>
-                    <p:sldTgt/>
-                  </p:tgtEl>
-                </p:cond>
-              </p:prevCondLst>
-              <p:nextCondLst>
-                <p:cond evt="onNext" delay="0">
-                  <p:tgtEl>
-                    <p:sldTgt/>
-                  </p:tgtEl>
-                </p:cond>
-              </p:nextCondLst>
-            </p:seq>
-          </p:childTnLst>
-        </p:cTn>
-      </p:par>
-    </p:tnLst>
-    <p:bldLst>
-      <p:bldP spid="2" grpId="0"/>
-    </p:bldLst>
-  </p:timing>
-</p:sld>
-</file>
-
-<file path=ppt/slides/slide9.xml><?xml version="1.0" encoding="utf-8"?>
+<file path=ppt/slides/slide10.xml><?xml version="1.0" encoding="utf-8"?>
 <p:sld xmlns:a="http://schemas.openxmlformats.org/drawingml/2006/main" xmlns:r="http://schemas.openxmlformats.org/officeDocument/2006/relationships" xmlns:p="http://schemas.openxmlformats.org/presentationml/2006/main">
   <p:cSld>
     <p:bg>
@@ -7992,6 +5083,3483 @@
     <p:extLst>
       <p:ext uri="{BB962C8B-B14F-4D97-AF65-F5344CB8AC3E}">
         <p14:creationId xmlns:p14="http://schemas.microsoft.com/office/powerpoint/2010/main" val="1427302398"/>
+      </p:ext>
+    </p:extLst>
+  </p:cSld>
+  <p:clrMapOvr>
+    <a:masterClrMapping/>
+  </p:clrMapOvr>
+  <p:timing>
+    <p:tnLst>
+      <p:par>
+        <p:cTn id="1" dur="indefinite" restart="never" nodeType="tmRoot">
+          <p:childTnLst>
+            <p:seq concurrent="1" nextAc="seek">
+              <p:cTn id="2" dur="indefinite" nodeType="mainSeq">
+                <p:childTnLst>
+                  <p:par>
+                    <p:cTn id="3" fill="hold">
+                      <p:stCondLst>
+                        <p:cond delay="indefinite"/>
+                        <p:cond evt="onBegin" delay="0">
+                          <p:tn val="2"/>
+                        </p:cond>
+                      </p:stCondLst>
+                      <p:childTnLst>
+                        <p:par>
+                          <p:cTn id="4" fill="hold">
+                            <p:stCondLst>
+                              <p:cond delay="0"/>
+                            </p:stCondLst>
+                            <p:childTnLst>
+                              <p:par>
+                                <p:cTn id="5" presetID="10" presetClass="entr" presetSubtype="0" fill="hold" grpId="0" nodeType="withEffect">
+                                  <p:stCondLst>
+                                    <p:cond delay="500"/>
+                                  </p:stCondLst>
+                                  <p:iterate type="wd">
+                                    <p:tmPct val="15000"/>
+                                  </p:iterate>
+                                  <p:childTnLst>
+                                    <p:set>
+                                      <p:cBhvr>
+                                        <p:cTn id="6" dur="1" fill="hold">
+                                          <p:stCondLst>
+                                            <p:cond delay="0"/>
+                                          </p:stCondLst>
+                                        </p:cTn>
+                                        <p:tgtEl>
+                                          <p:spTgt spid="2"/>
+                                        </p:tgtEl>
+                                        <p:attrNameLst>
+                                          <p:attrName>style.visibility</p:attrName>
+                                        </p:attrNameLst>
+                                      </p:cBhvr>
+                                      <p:to>
+                                        <p:strVal val="visible"/>
+                                      </p:to>
+                                    </p:set>
+                                    <p:animEffect transition="in" filter="fade">
+                                      <p:cBhvr>
+                                        <p:cTn id="7" dur="1000"/>
+                                        <p:tgtEl>
+                                          <p:spTgt spid="2"/>
+                                        </p:tgtEl>
+                                      </p:cBhvr>
+                                    </p:animEffect>
+                                  </p:childTnLst>
+                                </p:cTn>
+                              </p:par>
+                            </p:childTnLst>
+                          </p:cTn>
+                        </p:par>
+                      </p:childTnLst>
+                    </p:cTn>
+                  </p:par>
+                </p:childTnLst>
+              </p:cTn>
+              <p:prevCondLst>
+                <p:cond evt="onPrev" delay="0">
+                  <p:tgtEl>
+                    <p:sldTgt/>
+                  </p:tgtEl>
+                </p:cond>
+              </p:prevCondLst>
+              <p:nextCondLst>
+                <p:cond evt="onNext" delay="0">
+                  <p:tgtEl>
+                    <p:sldTgt/>
+                  </p:tgtEl>
+                </p:cond>
+              </p:nextCondLst>
+            </p:seq>
+          </p:childTnLst>
+        </p:cTn>
+      </p:par>
+    </p:tnLst>
+    <p:bldLst>
+      <p:bldP spid="2" grpId="0"/>
+    </p:bldLst>
+  </p:timing>
+</p:sld>
+</file>
+
+<file path=ppt/slides/slide2.xml><?xml version="1.0" encoding="utf-8"?>
+<p:sld xmlns:a="http://schemas.openxmlformats.org/drawingml/2006/main" xmlns:r="http://schemas.openxmlformats.org/officeDocument/2006/relationships" xmlns:p="http://schemas.openxmlformats.org/presentationml/2006/main">
+  <p:cSld>
+    <p:bg>
+      <p:bgPr>
+        <a:solidFill>
+          <a:schemeClr val="bg1"/>
+        </a:solidFill>
+        <a:effectLst/>
+      </p:bgPr>
+    </p:bg>
+    <p:spTree>
+      <p:nvGrpSpPr>
+        <p:cNvPr id="1" name=""/>
+        <p:cNvGrpSpPr/>
+        <p:nvPr/>
+      </p:nvGrpSpPr>
+      <p:grpSpPr>
+        <a:xfrm>
+          <a:off x="0" y="0"/>
+          <a:ext cx="0" cy="0"/>
+          <a:chOff x="0" y="0"/>
+          <a:chExt cx="0" cy="0"/>
+        </a:xfrm>
+      </p:grpSpPr>
+      <p:sp useBgFill="1">
+        <p:nvSpPr>
+          <p:cNvPr id="8" name="Rectangle 7">
+            <a:extLst>
+              <a:ext uri="{FF2B5EF4-FFF2-40B4-BE49-F238E27FC236}">
+                <a16:creationId xmlns:a16="http://schemas.microsoft.com/office/drawing/2014/main" id="{081EA652-8C6A-4E69-BEB9-170809474553}"/>
+              </a:ext>
+              <a:ext uri="{C183D7F6-B498-43B3-948B-1728B52AA6E4}">
+                <adec:decorative xmlns:adec="http://schemas.microsoft.com/office/drawing/2017/decorative" val="1"/>
+              </a:ext>
+            </a:extLst>
+          </p:cNvPr>
+          <p:cNvSpPr>
+            <a:spLocks noGrp="1" noRot="1" noChangeAspect="1" noMove="1" noResize="1" noEditPoints="1" noAdjustHandles="1" noChangeArrowheads="1" noChangeShapeType="1" noTextEdit="1"/>
+          </p:cNvSpPr>
+          <p:nvPr>
+            <p:extLst>
+              <p:ext uri="{386F3935-93C4-4BCD-93E2-E3B085C9AB24}">
+                <p16:designElem xmlns:p16="http://schemas.microsoft.com/office/powerpoint/2015/main" val="1"/>
+              </p:ext>
+            </p:extLst>
+          </p:nvPr>
+        </p:nvSpPr>
+        <p:spPr>
+          <a:xfrm>
+            <a:off x="0" y="0"/>
+            <a:ext cx="12192000" cy="6858000"/>
+          </a:xfrm>
+          <a:prstGeom prst="rect">
+            <a:avLst/>
+          </a:prstGeom>
+          <a:ln>
+            <a:noFill/>
+          </a:ln>
+        </p:spPr>
+        <p:style>
+          <a:lnRef idx="2">
+            <a:schemeClr val="accent1">
+              <a:shade val="50000"/>
+            </a:schemeClr>
+          </a:lnRef>
+          <a:fillRef idx="1">
+            <a:schemeClr val="accent1"/>
+          </a:fillRef>
+          <a:effectRef idx="0">
+            <a:schemeClr val="accent1"/>
+          </a:effectRef>
+          <a:fontRef idx="minor">
+            <a:schemeClr val="lt1"/>
+          </a:fontRef>
+        </p:style>
+        <p:txBody>
+          <a:bodyPr rtlCol="0" anchor="ctr"/>
+          <a:lstStyle/>
+          <a:p>
+            <a:pPr algn="ctr"/>
+            <a:endParaRPr lang="en-US"/>
+          </a:p>
+        </p:txBody>
+      </p:sp>
+      <p:sp>
+        <p:nvSpPr>
+          <p:cNvPr id="10" name="Right Triangle 9">
+            <a:extLst>
+              <a:ext uri="{FF2B5EF4-FFF2-40B4-BE49-F238E27FC236}">
+                <a16:creationId xmlns:a16="http://schemas.microsoft.com/office/drawing/2014/main" id="{5298780A-33B9-4EA2-8F67-DE68AD62841B}"/>
+              </a:ext>
+              <a:ext uri="{C183D7F6-B498-43B3-948B-1728B52AA6E4}">
+                <adec:decorative xmlns:adec="http://schemas.microsoft.com/office/drawing/2017/decorative" val="1"/>
+              </a:ext>
+            </a:extLst>
+          </p:cNvPr>
+          <p:cNvSpPr>
+            <a:spLocks noGrp="1" noRot="1" noChangeAspect="1" noMove="1" noResize="1" noEditPoints="1" noAdjustHandles="1" noChangeArrowheads="1" noChangeShapeType="1" noTextEdit="1"/>
+          </p:cNvSpPr>
+          <p:nvPr>
+            <p:extLst>
+              <p:ext uri="{386F3935-93C4-4BCD-93E2-E3B085C9AB24}">
+                <p16:designElem xmlns:p16="http://schemas.microsoft.com/office/powerpoint/2015/main" val="1"/>
+              </p:ext>
+            </p:extLst>
+          </p:nvPr>
+        </p:nvSpPr>
+        <p:spPr>
+          <a:xfrm flipH="1">
+            <a:off x="8576720" y="3335867"/>
+            <a:ext cx="3291840" cy="3200400"/>
+          </a:xfrm>
+          <a:prstGeom prst="rtTriangle">
+            <a:avLst/>
+          </a:prstGeom>
+          <a:solidFill>
+            <a:schemeClr val="accent4"/>
+          </a:solidFill>
+          <a:ln>
+            <a:noFill/>
+          </a:ln>
+        </p:spPr>
+        <p:style>
+          <a:lnRef idx="2">
+            <a:schemeClr val="accent1">
+              <a:shade val="50000"/>
+            </a:schemeClr>
+          </a:lnRef>
+          <a:fillRef idx="1">
+            <a:schemeClr val="accent1"/>
+          </a:fillRef>
+          <a:effectRef idx="0">
+            <a:schemeClr val="accent1"/>
+          </a:effectRef>
+          <a:fontRef idx="minor">
+            <a:schemeClr val="lt1"/>
+          </a:fontRef>
+        </p:style>
+        <p:txBody>
+          <a:bodyPr rtlCol="0" anchor="ctr"/>
+          <a:lstStyle/>
+          <a:p>
+            <a:pPr algn="ctr"/>
+            <a:endParaRPr lang="en-US" dirty="0"/>
+          </a:p>
+        </p:txBody>
+      </p:sp>
+      <p:sp>
+        <p:nvSpPr>
+          <p:cNvPr id="12" name="Rectangle 11">
+            <a:extLst>
+              <a:ext uri="{FF2B5EF4-FFF2-40B4-BE49-F238E27FC236}">
+                <a16:creationId xmlns:a16="http://schemas.microsoft.com/office/drawing/2014/main" id="{7F488E8B-4E1E-4402-8935-D4E6C02615C7}"/>
+              </a:ext>
+              <a:ext uri="{C183D7F6-B498-43B3-948B-1728B52AA6E4}">
+                <adec:decorative xmlns:adec="http://schemas.microsoft.com/office/drawing/2017/decorative" val="1"/>
+              </a:ext>
+            </a:extLst>
+          </p:cNvPr>
+          <p:cNvSpPr>
+            <a:spLocks noGrp="1" noRot="1" noChangeAspect="1" noMove="1" noResize="1" noEditPoints="1" noAdjustHandles="1" noChangeArrowheads="1" noChangeShapeType="1" noTextEdit="1"/>
+          </p:cNvSpPr>
+          <p:nvPr>
+            <p:extLst>
+              <p:ext uri="{386F3935-93C4-4BCD-93E2-E3B085C9AB24}">
+                <p16:designElem xmlns:p16="http://schemas.microsoft.com/office/powerpoint/2015/main" val="1"/>
+              </p:ext>
+            </p:extLst>
+          </p:nvPr>
+        </p:nvSpPr>
+        <p:spPr>
+          <a:xfrm>
+            <a:off x="641774" y="623275"/>
+            <a:ext cx="10905053" cy="5607882"/>
+          </a:xfrm>
+          <a:prstGeom prst="rect">
+            <a:avLst/>
+          </a:prstGeom>
+          <a:noFill/>
+          <a:ln w="19050">
+            <a:solidFill>
+              <a:schemeClr val="tx1">
+                <a:lumMod val="75000"/>
+                <a:lumOff val="25000"/>
+              </a:schemeClr>
+            </a:solidFill>
+          </a:ln>
+        </p:spPr>
+        <p:style>
+          <a:lnRef idx="2">
+            <a:schemeClr val="accent1">
+              <a:shade val="50000"/>
+            </a:schemeClr>
+          </a:lnRef>
+          <a:fillRef idx="1">
+            <a:schemeClr val="accent1"/>
+          </a:fillRef>
+          <a:effectRef idx="0">
+            <a:schemeClr val="accent1"/>
+          </a:effectRef>
+          <a:fontRef idx="minor">
+            <a:schemeClr val="lt1"/>
+          </a:fontRef>
+        </p:style>
+        <p:txBody>
+          <a:bodyPr rtlCol="0" anchor="ctr"/>
+          <a:lstStyle/>
+          <a:p>
+            <a:pPr algn="ctr"/>
+            <a:endParaRPr lang="en-US"/>
+          </a:p>
+        </p:txBody>
+      </p:sp>
+      <p:sp>
+        <p:nvSpPr>
+          <p:cNvPr id="2" name="Title 1">
+            <a:extLst>
+              <a:ext uri="{FF2B5EF4-FFF2-40B4-BE49-F238E27FC236}">
+                <a16:creationId xmlns:a16="http://schemas.microsoft.com/office/drawing/2014/main" id="{3BDA9B1C-3DB5-485D-7A5D-0E901972539F}"/>
+              </a:ext>
+            </a:extLst>
+          </p:cNvPr>
+          <p:cNvSpPr>
+            <a:spLocks noGrp="1"/>
+          </p:cNvSpPr>
+          <p:nvPr>
+            <p:ph type="title"/>
+          </p:nvPr>
+        </p:nvSpPr>
+        <p:spPr>
+          <a:xfrm>
+            <a:off x="1285240" y="1050595"/>
+            <a:ext cx="8074815" cy="1618489"/>
+          </a:xfrm>
+        </p:spPr>
+        <p:txBody>
+          <a:bodyPr anchor="ctr">
+            <a:normAutofit/>
+          </a:bodyPr>
+          <a:lstStyle/>
+          <a:p>
+            <a:r>
+              <a:rPr lang="en-GB" sz="7200"/>
+              <a:t>Objectives</a:t>
+            </a:r>
+          </a:p>
+        </p:txBody>
+      </p:sp>
+      <p:sp>
+        <p:nvSpPr>
+          <p:cNvPr id="3" name="Content Placeholder 2">
+            <a:extLst>
+              <a:ext uri="{FF2B5EF4-FFF2-40B4-BE49-F238E27FC236}">
+                <a16:creationId xmlns:a16="http://schemas.microsoft.com/office/drawing/2014/main" id="{7B2860DC-59A0-705E-C1EA-C257B6C04111}"/>
+              </a:ext>
+            </a:extLst>
+          </p:cNvPr>
+          <p:cNvSpPr>
+            <a:spLocks noGrp="1"/>
+          </p:cNvSpPr>
+          <p:nvPr>
+            <p:ph idx="1"/>
+          </p:nvPr>
+        </p:nvSpPr>
+        <p:spPr>
+          <a:xfrm>
+            <a:off x="1285240" y="2445249"/>
+            <a:ext cx="8074815" cy="3324615"/>
+          </a:xfrm>
+        </p:spPr>
+        <p:txBody>
+          <a:bodyPr anchor="t">
+            <a:normAutofit lnSpcReduction="10000"/>
+          </a:bodyPr>
+          <a:lstStyle/>
+          <a:p>
+            <a:r>
+              <a:rPr lang="en-GB" sz="2200" dirty="0"/>
+              <a:t>Learn more about AI Augmented Development and GitHub Copilot</a:t>
+            </a:r>
+          </a:p>
+          <a:p>
+            <a:r>
+              <a:rPr lang="en-GB" sz="2200" dirty="0"/>
+              <a:t>Know how to configure GH Copilot in your IDE</a:t>
+            </a:r>
+          </a:p>
+          <a:p>
+            <a:r>
+              <a:rPr lang="en-GB" sz="2200" dirty="0"/>
+              <a:t>Learn how to use the GH Copilot:</a:t>
+            </a:r>
+          </a:p>
+          <a:p>
+            <a:pPr lvl="1"/>
+            <a:r>
+              <a:rPr lang="en-GB" sz="2200" dirty="0"/>
+              <a:t>Chat / Edit / Agent mode</a:t>
+            </a:r>
+          </a:p>
+          <a:p>
+            <a:pPr lvl="1"/>
+            <a:r>
+              <a:rPr lang="en-GB" sz="2200" dirty="0"/>
+              <a:t>Inline edits</a:t>
+            </a:r>
+          </a:p>
+          <a:p>
+            <a:pPr lvl="1"/>
+            <a:r>
+              <a:rPr lang="en-GB" sz="2200" dirty="0"/>
+              <a:t>Slash commands</a:t>
+            </a:r>
+          </a:p>
+          <a:p>
+            <a:pPr lvl="1"/>
+            <a:r>
+              <a:rPr lang="en-GB" sz="2200" dirty="0"/>
+              <a:t>Set context for your prompt</a:t>
+            </a:r>
+          </a:p>
+          <a:p>
+            <a:pPr lvl="1"/>
+            <a:r>
+              <a:rPr lang="en-GB" sz="2200" dirty="0"/>
+              <a:t>Add custom instructions to your repo</a:t>
+            </a:r>
+          </a:p>
+        </p:txBody>
+      </p:sp>
+    </p:spTree>
+    <p:extLst>
+      <p:ext uri="{BB962C8B-B14F-4D97-AF65-F5344CB8AC3E}">
+        <p14:creationId xmlns:p14="http://schemas.microsoft.com/office/powerpoint/2010/main" val="2610281595"/>
+      </p:ext>
+    </p:extLst>
+  </p:cSld>
+  <p:clrMapOvr>
+    <a:masterClrMapping/>
+  </p:clrMapOvr>
+</p:sld>
+</file>
+
+<file path=ppt/slides/slide3.xml><?xml version="1.0" encoding="utf-8"?>
+<p:sld xmlns:a="http://schemas.openxmlformats.org/drawingml/2006/main" xmlns:r="http://schemas.openxmlformats.org/officeDocument/2006/relationships" xmlns:p="http://schemas.openxmlformats.org/presentationml/2006/main">
+  <p:cSld>
+    <p:bg>
+      <p:bgPr>
+        <a:solidFill>
+          <a:schemeClr val="bg1"/>
+        </a:solidFill>
+        <a:effectLst/>
+      </p:bgPr>
+    </p:bg>
+    <p:spTree>
+      <p:nvGrpSpPr>
+        <p:cNvPr id="1" name="">
+          <a:extLst>
+            <a:ext uri="{FF2B5EF4-FFF2-40B4-BE49-F238E27FC236}">
+              <a16:creationId xmlns:a16="http://schemas.microsoft.com/office/drawing/2014/main" id="{C46151A9-8B5C-27AB-5E68-E64F5B3C10CB}"/>
+            </a:ext>
+          </a:extLst>
+        </p:cNvPr>
+        <p:cNvGrpSpPr/>
+        <p:nvPr/>
+      </p:nvGrpSpPr>
+      <p:grpSpPr>
+        <a:xfrm>
+          <a:off x="0" y="0"/>
+          <a:ext cx="0" cy="0"/>
+          <a:chOff x="0" y="0"/>
+          <a:chExt cx="0" cy="0"/>
+        </a:xfrm>
+      </p:grpSpPr>
+      <p:sp useBgFill="1">
+        <p:nvSpPr>
+          <p:cNvPr id="8" name="Rectangle 7">
+            <a:extLst>
+              <a:ext uri="{FF2B5EF4-FFF2-40B4-BE49-F238E27FC236}">
+                <a16:creationId xmlns:a16="http://schemas.microsoft.com/office/drawing/2014/main" id="{081EA652-8C6A-4E69-BEB9-170809474553}"/>
+              </a:ext>
+              <a:ext uri="{C183D7F6-B498-43B3-948B-1728B52AA6E4}">
+                <adec:decorative xmlns:adec="http://schemas.microsoft.com/office/drawing/2017/decorative" val="1"/>
+              </a:ext>
+            </a:extLst>
+          </p:cNvPr>
+          <p:cNvSpPr>
+            <a:spLocks noGrp="1" noRot="1" noChangeAspect="1" noMove="1" noResize="1" noEditPoints="1" noAdjustHandles="1" noChangeArrowheads="1" noChangeShapeType="1" noTextEdit="1"/>
+          </p:cNvSpPr>
+          <p:nvPr>
+            <p:extLst>
+              <p:ext uri="{386F3935-93C4-4BCD-93E2-E3B085C9AB24}">
+                <p16:designElem xmlns:p16="http://schemas.microsoft.com/office/powerpoint/2015/main" val="1"/>
+              </p:ext>
+            </p:extLst>
+          </p:nvPr>
+        </p:nvSpPr>
+        <p:spPr>
+          <a:xfrm>
+            <a:off x="0" y="0"/>
+            <a:ext cx="12192000" cy="6858000"/>
+          </a:xfrm>
+          <a:prstGeom prst="rect">
+            <a:avLst/>
+          </a:prstGeom>
+          <a:ln>
+            <a:noFill/>
+          </a:ln>
+        </p:spPr>
+        <p:style>
+          <a:lnRef idx="2">
+            <a:schemeClr val="accent1">
+              <a:shade val="50000"/>
+            </a:schemeClr>
+          </a:lnRef>
+          <a:fillRef idx="1">
+            <a:schemeClr val="accent1"/>
+          </a:fillRef>
+          <a:effectRef idx="0">
+            <a:schemeClr val="accent1"/>
+          </a:effectRef>
+          <a:fontRef idx="minor">
+            <a:schemeClr val="lt1"/>
+          </a:fontRef>
+        </p:style>
+        <p:txBody>
+          <a:bodyPr rtlCol="0" anchor="ctr"/>
+          <a:lstStyle/>
+          <a:p>
+            <a:pPr algn="ctr"/>
+            <a:endParaRPr lang="en-US"/>
+          </a:p>
+        </p:txBody>
+      </p:sp>
+      <p:sp>
+        <p:nvSpPr>
+          <p:cNvPr id="10" name="Right Triangle 9">
+            <a:extLst>
+              <a:ext uri="{FF2B5EF4-FFF2-40B4-BE49-F238E27FC236}">
+                <a16:creationId xmlns:a16="http://schemas.microsoft.com/office/drawing/2014/main" id="{5298780A-33B9-4EA2-8F67-DE68AD62841B}"/>
+              </a:ext>
+              <a:ext uri="{C183D7F6-B498-43B3-948B-1728B52AA6E4}">
+                <adec:decorative xmlns:adec="http://schemas.microsoft.com/office/drawing/2017/decorative" val="1"/>
+              </a:ext>
+            </a:extLst>
+          </p:cNvPr>
+          <p:cNvSpPr>
+            <a:spLocks noGrp="1" noRot="1" noChangeAspect="1" noMove="1" noResize="1" noEditPoints="1" noAdjustHandles="1" noChangeArrowheads="1" noChangeShapeType="1" noTextEdit="1"/>
+          </p:cNvSpPr>
+          <p:nvPr>
+            <p:extLst>
+              <p:ext uri="{386F3935-93C4-4BCD-93E2-E3B085C9AB24}">
+                <p16:designElem xmlns:p16="http://schemas.microsoft.com/office/powerpoint/2015/main" val="1"/>
+              </p:ext>
+            </p:extLst>
+          </p:nvPr>
+        </p:nvSpPr>
+        <p:spPr>
+          <a:xfrm flipH="1">
+            <a:off x="8576720" y="3335867"/>
+            <a:ext cx="3291840" cy="3200400"/>
+          </a:xfrm>
+          <a:prstGeom prst="rtTriangle">
+            <a:avLst/>
+          </a:prstGeom>
+          <a:solidFill>
+            <a:schemeClr val="accent4"/>
+          </a:solidFill>
+          <a:ln>
+            <a:noFill/>
+          </a:ln>
+        </p:spPr>
+        <p:style>
+          <a:lnRef idx="2">
+            <a:schemeClr val="accent1">
+              <a:shade val="50000"/>
+            </a:schemeClr>
+          </a:lnRef>
+          <a:fillRef idx="1">
+            <a:schemeClr val="accent1"/>
+          </a:fillRef>
+          <a:effectRef idx="0">
+            <a:schemeClr val="accent1"/>
+          </a:effectRef>
+          <a:fontRef idx="minor">
+            <a:schemeClr val="lt1"/>
+          </a:fontRef>
+        </p:style>
+        <p:txBody>
+          <a:bodyPr rtlCol="0" anchor="ctr"/>
+          <a:lstStyle/>
+          <a:p>
+            <a:pPr algn="ctr"/>
+            <a:endParaRPr lang="en-US" dirty="0"/>
+          </a:p>
+        </p:txBody>
+      </p:sp>
+      <p:sp>
+        <p:nvSpPr>
+          <p:cNvPr id="12" name="Rectangle 11">
+            <a:extLst>
+              <a:ext uri="{FF2B5EF4-FFF2-40B4-BE49-F238E27FC236}">
+                <a16:creationId xmlns:a16="http://schemas.microsoft.com/office/drawing/2014/main" id="{7F488E8B-4E1E-4402-8935-D4E6C02615C7}"/>
+              </a:ext>
+              <a:ext uri="{C183D7F6-B498-43B3-948B-1728B52AA6E4}">
+                <adec:decorative xmlns:adec="http://schemas.microsoft.com/office/drawing/2017/decorative" val="1"/>
+              </a:ext>
+            </a:extLst>
+          </p:cNvPr>
+          <p:cNvSpPr>
+            <a:spLocks noGrp="1" noRot="1" noChangeAspect="1" noMove="1" noResize="1" noEditPoints="1" noAdjustHandles="1" noChangeArrowheads="1" noChangeShapeType="1" noTextEdit="1"/>
+          </p:cNvSpPr>
+          <p:nvPr>
+            <p:extLst>
+              <p:ext uri="{386F3935-93C4-4BCD-93E2-E3B085C9AB24}">
+                <p16:designElem xmlns:p16="http://schemas.microsoft.com/office/powerpoint/2015/main" val="1"/>
+              </p:ext>
+            </p:extLst>
+          </p:nvPr>
+        </p:nvSpPr>
+        <p:spPr>
+          <a:xfrm>
+            <a:off x="641774" y="623275"/>
+            <a:ext cx="10905053" cy="5607882"/>
+          </a:xfrm>
+          <a:prstGeom prst="rect">
+            <a:avLst/>
+          </a:prstGeom>
+          <a:noFill/>
+          <a:ln w="19050">
+            <a:solidFill>
+              <a:schemeClr val="tx1">
+                <a:lumMod val="75000"/>
+                <a:lumOff val="25000"/>
+              </a:schemeClr>
+            </a:solidFill>
+          </a:ln>
+        </p:spPr>
+        <p:style>
+          <a:lnRef idx="2">
+            <a:schemeClr val="accent1">
+              <a:shade val="50000"/>
+            </a:schemeClr>
+          </a:lnRef>
+          <a:fillRef idx="1">
+            <a:schemeClr val="accent1"/>
+          </a:fillRef>
+          <a:effectRef idx="0">
+            <a:schemeClr val="accent1"/>
+          </a:effectRef>
+          <a:fontRef idx="minor">
+            <a:schemeClr val="lt1"/>
+          </a:fontRef>
+        </p:style>
+        <p:txBody>
+          <a:bodyPr rtlCol="0" anchor="ctr"/>
+          <a:lstStyle/>
+          <a:p>
+            <a:pPr algn="ctr"/>
+            <a:endParaRPr lang="en-US"/>
+          </a:p>
+        </p:txBody>
+      </p:sp>
+      <p:sp>
+        <p:nvSpPr>
+          <p:cNvPr id="2" name="Title 1">
+            <a:extLst>
+              <a:ext uri="{FF2B5EF4-FFF2-40B4-BE49-F238E27FC236}">
+                <a16:creationId xmlns:a16="http://schemas.microsoft.com/office/drawing/2014/main" id="{722F0D5D-DC6B-2B83-B91B-DBA14ABF4E33}"/>
+              </a:ext>
+            </a:extLst>
+          </p:cNvPr>
+          <p:cNvSpPr>
+            <a:spLocks noGrp="1"/>
+          </p:cNvSpPr>
+          <p:nvPr>
+            <p:ph type="title"/>
+          </p:nvPr>
+        </p:nvSpPr>
+        <p:spPr>
+          <a:xfrm>
+            <a:off x="1285240" y="1050596"/>
+            <a:ext cx="8074815" cy="630098"/>
+          </a:xfrm>
+        </p:spPr>
+        <p:txBody>
+          <a:bodyPr anchor="ctr">
+            <a:normAutofit fontScale="90000"/>
+          </a:bodyPr>
+          <a:lstStyle/>
+          <a:p>
+            <a:r>
+              <a:rPr lang="en-GB" sz="7200" dirty="0"/>
+              <a:t>Instructions</a:t>
+            </a:r>
+          </a:p>
+        </p:txBody>
+      </p:sp>
+      <p:sp>
+        <p:nvSpPr>
+          <p:cNvPr id="3" name="Content Placeholder 2">
+            <a:extLst>
+              <a:ext uri="{FF2B5EF4-FFF2-40B4-BE49-F238E27FC236}">
+                <a16:creationId xmlns:a16="http://schemas.microsoft.com/office/drawing/2014/main" id="{523069EC-AB69-421B-38B7-CC9F9B68A1D7}"/>
+              </a:ext>
+            </a:extLst>
+          </p:cNvPr>
+          <p:cNvSpPr>
+            <a:spLocks noGrp="1"/>
+          </p:cNvSpPr>
+          <p:nvPr>
+            <p:ph idx="1"/>
+          </p:nvPr>
+        </p:nvSpPr>
+        <p:spPr>
+          <a:xfrm>
+            <a:off x="1285240" y="1815921"/>
+            <a:ext cx="8074815" cy="4320862"/>
+          </a:xfrm>
+        </p:spPr>
+        <p:txBody>
+          <a:bodyPr anchor="t">
+            <a:normAutofit fontScale="92500" lnSpcReduction="10000"/>
+          </a:bodyPr>
+          <a:lstStyle/>
+          <a:p>
+            <a:r>
+              <a:rPr lang="en-GB" sz="1600" dirty="0"/>
+              <a:t>Go to </a:t>
+            </a:r>
+            <a:r>
+              <a:rPr lang="en-GB" sz="1600" dirty="0">
+                <a:hlinkClick r:id="rId2"/>
+              </a:rPr>
+              <a:t>https://github.com/features/copilot</a:t>
+            </a:r>
+            <a:r>
+              <a:rPr lang="en-GB" sz="1600" dirty="0"/>
+              <a:t> </a:t>
+            </a:r>
+          </a:p>
+          <a:p>
+            <a:pPr lvl="1"/>
+            <a:r>
+              <a:rPr lang="en-GB" sz="1600" dirty="0"/>
+              <a:t>Sign up and create a new GitHub account</a:t>
+            </a:r>
+          </a:p>
+          <a:p>
+            <a:pPr lvl="1"/>
+            <a:endParaRPr lang="en-GB" sz="1600" dirty="0"/>
+          </a:p>
+          <a:p>
+            <a:r>
+              <a:rPr lang="en-GB" sz="1600" dirty="0">
+                <a:hlinkClick r:id="rId3"/>
+              </a:rPr>
+              <a:t>https://docs.github.com/en/copilot/setting-up-github-copilot/setting-up-github-copilot-for-yourself</a:t>
+            </a:r>
+            <a:r>
+              <a:rPr lang="en-GB" sz="1600" dirty="0"/>
+              <a:t> </a:t>
+            </a:r>
+          </a:p>
+          <a:p>
+            <a:endParaRPr lang="en-GB" sz="1600" dirty="0"/>
+          </a:p>
+          <a:p>
+            <a:pPr lvl="1"/>
+            <a:r>
+              <a:rPr lang="en-GB" sz="1600" dirty="0"/>
+              <a:t>VS Code: </a:t>
+            </a:r>
+          </a:p>
+          <a:p>
+            <a:pPr lvl="2"/>
+            <a:r>
+              <a:rPr lang="en-GB" sz="1600" dirty="0"/>
+              <a:t>Install VS Code (1.100.2): </a:t>
+            </a:r>
+            <a:r>
+              <a:rPr lang="en-GB" sz="1600" dirty="0">
+                <a:hlinkClick r:id="rId4"/>
+              </a:rPr>
+              <a:t>https://code.visualstudio.com/Download</a:t>
+            </a:r>
+            <a:r>
+              <a:rPr lang="en-GB" sz="1600" dirty="0"/>
+              <a:t> </a:t>
+            </a:r>
+          </a:p>
+          <a:p>
+            <a:pPr lvl="2"/>
+            <a:r>
+              <a:rPr lang="en-GB" sz="1600" dirty="0"/>
+              <a:t>Configure GH Copilot: </a:t>
+            </a:r>
+            <a:r>
+              <a:rPr lang="en-GB" sz="1600" dirty="0">
+                <a:hlinkClick r:id="rId5"/>
+              </a:rPr>
+              <a:t>https://code.visualstudio.com/docs/copilot/setup#_set-up-copilot-in-vs-code</a:t>
+            </a:r>
+            <a:r>
+              <a:rPr lang="en-GB" sz="1600" dirty="0"/>
+              <a:t> </a:t>
+            </a:r>
+          </a:p>
+          <a:p>
+            <a:pPr lvl="2"/>
+            <a:endParaRPr lang="en-GB" sz="1600" dirty="0"/>
+          </a:p>
+          <a:p>
+            <a:pPr lvl="1"/>
+            <a:r>
+              <a:rPr lang="en-GB" sz="1600" dirty="0" err="1"/>
+              <a:t>Intellij</a:t>
+            </a:r>
+            <a:r>
+              <a:rPr lang="en-GB" sz="1600" dirty="0"/>
+              <a:t>:</a:t>
+            </a:r>
+          </a:p>
+          <a:p>
+            <a:pPr lvl="2"/>
+            <a:r>
+              <a:rPr lang="en-GB" sz="1600" dirty="0"/>
+              <a:t>Install </a:t>
+            </a:r>
+            <a:r>
+              <a:rPr lang="en-GB" sz="1600" dirty="0" err="1"/>
+              <a:t>Intellij</a:t>
+            </a:r>
+            <a:r>
+              <a:rPr lang="en-GB" sz="1600" dirty="0"/>
+              <a:t> (Community edition – 2025.1.1.1): </a:t>
+            </a:r>
+            <a:r>
+              <a:rPr lang="en-GB" sz="1600" dirty="0">
+                <a:hlinkClick r:id="rId6"/>
+              </a:rPr>
+              <a:t>https://www.jetbrains.com/idea/download/?section=windows</a:t>
+            </a:r>
+            <a:r>
+              <a:rPr lang="en-GB" sz="1600" dirty="0"/>
+              <a:t> </a:t>
+            </a:r>
+          </a:p>
+          <a:p>
+            <a:pPr lvl="2"/>
+            <a:r>
+              <a:rPr lang="en-GB" sz="1600" dirty="0"/>
+              <a:t>Configure GH Copilot: </a:t>
+            </a:r>
+            <a:r>
+              <a:rPr lang="en-GB" sz="1600" dirty="0">
+                <a:hlinkClick r:id="rId7"/>
+              </a:rPr>
+              <a:t>https://docs.github.com/en/copilot/managing-copilot/configure-personal-settings/installing-the-github-copilot-extension-in-your-environment?tool=jetbrains</a:t>
+            </a:r>
+            <a:r>
+              <a:rPr lang="en-GB" sz="1600" dirty="0"/>
+              <a:t> </a:t>
+            </a:r>
+          </a:p>
+        </p:txBody>
+      </p:sp>
+    </p:spTree>
+    <p:extLst>
+      <p:ext uri="{BB962C8B-B14F-4D97-AF65-F5344CB8AC3E}">
+        <p14:creationId xmlns:p14="http://schemas.microsoft.com/office/powerpoint/2010/main" val="119619460"/>
+      </p:ext>
+    </p:extLst>
+  </p:cSld>
+  <p:clrMapOvr>
+    <a:masterClrMapping/>
+  </p:clrMapOvr>
+</p:sld>
+</file>
+
+<file path=ppt/slides/slide4.xml><?xml version="1.0" encoding="utf-8"?>
+<p:sld xmlns:a="http://schemas.openxmlformats.org/drawingml/2006/main" xmlns:r="http://schemas.openxmlformats.org/officeDocument/2006/relationships" xmlns:p="http://schemas.openxmlformats.org/presentationml/2006/main">
+  <p:cSld>
+    <p:bg>
+      <p:bgPr>
+        <a:solidFill>
+          <a:schemeClr val="bg1"/>
+        </a:solidFill>
+        <a:effectLst/>
+      </p:bgPr>
+    </p:bg>
+    <p:spTree>
+      <p:nvGrpSpPr>
+        <p:cNvPr id="1" name="">
+          <a:extLst>
+            <a:ext uri="{FF2B5EF4-FFF2-40B4-BE49-F238E27FC236}">
+              <a16:creationId xmlns:a16="http://schemas.microsoft.com/office/drawing/2014/main" id="{18E355A0-015B-04AC-2ED2-64E2A4DC4F7A}"/>
+            </a:ext>
+          </a:extLst>
+        </p:cNvPr>
+        <p:cNvGrpSpPr/>
+        <p:nvPr/>
+      </p:nvGrpSpPr>
+      <p:grpSpPr>
+        <a:xfrm>
+          <a:off x="0" y="0"/>
+          <a:ext cx="0" cy="0"/>
+          <a:chOff x="0" y="0"/>
+          <a:chExt cx="0" cy="0"/>
+        </a:xfrm>
+      </p:grpSpPr>
+      <p:sp useBgFill="1">
+        <p:nvSpPr>
+          <p:cNvPr id="8" name="Rectangle 7">
+            <a:extLst>
+              <a:ext uri="{FF2B5EF4-FFF2-40B4-BE49-F238E27FC236}">
+                <a16:creationId xmlns:a16="http://schemas.microsoft.com/office/drawing/2014/main" id="{081EA652-8C6A-4E69-BEB9-170809474553}"/>
+              </a:ext>
+              <a:ext uri="{C183D7F6-B498-43B3-948B-1728B52AA6E4}">
+                <adec:decorative xmlns:adec="http://schemas.microsoft.com/office/drawing/2017/decorative" val="1"/>
+              </a:ext>
+            </a:extLst>
+          </p:cNvPr>
+          <p:cNvSpPr>
+            <a:spLocks noGrp="1" noRot="1" noChangeAspect="1" noMove="1" noResize="1" noEditPoints="1" noAdjustHandles="1" noChangeArrowheads="1" noChangeShapeType="1" noTextEdit="1"/>
+          </p:cNvSpPr>
+          <p:nvPr>
+            <p:extLst>
+              <p:ext uri="{386F3935-93C4-4BCD-93E2-E3B085C9AB24}">
+                <p16:designElem xmlns:p16="http://schemas.microsoft.com/office/powerpoint/2015/main" val="1"/>
+              </p:ext>
+            </p:extLst>
+          </p:nvPr>
+        </p:nvSpPr>
+        <p:spPr>
+          <a:xfrm>
+            <a:off x="0" y="0"/>
+            <a:ext cx="12192000" cy="6858000"/>
+          </a:xfrm>
+          <a:prstGeom prst="rect">
+            <a:avLst/>
+          </a:prstGeom>
+          <a:ln>
+            <a:noFill/>
+          </a:ln>
+        </p:spPr>
+        <p:style>
+          <a:lnRef idx="2">
+            <a:schemeClr val="accent1">
+              <a:shade val="50000"/>
+            </a:schemeClr>
+          </a:lnRef>
+          <a:fillRef idx="1">
+            <a:schemeClr val="accent1"/>
+          </a:fillRef>
+          <a:effectRef idx="0">
+            <a:schemeClr val="accent1"/>
+          </a:effectRef>
+          <a:fontRef idx="minor">
+            <a:schemeClr val="lt1"/>
+          </a:fontRef>
+        </p:style>
+        <p:txBody>
+          <a:bodyPr rtlCol="0" anchor="ctr"/>
+          <a:lstStyle/>
+          <a:p>
+            <a:pPr algn="ctr"/>
+            <a:endParaRPr lang="en-US"/>
+          </a:p>
+        </p:txBody>
+      </p:sp>
+      <p:sp>
+        <p:nvSpPr>
+          <p:cNvPr id="10" name="Right Triangle 9">
+            <a:extLst>
+              <a:ext uri="{FF2B5EF4-FFF2-40B4-BE49-F238E27FC236}">
+                <a16:creationId xmlns:a16="http://schemas.microsoft.com/office/drawing/2014/main" id="{5298780A-33B9-4EA2-8F67-DE68AD62841B}"/>
+              </a:ext>
+              <a:ext uri="{C183D7F6-B498-43B3-948B-1728B52AA6E4}">
+                <adec:decorative xmlns:adec="http://schemas.microsoft.com/office/drawing/2017/decorative" val="1"/>
+              </a:ext>
+            </a:extLst>
+          </p:cNvPr>
+          <p:cNvSpPr>
+            <a:spLocks noGrp="1" noRot="1" noChangeAspect="1" noMove="1" noResize="1" noEditPoints="1" noAdjustHandles="1" noChangeArrowheads="1" noChangeShapeType="1" noTextEdit="1"/>
+          </p:cNvSpPr>
+          <p:nvPr>
+            <p:extLst>
+              <p:ext uri="{386F3935-93C4-4BCD-93E2-E3B085C9AB24}">
+                <p16:designElem xmlns:p16="http://schemas.microsoft.com/office/powerpoint/2015/main" val="1"/>
+              </p:ext>
+            </p:extLst>
+          </p:nvPr>
+        </p:nvSpPr>
+        <p:spPr>
+          <a:xfrm flipH="1">
+            <a:off x="8576720" y="3335867"/>
+            <a:ext cx="3291840" cy="3200400"/>
+          </a:xfrm>
+          <a:prstGeom prst="rtTriangle">
+            <a:avLst/>
+          </a:prstGeom>
+          <a:solidFill>
+            <a:schemeClr val="accent4"/>
+          </a:solidFill>
+          <a:ln>
+            <a:noFill/>
+          </a:ln>
+        </p:spPr>
+        <p:style>
+          <a:lnRef idx="2">
+            <a:schemeClr val="accent1">
+              <a:shade val="50000"/>
+            </a:schemeClr>
+          </a:lnRef>
+          <a:fillRef idx="1">
+            <a:schemeClr val="accent1"/>
+          </a:fillRef>
+          <a:effectRef idx="0">
+            <a:schemeClr val="accent1"/>
+          </a:effectRef>
+          <a:fontRef idx="minor">
+            <a:schemeClr val="lt1"/>
+          </a:fontRef>
+        </p:style>
+        <p:txBody>
+          <a:bodyPr rtlCol="0" anchor="ctr"/>
+          <a:lstStyle/>
+          <a:p>
+            <a:pPr algn="ctr"/>
+            <a:endParaRPr lang="en-US" dirty="0"/>
+          </a:p>
+        </p:txBody>
+      </p:sp>
+      <p:sp>
+        <p:nvSpPr>
+          <p:cNvPr id="12" name="Rectangle 11">
+            <a:extLst>
+              <a:ext uri="{FF2B5EF4-FFF2-40B4-BE49-F238E27FC236}">
+                <a16:creationId xmlns:a16="http://schemas.microsoft.com/office/drawing/2014/main" id="{7F488E8B-4E1E-4402-8935-D4E6C02615C7}"/>
+              </a:ext>
+              <a:ext uri="{C183D7F6-B498-43B3-948B-1728B52AA6E4}">
+                <adec:decorative xmlns:adec="http://schemas.microsoft.com/office/drawing/2017/decorative" val="1"/>
+              </a:ext>
+            </a:extLst>
+          </p:cNvPr>
+          <p:cNvSpPr>
+            <a:spLocks noGrp="1" noRot="1" noChangeAspect="1" noMove="1" noResize="1" noEditPoints="1" noAdjustHandles="1" noChangeArrowheads="1" noChangeShapeType="1" noTextEdit="1"/>
+          </p:cNvSpPr>
+          <p:nvPr>
+            <p:extLst>
+              <p:ext uri="{386F3935-93C4-4BCD-93E2-E3B085C9AB24}">
+                <p16:designElem xmlns:p16="http://schemas.microsoft.com/office/powerpoint/2015/main" val="1"/>
+              </p:ext>
+            </p:extLst>
+          </p:nvPr>
+        </p:nvSpPr>
+        <p:spPr>
+          <a:xfrm>
+            <a:off x="641774" y="623275"/>
+            <a:ext cx="10905053" cy="5607882"/>
+          </a:xfrm>
+          <a:prstGeom prst="rect">
+            <a:avLst/>
+          </a:prstGeom>
+          <a:noFill/>
+          <a:ln w="19050">
+            <a:solidFill>
+              <a:schemeClr val="tx1">
+                <a:lumMod val="75000"/>
+                <a:lumOff val="25000"/>
+              </a:schemeClr>
+            </a:solidFill>
+          </a:ln>
+        </p:spPr>
+        <p:style>
+          <a:lnRef idx="2">
+            <a:schemeClr val="accent1">
+              <a:shade val="50000"/>
+            </a:schemeClr>
+          </a:lnRef>
+          <a:fillRef idx="1">
+            <a:schemeClr val="accent1"/>
+          </a:fillRef>
+          <a:effectRef idx="0">
+            <a:schemeClr val="accent1"/>
+          </a:effectRef>
+          <a:fontRef idx="minor">
+            <a:schemeClr val="lt1"/>
+          </a:fontRef>
+        </p:style>
+        <p:txBody>
+          <a:bodyPr rtlCol="0" anchor="ctr"/>
+          <a:lstStyle/>
+          <a:p>
+            <a:pPr algn="ctr"/>
+            <a:endParaRPr lang="en-US"/>
+          </a:p>
+        </p:txBody>
+      </p:sp>
+      <p:sp>
+        <p:nvSpPr>
+          <p:cNvPr id="2" name="Title 1">
+            <a:extLst>
+              <a:ext uri="{FF2B5EF4-FFF2-40B4-BE49-F238E27FC236}">
+                <a16:creationId xmlns:a16="http://schemas.microsoft.com/office/drawing/2014/main" id="{ADEDFA46-C190-0A4D-E00A-7347B56F8733}"/>
+              </a:ext>
+            </a:extLst>
+          </p:cNvPr>
+          <p:cNvSpPr>
+            <a:spLocks noGrp="1"/>
+          </p:cNvSpPr>
+          <p:nvPr>
+            <p:ph type="title"/>
+          </p:nvPr>
+        </p:nvSpPr>
+        <p:spPr>
+          <a:xfrm>
+            <a:off x="1285240" y="902495"/>
+            <a:ext cx="9533014" cy="823281"/>
+          </a:xfrm>
+        </p:spPr>
+        <p:txBody>
+          <a:bodyPr anchor="ctr">
+            <a:normAutofit/>
+          </a:bodyPr>
+          <a:lstStyle/>
+          <a:p>
+            <a:r>
+              <a:rPr lang="en-GB" sz="5000" dirty="0"/>
+              <a:t>What is AI Augmented Development</a:t>
+            </a:r>
+          </a:p>
+        </p:txBody>
+      </p:sp>
+      <p:sp>
+        <p:nvSpPr>
+          <p:cNvPr id="3" name="Content Placeholder 2">
+            <a:extLst>
+              <a:ext uri="{FF2B5EF4-FFF2-40B4-BE49-F238E27FC236}">
+                <a16:creationId xmlns:a16="http://schemas.microsoft.com/office/drawing/2014/main" id="{62890C78-8809-5ED5-9C8C-794B15C33D9A}"/>
+              </a:ext>
+            </a:extLst>
+          </p:cNvPr>
+          <p:cNvSpPr>
+            <a:spLocks noGrp="1"/>
+          </p:cNvSpPr>
+          <p:nvPr>
+            <p:ph idx="1"/>
+          </p:nvPr>
+        </p:nvSpPr>
+        <p:spPr>
+          <a:xfrm>
+            <a:off x="1285240" y="1828909"/>
+            <a:ext cx="8074815" cy="3967801"/>
+          </a:xfrm>
+        </p:spPr>
+        <p:txBody>
+          <a:bodyPr anchor="t">
+            <a:normAutofit/>
+          </a:bodyPr>
+          <a:lstStyle/>
+          <a:p>
+            <a:r>
+              <a:rPr lang="en-GB" sz="2400" dirty="0">
+                <a:hlinkClick r:id="rId2"/>
+              </a:rPr>
+              <a:t>Reading material (Medium)</a:t>
+            </a:r>
+            <a:r>
+              <a:rPr lang="en-GB" sz="2400" dirty="0"/>
+              <a:t> </a:t>
+            </a:r>
+          </a:p>
+          <a:p>
+            <a:r>
+              <a:rPr lang="en-GB" sz="2400" b="0" i="0" dirty="0">
+                <a:solidFill>
+                  <a:srgbClr val="242424"/>
+                </a:solidFill>
+                <a:effectLst/>
+                <a:latin typeface="source-serif-pro"/>
+              </a:rPr>
+              <a:t>AI-Augmented Development is a term that describes the use of </a:t>
+            </a:r>
+            <a:r>
+              <a:rPr lang="en-GB" sz="2400" b="0" i="0" u="sng" dirty="0">
+                <a:effectLst/>
+                <a:latin typeface="source-serif-pro"/>
+                <a:hlinkClick r:id="rId3"/>
+              </a:rPr>
+              <a:t>AI</a:t>
+            </a:r>
+            <a:r>
+              <a:rPr lang="en-GB" sz="2400" b="0" i="0" dirty="0">
+                <a:solidFill>
+                  <a:srgbClr val="242424"/>
+                </a:solidFill>
+                <a:effectLst/>
+                <a:latin typeface="source-serif-pro"/>
+              </a:rPr>
+              <a:t> technologies to assist software developers in creating applications more efficiently, quickly, and reliably. AI-Augmented Development can automate some of the repetitive or tedious tasks in software development, such as code generation, testing, debugging, and documentation. It can also help developers to learn from existing code, find relevant resources, and collaborate with other developers. AI-Augmented Development is considered one of the strategic technology trends for 2024.</a:t>
+            </a:r>
+            <a:endParaRPr lang="en-GB" sz="3600" dirty="0"/>
+          </a:p>
+        </p:txBody>
+      </p:sp>
+    </p:spTree>
+    <p:extLst>
+      <p:ext uri="{BB962C8B-B14F-4D97-AF65-F5344CB8AC3E}">
+        <p14:creationId xmlns:p14="http://schemas.microsoft.com/office/powerpoint/2010/main" val="2933140865"/>
+      </p:ext>
+    </p:extLst>
+  </p:cSld>
+  <p:clrMapOvr>
+    <a:masterClrMapping/>
+  </p:clrMapOvr>
+  <p:timing>
+    <p:tnLst>
+      <p:par>
+        <p:cTn id="1" dur="indefinite" restart="never" nodeType="tmRoot">
+          <p:childTnLst>
+            <p:seq concurrent="1" nextAc="seek">
+              <p:cTn id="2" dur="indefinite" nodeType="mainSeq">
+                <p:childTnLst>
+                  <p:par>
+                    <p:cTn id="3" fill="hold">
+                      <p:stCondLst>
+                        <p:cond delay="indefinite"/>
+                        <p:cond evt="onBegin" delay="0">
+                          <p:tn val="2"/>
+                        </p:cond>
+                      </p:stCondLst>
+                      <p:childTnLst>
+                        <p:par>
+                          <p:cTn id="4" fill="hold">
+                            <p:stCondLst>
+                              <p:cond delay="0"/>
+                            </p:stCondLst>
+                            <p:childTnLst>
+                              <p:par>
+                                <p:cTn id="5" presetID="10" presetClass="entr" presetSubtype="0" fill="hold" grpId="0" nodeType="withEffect">
+                                  <p:stCondLst>
+                                    <p:cond delay="500"/>
+                                  </p:stCondLst>
+                                  <p:iterate>
+                                    <p:tmPct val="10000"/>
+                                  </p:iterate>
+                                  <p:childTnLst>
+                                    <p:set>
+                                      <p:cBhvr>
+                                        <p:cTn id="6" dur="1" fill="hold">
+                                          <p:stCondLst>
+                                            <p:cond delay="0"/>
+                                          </p:stCondLst>
+                                        </p:cTn>
+                                        <p:tgtEl>
+                                          <p:spTgt spid="2"/>
+                                        </p:tgtEl>
+                                        <p:attrNameLst>
+                                          <p:attrName>style.visibility</p:attrName>
+                                        </p:attrNameLst>
+                                      </p:cBhvr>
+                                      <p:to>
+                                        <p:strVal val="visible"/>
+                                      </p:to>
+                                    </p:set>
+                                    <p:animEffect transition="in" filter="fade">
+                                      <p:cBhvr>
+                                        <p:cTn id="7" dur="700"/>
+                                        <p:tgtEl>
+                                          <p:spTgt spid="2"/>
+                                        </p:tgtEl>
+                                      </p:cBhvr>
+                                    </p:animEffect>
+                                  </p:childTnLst>
+                                </p:cTn>
+                              </p:par>
+                            </p:childTnLst>
+                          </p:cTn>
+                        </p:par>
+                      </p:childTnLst>
+                    </p:cTn>
+                  </p:par>
+                </p:childTnLst>
+              </p:cTn>
+              <p:prevCondLst>
+                <p:cond evt="onPrev" delay="0">
+                  <p:tgtEl>
+                    <p:sldTgt/>
+                  </p:tgtEl>
+                </p:cond>
+              </p:prevCondLst>
+              <p:nextCondLst>
+                <p:cond evt="onNext" delay="0">
+                  <p:tgtEl>
+                    <p:sldTgt/>
+                  </p:tgtEl>
+                </p:cond>
+              </p:nextCondLst>
+            </p:seq>
+          </p:childTnLst>
+        </p:cTn>
+      </p:par>
+    </p:tnLst>
+    <p:bldLst>
+      <p:bldP spid="2" grpId="0"/>
+    </p:bldLst>
+  </p:timing>
+</p:sld>
+</file>
+
+<file path=ppt/slides/slide5.xml><?xml version="1.0" encoding="utf-8"?>
+<p:sld xmlns:a="http://schemas.openxmlformats.org/drawingml/2006/main" xmlns:r="http://schemas.openxmlformats.org/officeDocument/2006/relationships" xmlns:p="http://schemas.openxmlformats.org/presentationml/2006/main">
+  <p:cSld>
+    <p:bg>
+      <p:bgPr>
+        <a:solidFill>
+          <a:schemeClr val="bg1"/>
+        </a:solidFill>
+        <a:effectLst/>
+      </p:bgPr>
+    </p:bg>
+    <p:spTree>
+      <p:nvGrpSpPr>
+        <p:cNvPr id="1" name="">
+          <a:extLst>
+            <a:ext uri="{FF2B5EF4-FFF2-40B4-BE49-F238E27FC236}">
+              <a16:creationId xmlns:a16="http://schemas.microsoft.com/office/drawing/2014/main" id="{758ABAE8-4D3C-23CD-54A8-3D5558DCC229}"/>
+            </a:ext>
+          </a:extLst>
+        </p:cNvPr>
+        <p:cNvGrpSpPr/>
+        <p:nvPr/>
+      </p:nvGrpSpPr>
+      <p:grpSpPr>
+        <a:xfrm>
+          <a:off x="0" y="0"/>
+          <a:ext cx="0" cy="0"/>
+          <a:chOff x="0" y="0"/>
+          <a:chExt cx="0" cy="0"/>
+        </a:xfrm>
+      </p:grpSpPr>
+      <p:sp useBgFill="1">
+        <p:nvSpPr>
+          <p:cNvPr id="8" name="Rectangle 7">
+            <a:extLst>
+              <a:ext uri="{FF2B5EF4-FFF2-40B4-BE49-F238E27FC236}">
+                <a16:creationId xmlns:a16="http://schemas.microsoft.com/office/drawing/2014/main" id="{081EA652-8C6A-4E69-BEB9-170809474553}"/>
+              </a:ext>
+              <a:ext uri="{C183D7F6-B498-43B3-948B-1728B52AA6E4}">
+                <adec:decorative xmlns:adec="http://schemas.microsoft.com/office/drawing/2017/decorative" val="1"/>
+              </a:ext>
+            </a:extLst>
+          </p:cNvPr>
+          <p:cNvSpPr>
+            <a:spLocks noGrp="1" noRot="1" noChangeAspect="1" noMove="1" noResize="1" noEditPoints="1" noAdjustHandles="1" noChangeArrowheads="1" noChangeShapeType="1" noTextEdit="1"/>
+          </p:cNvSpPr>
+          <p:nvPr>
+            <p:extLst>
+              <p:ext uri="{386F3935-93C4-4BCD-93E2-E3B085C9AB24}">
+                <p16:designElem xmlns:p16="http://schemas.microsoft.com/office/powerpoint/2015/main" val="1"/>
+              </p:ext>
+            </p:extLst>
+          </p:nvPr>
+        </p:nvSpPr>
+        <p:spPr>
+          <a:xfrm>
+            <a:off x="0" y="0"/>
+            <a:ext cx="12192000" cy="6858000"/>
+          </a:xfrm>
+          <a:prstGeom prst="rect">
+            <a:avLst/>
+          </a:prstGeom>
+          <a:ln>
+            <a:noFill/>
+          </a:ln>
+        </p:spPr>
+        <p:style>
+          <a:lnRef idx="2">
+            <a:schemeClr val="accent1">
+              <a:shade val="50000"/>
+            </a:schemeClr>
+          </a:lnRef>
+          <a:fillRef idx="1">
+            <a:schemeClr val="accent1"/>
+          </a:fillRef>
+          <a:effectRef idx="0">
+            <a:schemeClr val="accent1"/>
+          </a:effectRef>
+          <a:fontRef idx="minor">
+            <a:schemeClr val="lt1"/>
+          </a:fontRef>
+        </p:style>
+        <p:txBody>
+          <a:bodyPr rtlCol="0" anchor="ctr"/>
+          <a:lstStyle/>
+          <a:p>
+            <a:pPr algn="ctr"/>
+            <a:endParaRPr lang="en-US"/>
+          </a:p>
+        </p:txBody>
+      </p:sp>
+      <p:sp>
+        <p:nvSpPr>
+          <p:cNvPr id="10" name="Right Triangle 9">
+            <a:extLst>
+              <a:ext uri="{FF2B5EF4-FFF2-40B4-BE49-F238E27FC236}">
+                <a16:creationId xmlns:a16="http://schemas.microsoft.com/office/drawing/2014/main" id="{5298780A-33B9-4EA2-8F67-DE68AD62841B}"/>
+              </a:ext>
+              <a:ext uri="{C183D7F6-B498-43B3-948B-1728B52AA6E4}">
+                <adec:decorative xmlns:adec="http://schemas.microsoft.com/office/drawing/2017/decorative" val="1"/>
+              </a:ext>
+            </a:extLst>
+          </p:cNvPr>
+          <p:cNvSpPr>
+            <a:spLocks noGrp="1" noRot="1" noChangeAspect="1" noMove="1" noResize="1" noEditPoints="1" noAdjustHandles="1" noChangeArrowheads="1" noChangeShapeType="1" noTextEdit="1"/>
+          </p:cNvSpPr>
+          <p:nvPr>
+            <p:extLst>
+              <p:ext uri="{386F3935-93C4-4BCD-93E2-E3B085C9AB24}">
+                <p16:designElem xmlns:p16="http://schemas.microsoft.com/office/powerpoint/2015/main" val="1"/>
+              </p:ext>
+            </p:extLst>
+          </p:nvPr>
+        </p:nvSpPr>
+        <p:spPr>
+          <a:xfrm flipH="1">
+            <a:off x="8576720" y="3335867"/>
+            <a:ext cx="3291840" cy="3200400"/>
+          </a:xfrm>
+          <a:prstGeom prst="rtTriangle">
+            <a:avLst/>
+          </a:prstGeom>
+          <a:solidFill>
+            <a:schemeClr val="accent4"/>
+          </a:solidFill>
+          <a:ln>
+            <a:noFill/>
+          </a:ln>
+        </p:spPr>
+        <p:style>
+          <a:lnRef idx="2">
+            <a:schemeClr val="accent1">
+              <a:shade val="50000"/>
+            </a:schemeClr>
+          </a:lnRef>
+          <a:fillRef idx="1">
+            <a:schemeClr val="accent1"/>
+          </a:fillRef>
+          <a:effectRef idx="0">
+            <a:schemeClr val="accent1"/>
+          </a:effectRef>
+          <a:fontRef idx="minor">
+            <a:schemeClr val="lt1"/>
+          </a:fontRef>
+        </p:style>
+        <p:txBody>
+          <a:bodyPr rtlCol="0" anchor="ctr"/>
+          <a:lstStyle/>
+          <a:p>
+            <a:pPr algn="ctr"/>
+            <a:endParaRPr lang="en-US" dirty="0"/>
+          </a:p>
+        </p:txBody>
+      </p:sp>
+      <p:sp>
+        <p:nvSpPr>
+          <p:cNvPr id="12" name="Rectangle 11">
+            <a:extLst>
+              <a:ext uri="{FF2B5EF4-FFF2-40B4-BE49-F238E27FC236}">
+                <a16:creationId xmlns:a16="http://schemas.microsoft.com/office/drawing/2014/main" id="{7F488E8B-4E1E-4402-8935-D4E6C02615C7}"/>
+              </a:ext>
+              <a:ext uri="{C183D7F6-B498-43B3-948B-1728B52AA6E4}">
+                <adec:decorative xmlns:adec="http://schemas.microsoft.com/office/drawing/2017/decorative" val="1"/>
+              </a:ext>
+            </a:extLst>
+          </p:cNvPr>
+          <p:cNvSpPr>
+            <a:spLocks noGrp="1" noRot="1" noChangeAspect="1" noMove="1" noResize="1" noEditPoints="1" noAdjustHandles="1" noChangeArrowheads="1" noChangeShapeType="1" noTextEdit="1"/>
+          </p:cNvSpPr>
+          <p:nvPr>
+            <p:extLst>
+              <p:ext uri="{386F3935-93C4-4BCD-93E2-E3B085C9AB24}">
+                <p16:designElem xmlns:p16="http://schemas.microsoft.com/office/powerpoint/2015/main" val="1"/>
+              </p:ext>
+            </p:extLst>
+          </p:nvPr>
+        </p:nvSpPr>
+        <p:spPr>
+          <a:xfrm>
+            <a:off x="641774" y="623275"/>
+            <a:ext cx="10905053" cy="5607882"/>
+          </a:xfrm>
+          <a:prstGeom prst="rect">
+            <a:avLst/>
+          </a:prstGeom>
+          <a:noFill/>
+          <a:ln w="19050">
+            <a:solidFill>
+              <a:schemeClr val="tx1">
+                <a:lumMod val="75000"/>
+                <a:lumOff val="25000"/>
+              </a:schemeClr>
+            </a:solidFill>
+          </a:ln>
+        </p:spPr>
+        <p:style>
+          <a:lnRef idx="2">
+            <a:schemeClr val="accent1">
+              <a:shade val="50000"/>
+            </a:schemeClr>
+          </a:lnRef>
+          <a:fillRef idx="1">
+            <a:schemeClr val="accent1"/>
+          </a:fillRef>
+          <a:effectRef idx="0">
+            <a:schemeClr val="accent1"/>
+          </a:effectRef>
+          <a:fontRef idx="minor">
+            <a:schemeClr val="lt1"/>
+          </a:fontRef>
+        </p:style>
+        <p:txBody>
+          <a:bodyPr rtlCol="0" anchor="ctr"/>
+          <a:lstStyle/>
+          <a:p>
+            <a:pPr algn="ctr"/>
+            <a:endParaRPr lang="en-US"/>
+          </a:p>
+        </p:txBody>
+      </p:sp>
+      <p:sp>
+        <p:nvSpPr>
+          <p:cNvPr id="2" name="Title 1">
+            <a:extLst>
+              <a:ext uri="{FF2B5EF4-FFF2-40B4-BE49-F238E27FC236}">
+                <a16:creationId xmlns:a16="http://schemas.microsoft.com/office/drawing/2014/main" id="{EC176B5F-B4F7-18E4-3338-C2B1AE2BB1CC}"/>
+              </a:ext>
+            </a:extLst>
+          </p:cNvPr>
+          <p:cNvSpPr>
+            <a:spLocks noGrp="1"/>
+          </p:cNvSpPr>
+          <p:nvPr>
+            <p:ph type="title"/>
+          </p:nvPr>
+        </p:nvSpPr>
+        <p:spPr>
+          <a:xfrm>
+            <a:off x="1285240" y="850975"/>
+            <a:ext cx="9552332" cy="861918"/>
+          </a:xfrm>
+        </p:spPr>
+        <p:txBody>
+          <a:bodyPr anchor="ctr">
+            <a:normAutofit/>
+          </a:bodyPr>
+          <a:lstStyle/>
+          <a:p>
+            <a:r>
+              <a:rPr lang="en-GB" sz="5000" dirty="0"/>
+              <a:t>How does GitHub Copilot work</a:t>
+            </a:r>
+          </a:p>
+        </p:txBody>
+      </p:sp>
+      <p:sp>
+        <p:nvSpPr>
+          <p:cNvPr id="3" name="Content Placeholder 2">
+            <a:extLst>
+              <a:ext uri="{FF2B5EF4-FFF2-40B4-BE49-F238E27FC236}">
+                <a16:creationId xmlns:a16="http://schemas.microsoft.com/office/drawing/2014/main" id="{5189D7EB-C4C0-DAF4-E851-DD7FF9FBB3F5}"/>
+              </a:ext>
+            </a:extLst>
+          </p:cNvPr>
+          <p:cNvSpPr>
+            <a:spLocks noGrp="1"/>
+          </p:cNvSpPr>
+          <p:nvPr>
+            <p:ph idx="1"/>
+          </p:nvPr>
+        </p:nvSpPr>
+        <p:spPr>
+          <a:xfrm>
+            <a:off x="1285240" y="1912514"/>
+            <a:ext cx="8074815" cy="3857351"/>
+          </a:xfrm>
+        </p:spPr>
+        <p:txBody>
+          <a:bodyPr anchor="t">
+            <a:normAutofit/>
+          </a:bodyPr>
+          <a:lstStyle/>
+          <a:p>
+            <a:r>
+              <a:rPr lang="en-GB" sz="2400" dirty="0">
+                <a:hlinkClick r:id="rId3"/>
+              </a:rPr>
+              <a:t>Reading material (GitHub)</a:t>
+            </a:r>
+            <a:endParaRPr lang="en-GB" sz="2400" dirty="0"/>
+          </a:p>
+          <a:p>
+            <a:r>
+              <a:rPr lang="en-GB" sz="2400" dirty="0"/>
+              <a:t>Chat - 3 modes </a:t>
+            </a:r>
+            <a:r>
+              <a:rPr lang="en-GB" sz="2400" dirty="0">
+                <a:hlinkClick r:id="rId4"/>
+              </a:rPr>
+              <a:t>(more details here)</a:t>
+            </a:r>
+            <a:r>
+              <a:rPr lang="en-GB" sz="2400" dirty="0"/>
+              <a:t>:</a:t>
+            </a:r>
+          </a:p>
+          <a:p>
+            <a:pPr lvl="1"/>
+            <a:r>
+              <a:rPr lang="en-GB" sz="2000" dirty="0"/>
+              <a:t>Ask mode: The quick gut check</a:t>
+            </a:r>
+          </a:p>
+          <a:p>
+            <a:pPr lvl="1"/>
+            <a:r>
+              <a:rPr lang="en-GB" sz="2000" dirty="0"/>
+              <a:t>Edit mode: You’re still in charge, just moving faster</a:t>
+            </a:r>
+          </a:p>
+          <a:p>
+            <a:pPr lvl="1"/>
+            <a:r>
+              <a:rPr lang="en-GB" sz="2000" dirty="0"/>
+              <a:t>Agent mode: A lot of power, when you’re ready for it</a:t>
+            </a:r>
+          </a:p>
+          <a:p>
+            <a:r>
+              <a:rPr lang="en-GB" sz="2400" dirty="0"/>
+              <a:t>Inline questions:</a:t>
+            </a:r>
+          </a:p>
+          <a:p>
+            <a:endParaRPr lang="en-GB" sz="2400" dirty="0"/>
+          </a:p>
+        </p:txBody>
+      </p:sp>
+      <p:pic>
+        <p:nvPicPr>
+          <p:cNvPr id="5" name="Picture 4">
+            <a:extLst>
+              <a:ext uri="{FF2B5EF4-FFF2-40B4-BE49-F238E27FC236}">
+                <a16:creationId xmlns:a16="http://schemas.microsoft.com/office/drawing/2014/main" id="{1D503319-FCEB-CEF1-CE96-9A725CA47C6C}"/>
+              </a:ext>
+            </a:extLst>
+          </p:cNvPr>
+          <p:cNvPicPr>
+            <a:picLocks noChangeAspect="1"/>
+          </p:cNvPicPr>
+          <p:nvPr/>
+        </p:nvPicPr>
+        <p:blipFill>
+          <a:blip r:embed="rId5"/>
+          <a:srcRect b="14680"/>
+          <a:stretch/>
+        </p:blipFill>
+        <p:spPr>
+          <a:xfrm>
+            <a:off x="3918203" y="3841189"/>
+            <a:ext cx="5192994" cy="2919208"/>
+          </a:xfrm>
+          <a:prstGeom prst="rect">
+            <a:avLst/>
+          </a:prstGeom>
+        </p:spPr>
+      </p:pic>
+    </p:spTree>
+    <p:extLst>
+      <p:ext uri="{BB962C8B-B14F-4D97-AF65-F5344CB8AC3E}">
+        <p14:creationId xmlns:p14="http://schemas.microsoft.com/office/powerpoint/2010/main" val="782380162"/>
+      </p:ext>
+    </p:extLst>
+  </p:cSld>
+  <p:clrMapOvr>
+    <a:masterClrMapping/>
+  </p:clrMapOvr>
+  <p:timing>
+    <p:tnLst>
+      <p:par>
+        <p:cTn id="1" dur="indefinite" restart="never" nodeType="tmRoot">
+          <p:childTnLst>
+            <p:seq concurrent="1" nextAc="seek">
+              <p:cTn id="2" dur="indefinite" nodeType="mainSeq">
+                <p:childTnLst>
+                  <p:par>
+                    <p:cTn id="3" fill="hold">
+                      <p:stCondLst>
+                        <p:cond delay="indefinite"/>
+                        <p:cond evt="onBegin" delay="0">
+                          <p:tn val="2"/>
+                        </p:cond>
+                      </p:stCondLst>
+                      <p:childTnLst>
+                        <p:par>
+                          <p:cTn id="4" fill="hold">
+                            <p:stCondLst>
+                              <p:cond delay="0"/>
+                            </p:stCondLst>
+                            <p:childTnLst>
+                              <p:par>
+                                <p:cTn id="5" presetID="10" presetClass="entr" presetSubtype="0" fill="hold" grpId="0" nodeType="withEffect">
+                                  <p:stCondLst>
+                                    <p:cond delay="500"/>
+                                  </p:stCondLst>
+                                  <p:iterate type="wd">
+                                    <p:tmPct val="15000"/>
+                                  </p:iterate>
+                                  <p:childTnLst>
+                                    <p:set>
+                                      <p:cBhvr>
+                                        <p:cTn id="6" dur="1" fill="hold">
+                                          <p:stCondLst>
+                                            <p:cond delay="0"/>
+                                          </p:stCondLst>
+                                        </p:cTn>
+                                        <p:tgtEl>
+                                          <p:spTgt spid="2"/>
+                                        </p:tgtEl>
+                                        <p:attrNameLst>
+                                          <p:attrName>style.visibility</p:attrName>
+                                        </p:attrNameLst>
+                                      </p:cBhvr>
+                                      <p:to>
+                                        <p:strVal val="visible"/>
+                                      </p:to>
+                                    </p:set>
+                                    <p:animEffect transition="in" filter="fade">
+                                      <p:cBhvr>
+                                        <p:cTn id="7" dur="1000"/>
+                                        <p:tgtEl>
+                                          <p:spTgt spid="2"/>
+                                        </p:tgtEl>
+                                      </p:cBhvr>
+                                    </p:animEffect>
+                                  </p:childTnLst>
+                                </p:cTn>
+                              </p:par>
+                            </p:childTnLst>
+                          </p:cTn>
+                        </p:par>
+                      </p:childTnLst>
+                    </p:cTn>
+                  </p:par>
+                </p:childTnLst>
+              </p:cTn>
+              <p:prevCondLst>
+                <p:cond evt="onPrev" delay="0">
+                  <p:tgtEl>
+                    <p:sldTgt/>
+                  </p:tgtEl>
+                </p:cond>
+              </p:prevCondLst>
+              <p:nextCondLst>
+                <p:cond evt="onNext" delay="0">
+                  <p:tgtEl>
+                    <p:sldTgt/>
+                  </p:tgtEl>
+                </p:cond>
+              </p:nextCondLst>
+            </p:seq>
+          </p:childTnLst>
+        </p:cTn>
+      </p:par>
+    </p:tnLst>
+    <p:bldLst>
+      <p:bldP spid="2" grpId="0"/>
+    </p:bldLst>
+  </p:timing>
+</p:sld>
+</file>
+
+<file path=ppt/slides/slide6.xml><?xml version="1.0" encoding="utf-8"?>
+<p:sld xmlns:a="http://schemas.openxmlformats.org/drawingml/2006/main" xmlns:r="http://schemas.openxmlformats.org/officeDocument/2006/relationships" xmlns:p="http://schemas.openxmlformats.org/presentationml/2006/main">
+  <p:cSld>
+    <p:bg>
+      <p:bgPr>
+        <a:solidFill>
+          <a:schemeClr val="bg1"/>
+        </a:solidFill>
+        <a:effectLst/>
+      </p:bgPr>
+    </p:bg>
+    <p:spTree>
+      <p:nvGrpSpPr>
+        <p:cNvPr id="1" name="">
+          <a:extLst>
+            <a:ext uri="{FF2B5EF4-FFF2-40B4-BE49-F238E27FC236}">
+              <a16:creationId xmlns:a16="http://schemas.microsoft.com/office/drawing/2014/main" id="{B16BA018-F3C5-36D7-AD49-CB5B816795C9}"/>
+            </a:ext>
+          </a:extLst>
+        </p:cNvPr>
+        <p:cNvGrpSpPr/>
+        <p:nvPr/>
+      </p:nvGrpSpPr>
+      <p:grpSpPr>
+        <a:xfrm>
+          <a:off x="0" y="0"/>
+          <a:ext cx="0" cy="0"/>
+          <a:chOff x="0" y="0"/>
+          <a:chExt cx="0" cy="0"/>
+        </a:xfrm>
+      </p:grpSpPr>
+      <p:sp useBgFill="1">
+        <p:nvSpPr>
+          <p:cNvPr id="8" name="Rectangle 7">
+            <a:extLst>
+              <a:ext uri="{FF2B5EF4-FFF2-40B4-BE49-F238E27FC236}">
+                <a16:creationId xmlns:a16="http://schemas.microsoft.com/office/drawing/2014/main" id="{2EF545A7-852A-7931-9B35-2AE7EF97F394}"/>
+              </a:ext>
+              <a:ext uri="{C183D7F6-B498-43B3-948B-1728B52AA6E4}">
+                <adec:decorative xmlns:adec="http://schemas.microsoft.com/office/drawing/2017/decorative" val="1"/>
+              </a:ext>
+            </a:extLst>
+          </p:cNvPr>
+          <p:cNvSpPr>
+            <a:spLocks noGrp="1" noRot="1" noChangeAspect="1" noMove="1" noResize="1" noEditPoints="1" noAdjustHandles="1" noChangeArrowheads="1" noChangeShapeType="1" noTextEdit="1"/>
+          </p:cNvSpPr>
+          <p:nvPr>
+            <p:extLst>
+              <p:ext uri="{386F3935-93C4-4BCD-93E2-E3B085C9AB24}">
+                <p16:designElem xmlns:p16="http://schemas.microsoft.com/office/powerpoint/2015/main" val="1"/>
+              </p:ext>
+            </p:extLst>
+          </p:nvPr>
+        </p:nvSpPr>
+        <p:spPr>
+          <a:xfrm>
+            <a:off x="0" y="0"/>
+            <a:ext cx="12192000" cy="6858000"/>
+          </a:xfrm>
+          <a:prstGeom prst="rect">
+            <a:avLst/>
+          </a:prstGeom>
+          <a:ln>
+            <a:noFill/>
+          </a:ln>
+        </p:spPr>
+        <p:style>
+          <a:lnRef idx="2">
+            <a:schemeClr val="accent1">
+              <a:shade val="50000"/>
+            </a:schemeClr>
+          </a:lnRef>
+          <a:fillRef idx="1">
+            <a:schemeClr val="accent1"/>
+          </a:fillRef>
+          <a:effectRef idx="0">
+            <a:schemeClr val="accent1"/>
+          </a:effectRef>
+          <a:fontRef idx="minor">
+            <a:schemeClr val="lt1"/>
+          </a:fontRef>
+        </p:style>
+        <p:txBody>
+          <a:bodyPr rtlCol="0" anchor="ctr"/>
+          <a:lstStyle/>
+          <a:p>
+            <a:pPr algn="ctr"/>
+            <a:endParaRPr lang="en-US"/>
+          </a:p>
+        </p:txBody>
+      </p:sp>
+      <p:sp>
+        <p:nvSpPr>
+          <p:cNvPr id="10" name="Right Triangle 9">
+            <a:extLst>
+              <a:ext uri="{FF2B5EF4-FFF2-40B4-BE49-F238E27FC236}">
+                <a16:creationId xmlns:a16="http://schemas.microsoft.com/office/drawing/2014/main" id="{E7BD79A6-4552-F384-08A0-7D8948BA35EA}"/>
+              </a:ext>
+              <a:ext uri="{C183D7F6-B498-43B3-948B-1728B52AA6E4}">
+                <adec:decorative xmlns:adec="http://schemas.microsoft.com/office/drawing/2017/decorative" val="1"/>
+              </a:ext>
+            </a:extLst>
+          </p:cNvPr>
+          <p:cNvSpPr>
+            <a:spLocks noGrp="1" noRot="1" noChangeAspect="1" noMove="1" noResize="1" noEditPoints="1" noAdjustHandles="1" noChangeArrowheads="1" noChangeShapeType="1" noTextEdit="1"/>
+          </p:cNvSpPr>
+          <p:nvPr>
+            <p:extLst>
+              <p:ext uri="{386F3935-93C4-4BCD-93E2-E3B085C9AB24}">
+                <p16:designElem xmlns:p16="http://schemas.microsoft.com/office/powerpoint/2015/main" val="1"/>
+              </p:ext>
+            </p:extLst>
+          </p:nvPr>
+        </p:nvSpPr>
+        <p:spPr>
+          <a:xfrm flipH="1">
+            <a:off x="8576720" y="3335867"/>
+            <a:ext cx="3291840" cy="3200400"/>
+          </a:xfrm>
+          <a:prstGeom prst="rtTriangle">
+            <a:avLst/>
+          </a:prstGeom>
+          <a:solidFill>
+            <a:schemeClr val="accent4"/>
+          </a:solidFill>
+          <a:ln>
+            <a:noFill/>
+          </a:ln>
+        </p:spPr>
+        <p:style>
+          <a:lnRef idx="2">
+            <a:schemeClr val="accent1">
+              <a:shade val="50000"/>
+            </a:schemeClr>
+          </a:lnRef>
+          <a:fillRef idx="1">
+            <a:schemeClr val="accent1"/>
+          </a:fillRef>
+          <a:effectRef idx="0">
+            <a:schemeClr val="accent1"/>
+          </a:effectRef>
+          <a:fontRef idx="minor">
+            <a:schemeClr val="lt1"/>
+          </a:fontRef>
+        </p:style>
+        <p:txBody>
+          <a:bodyPr rtlCol="0" anchor="ctr"/>
+          <a:lstStyle/>
+          <a:p>
+            <a:pPr algn="ctr"/>
+            <a:endParaRPr lang="en-US" dirty="0"/>
+          </a:p>
+        </p:txBody>
+      </p:sp>
+      <p:sp>
+        <p:nvSpPr>
+          <p:cNvPr id="12" name="Rectangle 11">
+            <a:extLst>
+              <a:ext uri="{FF2B5EF4-FFF2-40B4-BE49-F238E27FC236}">
+                <a16:creationId xmlns:a16="http://schemas.microsoft.com/office/drawing/2014/main" id="{F177550E-9038-9AFA-3404-3F15AF600671}"/>
+              </a:ext>
+              <a:ext uri="{C183D7F6-B498-43B3-948B-1728B52AA6E4}">
+                <adec:decorative xmlns:adec="http://schemas.microsoft.com/office/drawing/2017/decorative" val="1"/>
+              </a:ext>
+            </a:extLst>
+          </p:cNvPr>
+          <p:cNvSpPr>
+            <a:spLocks noGrp="1" noRot="1" noChangeAspect="1" noMove="1" noResize="1" noEditPoints="1" noAdjustHandles="1" noChangeArrowheads="1" noChangeShapeType="1" noTextEdit="1"/>
+          </p:cNvSpPr>
+          <p:nvPr>
+            <p:extLst>
+              <p:ext uri="{386F3935-93C4-4BCD-93E2-E3B085C9AB24}">
+                <p16:designElem xmlns:p16="http://schemas.microsoft.com/office/powerpoint/2015/main" val="1"/>
+              </p:ext>
+            </p:extLst>
+          </p:nvPr>
+        </p:nvSpPr>
+        <p:spPr>
+          <a:xfrm>
+            <a:off x="641774" y="623275"/>
+            <a:ext cx="10905053" cy="5607882"/>
+          </a:xfrm>
+          <a:prstGeom prst="rect">
+            <a:avLst/>
+          </a:prstGeom>
+          <a:noFill/>
+          <a:ln w="19050">
+            <a:solidFill>
+              <a:schemeClr val="tx1">
+                <a:lumMod val="75000"/>
+                <a:lumOff val="25000"/>
+              </a:schemeClr>
+            </a:solidFill>
+          </a:ln>
+        </p:spPr>
+        <p:style>
+          <a:lnRef idx="2">
+            <a:schemeClr val="accent1">
+              <a:shade val="50000"/>
+            </a:schemeClr>
+          </a:lnRef>
+          <a:fillRef idx="1">
+            <a:schemeClr val="accent1"/>
+          </a:fillRef>
+          <a:effectRef idx="0">
+            <a:schemeClr val="accent1"/>
+          </a:effectRef>
+          <a:fontRef idx="minor">
+            <a:schemeClr val="lt1"/>
+          </a:fontRef>
+        </p:style>
+        <p:txBody>
+          <a:bodyPr rtlCol="0" anchor="ctr"/>
+          <a:lstStyle/>
+          <a:p>
+            <a:pPr algn="ctr"/>
+            <a:endParaRPr lang="en-US"/>
+          </a:p>
+        </p:txBody>
+      </p:sp>
+      <p:sp>
+        <p:nvSpPr>
+          <p:cNvPr id="2" name="Title 1">
+            <a:extLst>
+              <a:ext uri="{FF2B5EF4-FFF2-40B4-BE49-F238E27FC236}">
+                <a16:creationId xmlns:a16="http://schemas.microsoft.com/office/drawing/2014/main" id="{C124C017-1980-1973-DDCB-8E9858C84235}"/>
+              </a:ext>
+            </a:extLst>
+          </p:cNvPr>
+          <p:cNvSpPr>
+            <a:spLocks noGrp="1"/>
+          </p:cNvSpPr>
+          <p:nvPr>
+            <p:ph type="title"/>
+          </p:nvPr>
+        </p:nvSpPr>
+        <p:spPr>
+          <a:xfrm>
+            <a:off x="1285240" y="896057"/>
+            <a:ext cx="9552332" cy="861918"/>
+          </a:xfrm>
+        </p:spPr>
+        <p:txBody>
+          <a:bodyPr anchor="ctr">
+            <a:normAutofit/>
+          </a:bodyPr>
+          <a:lstStyle/>
+          <a:p>
+            <a:r>
+              <a:rPr lang="en-GB" sz="5000" dirty="0"/>
+              <a:t>Slash commands</a:t>
+            </a:r>
+          </a:p>
+        </p:txBody>
+      </p:sp>
+      <p:pic>
+        <p:nvPicPr>
+          <p:cNvPr id="6" name="Content Placeholder 5">
+            <a:extLst>
+              <a:ext uri="{FF2B5EF4-FFF2-40B4-BE49-F238E27FC236}">
+                <a16:creationId xmlns:a16="http://schemas.microsoft.com/office/drawing/2014/main" id="{9B690DD7-505A-7A84-83E5-491CD9CF28D7}"/>
+              </a:ext>
+            </a:extLst>
+          </p:cNvPr>
+          <p:cNvPicPr>
+            <a:picLocks noGrp="1" noChangeAspect="1"/>
+          </p:cNvPicPr>
+          <p:nvPr>
+            <p:ph idx="1"/>
+          </p:nvPr>
+        </p:nvPicPr>
+        <p:blipFill>
+          <a:blip r:embed="rId3"/>
+          <a:stretch>
+            <a:fillRect/>
+          </a:stretch>
+        </p:blipFill>
+        <p:spPr>
+          <a:xfrm>
+            <a:off x="1602457" y="2687214"/>
+            <a:ext cx="6475032" cy="3274729"/>
+          </a:xfrm>
+        </p:spPr>
+      </p:pic>
+      <p:sp>
+        <p:nvSpPr>
+          <p:cNvPr id="7" name="TextBox 6">
+            <a:extLst>
+              <a:ext uri="{FF2B5EF4-FFF2-40B4-BE49-F238E27FC236}">
+                <a16:creationId xmlns:a16="http://schemas.microsoft.com/office/drawing/2014/main" id="{E1F662C0-ACCE-96FA-3EF5-F1EB16E8C48E}"/>
+              </a:ext>
+            </a:extLst>
+          </p:cNvPr>
+          <p:cNvSpPr txBox="1"/>
+          <p:nvPr/>
+        </p:nvSpPr>
+        <p:spPr>
+          <a:xfrm>
+            <a:off x="972355" y="1841679"/>
+            <a:ext cx="5621628" cy="646331"/>
+          </a:xfrm>
+          <a:prstGeom prst="rect">
+            <a:avLst/>
+          </a:prstGeom>
+          <a:noFill/>
+        </p:spPr>
+        <p:txBody>
+          <a:bodyPr wrap="square" rtlCol="0">
+            <a:spAutoFit/>
+          </a:bodyPr>
+          <a:lstStyle/>
+          <a:p>
+            <a:pPr marL="285750" indent="-285750">
+              <a:buFont typeface="Arial" panose="020B0604020202020204" pitchFamily="34" charset="0"/>
+              <a:buChar char="•"/>
+            </a:pPr>
+            <a:r>
+              <a:rPr lang="en-GB" dirty="0">
+                <a:hlinkClick r:id="rId4"/>
+              </a:rPr>
+              <a:t>Slash commands (Microsoft)</a:t>
+            </a:r>
+            <a:endParaRPr lang="en-GB" dirty="0"/>
+          </a:p>
+          <a:p>
+            <a:pPr marL="285750" indent="-285750">
+              <a:buFont typeface="Arial" panose="020B0604020202020204" pitchFamily="34" charset="0"/>
+              <a:buChar char="•"/>
+            </a:pPr>
+            <a:r>
+              <a:rPr lang="en-GB" dirty="0"/>
+              <a:t>You can add your own ones</a:t>
+            </a:r>
+          </a:p>
+        </p:txBody>
+      </p:sp>
+    </p:spTree>
+    <p:extLst>
+      <p:ext uri="{BB962C8B-B14F-4D97-AF65-F5344CB8AC3E}">
+        <p14:creationId xmlns:p14="http://schemas.microsoft.com/office/powerpoint/2010/main" val="4217573439"/>
+      </p:ext>
+    </p:extLst>
+  </p:cSld>
+  <p:clrMapOvr>
+    <a:masterClrMapping/>
+  </p:clrMapOvr>
+  <p:timing>
+    <p:tnLst>
+      <p:par>
+        <p:cTn id="1" dur="indefinite" restart="never" nodeType="tmRoot">
+          <p:childTnLst>
+            <p:seq concurrent="1" nextAc="seek">
+              <p:cTn id="2" dur="indefinite" nodeType="mainSeq">
+                <p:childTnLst>
+                  <p:par>
+                    <p:cTn id="3" fill="hold">
+                      <p:stCondLst>
+                        <p:cond delay="indefinite"/>
+                        <p:cond evt="onBegin" delay="0">
+                          <p:tn val="2"/>
+                        </p:cond>
+                      </p:stCondLst>
+                      <p:childTnLst>
+                        <p:par>
+                          <p:cTn id="4" fill="hold">
+                            <p:stCondLst>
+                              <p:cond delay="0"/>
+                            </p:stCondLst>
+                            <p:childTnLst>
+                              <p:par>
+                                <p:cTn id="5" presetID="10" presetClass="entr" presetSubtype="0" fill="hold" grpId="0" nodeType="withEffect">
+                                  <p:stCondLst>
+                                    <p:cond delay="500"/>
+                                  </p:stCondLst>
+                                  <p:iterate type="wd">
+                                    <p:tmPct val="15000"/>
+                                  </p:iterate>
+                                  <p:childTnLst>
+                                    <p:set>
+                                      <p:cBhvr>
+                                        <p:cTn id="6" dur="1" fill="hold">
+                                          <p:stCondLst>
+                                            <p:cond delay="0"/>
+                                          </p:stCondLst>
+                                        </p:cTn>
+                                        <p:tgtEl>
+                                          <p:spTgt spid="2"/>
+                                        </p:tgtEl>
+                                        <p:attrNameLst>
+                                          <p:attrName>style.visibility</p:attrName>
+                                        </p:attrNameLst>
+                                      </p:cBhvr>
+                                      <p:to>
+                                        <p:strVal val="visible"/>
+                                      </p:to>
+                                    </p:set>
+                                    <p:animEffect transition="in" filter="fade">
+                                      <p:cBhvr>
+                                        <p:cTn id="7" dur="1000"/>
+                                        <p:tgtEl>
+                                          <p:spTgt spid="2"/>
+                                        </p:tgtEl>
+                                      </p:cBhvr>
+                                    </p:animEffect>
+                                  </p:childTnLst>
+                                </p:cTn>
+                              </p:par>
+                            </p:childTnLst>
+                          </p:cTn>
+                        </p:par>
+                      </p:childTnLst>
+                    </p:cTn>
+                  </p:par>
+                </p:childTnLst>
+              </p:cTn>
+              <p:prevCondLst>
+                <p:cond evt="onPrev" delay="0">
+                  <p:tgtEl>
+                    <p:sldTgt/>
+                  </p:tgtEl>
+                </p:cond>
+              </p:prevCondLst>
+              <p:nextCondLst>
+                <p:cond evt="onNext" delay="0">
+                  <p:tgtEl>
+                    <p:sldTgt/>
+                  </p:tgtEl>
+                </p:cond>
+              </p:nextCondLst>
+            </p:seq>
+          </p:childTnLst>
+        </p:cTn>
+      </p:par>
+    </p:tnLst>
+    <p:bldLst>
+      <p:bldP spid="2" grpId="0"/>
+    </p:bldLst>
+  </p:timing>
+</p:sld>
+</file>
+
+<file path=ppt/slides/slide7.xml><?xml version="1.0" encoding="utf-8"?>
+<p:sld xmlns:a="http://schemas.openxmlformats.org/drawingml/2006/main" xmlns:r="http://schemas.openxmlformats.org/officeDocument/2006/relationships" xmlns:p="http://schemas.openxmlformats.org/presentationml/2006/main">
+  <p:cSld>
+    <p:bg>
+      <p:bgPr>
+        <a:solidFill>
+          <a:schemeClr val="bg1"/>
+        </a:solidFill>
+        <a:effectLst/>
+      </p:bgPr>
+    </p:bg>
+    <p:spTree>
+      <p:nvGrpSpPr>
+        <p:cNvPr id="1" name="">
+          <a:extLst>
+            <a:ext uri="{FF2B5EF4-FFF2-40B4-BE49-F238E27FC236}">
+              <a16:creationId xmlns:a16="http://schemas.microsoft.com/office/drawing/2014/main" id="{CB7F19A6-978D-14AC-D20A-FDC071D5AD1B}"/>
+            </a:ext>
+          </a:extLst>
+        </p:cNvPr>
+        <p:cNvGrpSpPr/>
+        <p:nvPr/>
+      </p:nvGrpSpPr>
+      <p:grpSpPr>
+        <a:xfrm>
+          <a:off x="0" y="0"/>
+          <a:ext cx="0" cy="0"/>
+          <a:chOff x="0" y="0"/>
+          <a:chExt cx="0" cy="0"/>
+        </a:xfrm>
+      </p:grpSpPr>
+      <p:sp useBgFill="1">
+        <p:nvSpPr>
+          <p:cNvPr id="8" name="Rectangle 7">
+            <a:extLst>
+              <a:ext uri="{FF2B5EF4-FFF2-40B4-BE49-F238E27FC236}">
+                <a16:creationId xmlns:a16="http://schemas.microsoft.com/office/drawing/2014/main" id="{BC122D5D-D084-A821-6C3B-BA322CD078B1}"/>
+              </a:ext>
+              <a:ext uri="{C183D7F6-B498-43B3-948B-1728B52AA6E4}">
+                <adec:decorative xmlns:adec="http://schemas.microsoft.com/office/drawing/2017/decorative" val="1"/>
+              </a:ext>
+            </a:extLst>
+          </p:cNvPr>
+          <p:cNvSpPr>
+            <a:spLocks noGrp="1" noRot="1" noChangeAspect="1" noMove="1" noResize="1" noEditPoints="1" noAdjustHandles="1" noChangeArrowheads="1" noChangeShapeType="1" noTextEdit="1"/>
+          </p:cNvSpPr>
+          <p:nvPr>
+            <p:extLst>
+              <p:ext uri="{386F3935-93C4-4BCD-93E2-E3B085C9AB24}">
+                <p16:designElem xmlns:p16="http://schemas.microsoft.com/office/powerpoint/2015/main" val="1"/>
+              </p:ext>
+            </p:extLst>
+          </p:nvPr>
+        </p:nvSpPr>
+        <p:spPr>
+          <a:xfrm>
+            <a:off x="0" y="0"/>
+            <a:ext cx="12192000" cy="6858000"/>
+          </a:xfrm>
+          <a:prstGeom prst="rect">
+            <a:avLst/>
+          </a:prstGeom>
+          <a:ln>
+            <a:noFill/>
+          </a:ln>
+        </p:spPr>
+        <p:style>
+          <a:lnRef idx="2">
+            <a:schemeClr val="accent1">
+              <a:shade val="50000"/>
+            </a:schemeClr>
+          </a:lnRef>
+          <a:fillRef idx="1">
+            <a:schemeClr val="accent1"/>
+          </a:fillRef>
+          <a:effectRef idx="0">
+            <a:schemeClr val="accent1"/>
+          </a:effectRef>
+          <a:fontRef idx="minor">
+            <a:schemeClr val="lt1"/>
+          </a:fontRef>
+        </p:style>
+        <p:txBody>
+          <a:bodyPr rtlCol="0" anchor="ctr"/>
+          <a:lstStyle/>
+          <a:p>
+            <a:pPr algn="ctr"/>
+            <a:endParaRPr lang="en-US"/>
+          </a:p>
+        </p:txBody>
+      </p:sp>
+      <p:sp>
+        <p:nvSpPr>
+          <p:cNvPr id="10" name="Right Triangle 9">
+            <a:extLst>
+              <a:ext uri="{FF2B5EF4-FFF2-40B4-BE49-F238E27FC236}">
+                <a16:creationId xmlns:a16="http://schemas.microsoft.com/office/drawing/2014/main" id="{0EB15DD4-7175-AC8A-FF72-F5682D2EE518}"/>
+              </a:ext>
+              <a:ext uri="{C183D7F6-B498-43B3-948B-1728B52AA6E4}">
+                <adec:decorative xmlns:adec="http://schemas.microsoft.com/office/drawing/2017/decorative" val="1"/>
+              </a:ext>
+            </a:extLst>
+          </p:cNvPr>
+          <p:cNvSpPr>
+            <a:spLocks noGrp="1" noRot="1" noChangeAspect="1" noMove="1" noResize="1" noEditPoints="1" noAdjustHandles="1" noChangeArrowheads="1" noChangeShapeType="1" noTextEdit="1"/>
+          </p:cNvSpPr>
+          <p:nvPr>
+            <p:extLst>
+              <p:ext uri="{386F3935-93C4-4BCD-93E2-E3B085C9AB24}">
+                <p16:designElem xmlns:p16="http://schemas.microsoft.com/office/powerpoint/2015/main" val="1"/>
+              </p:ext>
+            </p:extLst>
+          </p:nvPr>
+        </p:nvSpPr>
+        <p:spPr>
+          <a:xfrm flipH="1">
+            <a:off x="8576720" y="3335867"/>
+            <a:ext cx="3291840" cy="3200400"/>
+          </a:xfrm>
+          <a:prstGeom prst="rtTriangle">
+            <a:avLst/>
+          </a:prstGeom>
+          <a:solidFill>
+            <a:schemeClr val="accent4"/>
+          </a:solidFill>
+          <a:ln>
+            <a:noFill/>
+          </a:ln>
+        </p:spPr>
+        <p:style>
+          <a:lnRef idx="2">
+            <a:schemeClr val="accent1">
+              <a:shade val="50000"/>
+            </a:schemeClr>
+          </a:lnRef>
+          <a:fillRef idx="1">
+            <a:schemeClr val="accent1"/>
+          </a:fillRef>
+          <a:effectRef idx="0">
+            <a:schemeClr val="accent1"/>
+          </a:effectRef>
+          <a:fontRef idx="minor">
+            <a:schemeClr val="lt1"/>
+          </a:fontRef>
+        </p:style>
+        <p:txBody>
+          <a:bodyPr rtlCol="0" anchor="ctr"/>
+          <a:lstStyle/>
+          <a:p>
+            <a:pPr algn="ctr"/>
+            <a:endParaRPr lang="en-US" dirty="0"/>
+          </a:p>
+        </p:txBody>
+      </p:sp>
+      <p:sp>
+        <p:nvSpPr>
+          <p:cNvPr id="12" name="Rectangle 11">
+            <a:extLst>
+              <a:ext uri="{FF2B5EF4-FFF2-40B4-BE49-F238E27FC236}">
+                <a16:creationId xmlns:a16="http://schemas.microsoft.com/office/drawing/2014/main" id="{B992263E-5AA5-7719-0889-F93BC8E4A978}"/>
+              </a:ext>
+              <a:ext uri="{C183D7F6-B498-43B3-948B-1728B52AA6E4}">
+                <adec:decorative xmlns:adec="http://schemas.microsoft.com/office/drawing/2017/decorative" val="1"/>
+              </a:ext>
+            </a:extLst>
+          </p:cNvPr>
+          <p:cNvSpPr>
+            <a:spLocks noGrp="1" noRot="1" noChangeAspect="1" noMove="1" noResize="1" noEditPoints="1" noAdjustHandles="1" noChangeArrowheads="1" noChangeShapeType="1" noTextEdit="1"/>
+          </p:cNvSpPr>
+          <p:nvPr>
+            <p:extLst>
+              <p:ext uri="{386F3935-93C4-4BCD-93E2-E3B085C9AB24}">
+                <p16:designElem xmlns:p16="http://schemas.microsoft.com/office/powerpoint/2015/main" val="1"/>
+              </p:ext>
+            </p:extLst>
+          </p:nvPr>
+        </p:nvSpPr>
+        <p:spPr>
+          <a:xfrm>
+            <a:off x="641774" y="623275"/>
+            <a:ext cx="10905053" cy="5607882"/>
+          </a:xfrm>
+          <a:prstGeom prst="rect">
+            <a:avLst/>
+          </a:prstGeom>
+          <a:noFill/>
+          <a:ln w="19050">
+            <a:solidFill>
+              <a:schemeClr val="tx1">
+                <a:lumMod val="75000"/>
+                <a:lumOff val="25000"/>
+              </a:schemeClr>
+            </a:solidFill>
+          </a:ln>
+        </p:spPr>
+        <p:style>
+          <a:lnRef idx="2">
+            <a:schemeClr val="accent1">
+              <a:shade val="50000"/>
+            </a:schemeClr>
+          </a:lnRef>
+          <a:fillRef idx="1">
+            <a:schemeClr val="accent1"/>
+          </a:fillRef>
+          <a:effectRef idx="0">
+            <a:schemeClr val="accent1"/>
+          </a:effectRef>
+          <a:fontRef idx="minor">
+            <a:schemeClr val="lt1"/>
+          </a:fontRef>
+        </p:style>
+        <p:txBody>
+          <a:bodyPr rtlCol="0" anchor="ctr"/>
+          <a:lstStyle/>
+          <a:p>
+            <a:pPr algn="ctr"/>
+            <a:endParaRPr lang="en-US"/>
+          </a:p>
+        </p:txBody>
+      </p:sp>
+      <p:sp>
+        <p:nvSpPr>
+          <p:cNvPr id="2" name="Title 1">
+            <a:extLst>
+              <a:ext uri="{FF2B5EF4-FFF2-40B4-BE49-F238E27FC236}">
+                <a16:creationId xmlns:a16="http://schemas.microsoft.com/office/drawing/2014/main" id="{8281AF80-AB3D-E6EA-700A-7FDC3BA21079}"/>
+              </a:ext>
+            </a:extLst>
+          </p:cNvPr>
+          <p:cNvSpPr>
+            <a:spLocks noGrp="1"/>
+          </p:cNvSpPr>
+          <p:nvPr>
+            <p:ph type="title"/>
+          </p:nvPr>
+        </p:nvSpPr>
+        <p:spPr>
+          <a:xfrm>
+            <a:off x="1285240" y="896057"/>
+            <a:ext cx="9552332" cy="861918"/>
+          </a:xfrm>
+        </p:spPr>
+        <p:txBody>
+          <a:bodyPr anchor="ctr">
+            <a:normAutofit/>
+          </a:bodyPr>
+          <a:lstStyle/>
+          <a:p>
+            <a:r>
+              <a:rPr lang="en-GB" sz="5000" dirty="0"/>
+              <a:t>Context</a:t>
+            </a:r>
+          </a:p>
+        </p:txBody>
+      </p:sp>
+      <p:sp>
+        <p:nvSpPr>
+          <p:cNvPr id="7" name="TextBox 6">
+            <a:extLst>
+              <a:ext uri="{FF2B5EF4-FFF2-40B4-BE49-F238E27FC236}">
+                <a16:creationId xmlns:a16="http://schemas.microsoft.com/office/drawing/2014/main" id="{F20C1D92-4DBB-F7D2-81D1-47CCFE6D81B4}"/>
+              </a:ext>
+            </a:extLst>
+          </p:cNvPr>
+          <p:cNvSpPr txBox="1"/>
+          <p:nvPr/>
+        </p:nvSpPr>
+        <p:spPr>
+          <a:xfrm>
+            <a:off x="963507" y="1573309"/>
+            <a:ext cx="5621628" cy="369332"/>
+          </a:xfrm>
+          <a:prstGeom prst="rect">
+            <a:avLst/>
+          </a:prstGeom>
+          <a:noFill/>
+        </p:spPr>
+        <p:txBody>
+          <a:bodyPr wrap="square" rtlCol="0">
+            <a:spAutoFit/>
+          </a:bodyPr>
+          <a:lstStyle/>
+          <a:p>
+            <a:pPr marL="285750" indent="-285750">
+              <a:buFont typeface="Arial" panose="020B0604020202020204" pitchFamily="34" charset="0"/>
+              <a:buChar char="•"/>
+            </a:pPr>
+            <a:r>
+              <a:rPr lang="en-GB" dirty="0">
+                <a:hlinkClick r:id="rId3"/>
+              </a:rPr>
+              <a:t>Add context to your prompt (</a:t>
+            </a:r>
+            <a:r>
+              <a:rPr lang="en-GB" dirty="0" err="1">
+                <a:hlinkClick r:id="rId3"/>
+              </a:rPr>
+              <a:t>VSCode</a:t>
+            </a:r>
+            <a:r>
+              <a:rPr lang="en-GB" dirty="0">
+                <a:hlinkClick r:id="rId3"/>
+              </a:rPr>
+              <a:t>)</a:t>
+            </a:r>
+            <a:endParaRPr lang="en-GB" dirty="0"/>
+          </a:p>
+        </p:txBody>
+      </p:sp>
+      <p:pic>
+        <p:nvPicPr>
+          <p:cNvPr id="9" name="Picture 8">
+            <a:extLst>
+              <a:ext uri="{FF2B5EF4-FFF2-40B4-BE49-F238E27FC236}">
+                <a16:creationId xmlns:a16="http://schemas.microsoft.com/office/drawing/2014/main" id="{9F054628-011E-7745-1391-7B4940A06D63}"/>
+              </a:ext>
+            </a:extLst>
+          </p:cNvPr>
+          <p:cNvPicPr>
+            <a:picLocks noChangeAspect="1"/>
+          </p:cNvPicPr>
+          <p:nvPr/>
+        </p:nvPicPr>
+        <p:blipFill>
+          <a:blip r:embed="rId4"/>
+          <a:stretch>
+            <a:fillRect/>
+          </a:stretch>
+        </p:blipFill>
+        <p:spPr>
+          <a:xfrm>
+            <a:off x="2230641" y="2030757"/>
+            <a:ext cx="5663294" cy="4473182"/>
+          </a:xfrm>
+          <a:prstGeom prst="rect">
+            <a:avLst/>
+          </a:prstGeom>
+        </p:spPr>
+      </p:pic>
+    </p:spTree>
+    <p:extLst>
+      <p:ext uri="{BB962C8B-B14F-4D97-AF65-F5344CB8AC3E}">
+        <p14:creationId xmlns:p14="http://schemas.microsoft.com/office/powerpoint/2010/main" val="417571514"/>
+      </p:ext>
+    </p:extLst>
+  </p:cSld>
+  <p:clrMapOvr>
+    <a:masterClrMapping/>
+  </p:clrMapOvr>
+  <p:timing>
+    <p:tnLst>
+      <p:par>
+        <p:cTn id="1" dur="indefinite" restart="never" nodeType="tmRoot">
+          <p:childTnLst>
+            <p:seq concurrent="1" nextAc="seek">
+              <p:cTn id="2" dur="indefinite" nodeType="mainSeq">
+                <p:childTnLst>
+                  <p:par>
+                    <p:cTn id="3" fill="hold">
+                      <p:stCondLst>
+                        <p:cond delay="indefinite"/>
+                        <p:cond evt="onBegin" delay="0">
+                          <p:tn val="2"/>
+                        </p:cond>
+                      </p:stCondLst>
+                      <p:childTnLst>
+                        <p:par>
+                          <p:cTn id="4" fill="hold">
+                            <p:stCondLst>
+                              <p:cond delay="0"/>
+                            </p:stCondLst>
+                            <p:childTnLst>
+                              <p:par>
+                                <p:cTn id="5" presetID="10" presetClass="entr" presetSubtype="0" fill="hold" grpId="0" nodeType="withEffect">
+                                  <p:stCondLst>
+                                    <p:cond delay="500"/>
+                                  </p:stCondLst>
+                                  <p:iterate type="wd">
+                                    <p:tmPct val="15000"/>
+                                  </p:iterate>
+                                  <p:childTnLst>
+                                    <p:set>
+                                      <p:cBhvr>
+                                        <p:cTn id="6" dur="1" fill="hold">
+                                          <p:stCondLst>
+                                            <p:cond delay="0"/>
+                                          </p:stCondLst>
+                                        </p:cTn>
+                                        <p:tgtEl>
+                                          <p:spTgt spid="2"/>
+                                        </p:tgtEl>
+                                        <p:attrNameLst>
+                                          <p:attrName>style.visibility</p:attrName>
+                                        </p:attrNameLst>
+                                      </p:cBhvr>
+                                      <p:to>
+                                        <p:strVal val="visible"/>
+                                      </p:to>
+                                    </p:set>
+                                    <p:animEffect transition="in" filter="fade">
+                                      <p:cBhvr>
+                                        <p:cTn id="7" dur="1000"/>
+                                        <p:tgtEl>
+                                          <p:spTgt spid="2"/>
+                                        </p:tgtEl>
+                                      </p:cBhvr>
+                                    </p:animEffect>
+                                  </p:childTnLst>
+                                </p:cTn>
+                              </p:par>
+                            </p:childTnLst>
+                          </p:cTn>
+                        </p:par>
+                      </p:childTnLst>
+                    </p:cTn>
+                  </p:par>
+                </p:childTnLst>
+              </p:cTn>
+              <p:prevCondLst>
+                <p:cond evt="onPrev" delay="0">
+                  <p:tgtEl>
+                    <p:sldTgt/>
+                  </p:tgtEl>
+                </p:cond>
+              </p:prevCondLst>
+              <p:nextCondLst>
+                <p:cond evt="onNext" delay="0">
+                  <p:tgtEl>
+                    <p:sldTgt/>
+                  </p:tgtEl>
+                </p:cond>
+              </p:nextCondLst>
+            </p:seq>
+          </p:childTnLst>
+        </p:cTn>
+      </p:par>
+    </p:tnLst>
+    <p:bldLst>
+      <p:bldP spid="2" grpId="0"/>
+    </p:bldLst>
+  </p:timing>
+</p:sld>
+</file>
+
+<file path=ppt/slides/slide8.xml><?xml version="1.0" encoding="utf-8"?>
+<p:sld xmlns:a="http://schemas.openxmlformats.org/drawingml/2006/main" xmlns:r="http://schemas.openxmlformats.org/officeDocument/2006/relationships" xmlns:p="http://schemas.openxmlformats.org/presentationml/2006/main">
+  <p:cSld>
+    <p:bg>
+      <p:bgPr>
+        <a:solidFill>
+          <a:schemeClr val="bg1"/>
+        </a:solidFill>
+        <a:effectLst/>
+      </p:bgPr>
+    </p:bg>
+    <p:spTree>
+      <p:nvGrpSpPr>
+        <p:cNvPr id="1" name="">
+          <a:extLst>
+            <a:ext uri="{FF2B5EF4-FFF2-40B4-BE49-F238E27FC236}">
+              <a16:creationId xmlns:a16="http://schemas.microsoft.com/office/drawing/2014/main" id="{3912D294-BE52-34F4-4083-DE419E65ED4E}"/>
+            </a:ext>
+          </a:extLst>
+        </p:cNvPr>
+        <p:cNvGrpSpPr/>
+        <p:nvPr/>
+      </p:nvGrpSpPr>
+      <p:grpSpPr>
+        <a:xfrm>
+          <a:off x="0" y="0"/>
+          <a:ext cx="0" cy="0"/>
+          <a:chOff x="0" y="0"/>
+          <a:chExt cx="0" cy="0"/>
+        </a:xfrm>
+      </p:grpSpPr>
+      <p:sp useBgFill="1">
+        <p:nvSpPr>
+          <p:cNvPr id="8" name="Rectangle 7">
+            <a:extLst>
+              <a:ext uri="{FF2B5EF4-FFF2-40B4-BE49-F238E27FC236}">
+                <a16:creationId xmlns:a16="http://schemas.microsoft.com/office/drawing/2014/main" id="{4301A27E-12C6-74C1-C16E-1D27450639FB}"/>
+              </a:ext>
+              <a:ext uri="{C183D7F6-B498-43B3-948B-1728B52AA6E4}">
+                <adec:decorative xmlns:adec="http://schemas.microsoft.com/office/drawing/2017/decorative" val="1"/>
+              </a:ext>
+            </a:extLst>
+          </p:cNvPr>
+          <p:cNvSpPr>
+            <a:spLocks noGrp="1" noRot="1" noChangeAspect="1" noMove="1" noResize="1" noEditPoints="1" noAdjustHandles="1" noChangeArrowheads="1" noChangeShapeType="1" noTextEdit="1"/>
+          </p:cNvSpPr>
+          <p:nvPr>
+            <p:extLst>
+              <p:ext uri="{386F3935-93C4-4BCD-93E2-E3B085C9AB24}">
+                <p16:designElem xmlns:p16="http://schemas.microsoft.com/office/powerpoint/2015/main" val="1"/>
+              </p:ext>
+            </p:extLst>
+          </p:nvPr>
+        </p:nvSpPr>
+        <p:spPr>
+          <a:xfrm>
+            <a:off x="0" y="0"/>
+            <a:ext cx="12192000" cy="6858000"/>
+          </a:xfrm>
+          <a:prstGeom prst="rect">
+            <a:avLst/>
+          </a:prstGeom>
+          <a:ln>
+            <a:noFill/>
+          </a:ln>
+        </p:spPr>
+        <p:style>
+          <a:lnRef idx="2">
+            <a:schemeClr val="accent1">
+              <a:shade val="50000"/>
+            </a:schemeClr>
+          </a:lnRef>
+          <a:fillRef idx="1">
+            <a:schemeClr val="accent1"/>
+          </a:fillRef>
+          <a:effectRef idx="0">
+            <a:schemeClr val="accent1"/>
+          </a:effectRef>
+          <a:fontRef idx="minor">
+            <a:schemeClr val="lt1"/>
+          </a:fontRef>
+        </p:style>
+        <p:txBody>
+          <a:bodyPr rtlCol="0" anchor="ctr"/>
+          <a:lstStyle/>
+          <a:p>
+            <a:pPr algn="ctr"/>
+            <a:endParaRPr lang="en-US"/>
+          </a:p>
+        </p:txBody>
+      </p:sp>
+      <p:sp>
+        <p:nvSpPr>
+          <p:cNvPr id="10" name="Right Triangle 9">
+            <a:extLst>
+              <a:ext uri="{FF2B5EF4-FFF2-40B4-BE49-F238E27FC236}">
+                <a16:creationId xmlns:a16="http://schemas.microsoft.com/office/drawing/2014/main" id="{17931768-4052-AE77-22EB-CEE4D7E8B8C1}"/>
+              </a:ext>
+              <a:ext uri="{C183D7F6-B498-43B3-948B-1728B52AA6E4}">
+                <adec:decorative xmlns:adec="http://schemas.microsoft.com/office/drawing/2017/decorative" val="1"/>
+              </a:ext>
+            </a:extLst>
+          </p:cNvPr>
+          <p:cNvSpPr>
+            <a:spLocks noGrp="1" noRot="1" noChangeAspect="1" noMove="1" noResize="1" noEditPoints="1" noAdjustHandles="1" noChangeArrowheads="1" noChangeShapeType="1" noTextEdit="1"/>
+          </p:cNvSpPr>
+          <p:nvPr>
+            <p:extLst>
+              <p:ext uri="{386F3935-93C4-4BCD-93E2-E3B085C9AB24}">
+                <p16:designElem xmlns:p16="http://schemas.microsoft.com/office/powerpoint/2015/main" val="1"/>
+              </p:ext>
+            </p:extLst>
+          </p:nvPr>
+        </p:nvSpPr>
+        <p:spPr>
+          <a:xfrm flipH="1">
+            <a:off x="8576720" y="3335867"/>
+            <a:ext cx="3291840" cy="3200400"/>
+          </a:xfrm>
+          <a:prstGeom prst="rtTriangle">
+            <a:avLst/>
+          </a:prstGeom>
+          <a:solidFill>
+            <a:schemeClr val="accent4"/>
+          </a:solidFill>
+          <a:ln>
+            <a:noFill/>
+          </a:ln>
+        </p:spPr>
+        <p:style>
+          <a:lnRef idx="2">
+            <a:schemeClr val="accent1">
+              <a:shade val="50000"/>
+            </a:schemeClr>
+          </a:lnRef>
+          <a:fillRef idx="1">
+            <a:schemeClr val="accent1"/>
+          </a:fillRef>
+          <a:effectRef idx="0">
+            <a:schemeClr val="accent1"/>
+          </a:effectRef>
+          <a:fontRef idx="minor">
+            <a:schemeClr val="lt1"/>
+          </a:fontRef>
+        </p:style>
+        <p:txBody>
+          <a:bodyPr rtlCol="0" anchor="ctr"/>
+          <a:lstStyle/>
+          <a:p>
+            <a:pPr algn="ctr"/>
+            <a:endParaRPr lang="en-US" dirty="0"/>
+          </a:p>
+        </p:txBody>
+      </p:sp>
+      <p:sp>
+        <p:nvSpPr>
+          <p:cNvPr id="12" name="Rectangle 11">
+            <a:extLst>
+              <a:ext uri="{FF2B5EF4-FFF2-40B4-BE49-F238E27FC236}">
+                <a16:creationId xmlns:a16="http://schemas.microsoft.com/office/drawing/2014/main" id="{914EE3B4-A8B8-200D-FFA7-6674C8A512C1}"/>
+              </a:ext>
+              <a:ext uri="{C183D7F6-B498-43B3-948B-1728B52AA6E4}">
+                <adec:decorative xmlns:adec="http://schemas.microsoft.com/office/drawing/2017/decorative" val="1"/>
+              </a:ext>
+            </a:extLst>
+          </p:cNvPr>
+          <p:cNvSpPr>
+            <a:spLocks noGrp="1" noRot="1" noChangeAspect="1" noMove="1" noResize="1" noEditPoints="1" noAdjustHandles="1" noChangeArrowheads="1" noChangeShapeType="1" noTextEdit="1"/>
+          </p:cNvSpPr>
+          <p:nvPr>
+            <p:extLst>
+              <p:ext uri="{386F3935-93C4-4BCD-93E2-E3B085C9AB24}">
+                <p16:designElem xmlns:p16="http://schemas.microsoft.com/office/powerpoint/2015/main" val="1"/>
+              </p:ext>
+            </p:extLst>
+          </p:nvPr>
+        </p:nvSpPr>
+        <p:spPr>
+          <a:xfrm>
+            <a:off x="641774" y="623275"/>
+            <a:ext cx="10905053" cy="5607882"/>
+          </a:xfrm>
+          <a:prstGeom prst="rect">
+            <a:avLst/>
+          </a:prstGeom>
+          <a:noFill/>
+          <a:ln w="19050">
+            <a:solidFill>
+              <a:schemeClr val="tx1">
+                <a:lumMod val="75000"/>
+                <a:lumOff val="25000"/>
+              </a:schemeClr>
+            </a:solidFill>
+          </a:ln>
+        </p:spPr>
+        <p:style>
+          <a:lnRef idx="2">
+            <a:schemeClr val="accent1">
+              <a:shade val="50000"/>
+            </a:schemeClr>
+          </a:lnRef>
+          <a:fillRef idx="1">
+            <a:schemeClr val="accent1"/>
+          </a:fillRef>
+          <a:effectRef idx="0">
+            <a:schemeClr val="accent1"/>
+          </a:effectRef>
+          <a:fontRef idx="minor">
+            <a:schemeClr val="lt1"/>
+          </a:fontRef>
+        </p:style>
+        <p:txBody>
+          <a:bodyPr rtlCol="0" anchor="ctr"/>
+          <a:lstStyle/>
+          <a:p>
+            <a:pPr algn="ctr"/>
+            <a:endParaRPr lang="en-US"/>
+          </a:p>
+        </p:txBody>
+      </p:sp>
+      <p:sp>
+        <p:nvSpPr>
+          <p:cNvPr id="2" name="Title 1">
+            <a:extLst>
+              <a:ext uri="{FF2B5EF4-FFF2-40B4-BE49-F238E27FC236}">
+                <a16:creationId xmlns:a16="http://schemas.microsoft.com/office/drawing/2014/main" id="{B78BB86C-8B08-637E-155A-8DDE61CF4866}"/>
+              </a:ext>
+            </a:extLst>
+          </p:cNvPr>
+          <p:cNvSpPr>
+            <a:spLocks noGrp="1"/>
+          </p:cNvSpPr>
+          <p:nvPr>
+            <p:ph type="title"/>
+          </p:nvPr>
+        </p:nvSpPr>
+        <p:spPr>
+          <a:xfrm>
+            <a:off x="1285240" y="896057"/>
+            <a:ext cx="9552332" cy="861918"/>
+          </a:xfrm>
+        </p:spPr>
+        <p:txBody>
+          <a:bodyPr anchor="ctr">
+            <a:normAutofit/>
+          </a:bodyPr>
+          <a:lstStyle/>
+          <a:p>
+            <a:r>
+              <a:rPr lang="en-GB" sz="5000" dirty="0"/>
+              <a:t>Custom instructions</a:t>
+            </a:r>
+          </a:p>
+        </p:txBody>
+      </p:sp>
+      <p:sp>
+        <p:nvSpPr>
+          <p:cNvPr id="7" name="TextBox 6">
+            <a:extLst>
+              <a:ext uri="{FF2B5EF4-FFF2-40B4-BE49-F238E27FC236}">
+                <a16:creationId xmlns:a16="http://schemas.microsoft.com/office/drawing/2014/main" id="{E60CE724-853E-C3D8-4A05-74ACB4A28F33}"/>
+              </a:ext>
+            </a:extLst>
+          </p:cNvPr>
+          <p:cNvSpPr txBox="1"/>
+          <p:nvPr/>
+        </p:nvSpPr>
+        <p:spPr>
+          <a:xfrm>
+            <a:off x="963507" y="1573309"/>
+            <a:ext cx="5621628" cy="646331"/>
+          </a:xfrm>
+          <a:prstGeom prst="rect">
+            <a:avLst/>
+          </a:prstGeom>
+          <a:noFill/>
+        </p:spPr>
+        <p:txBody>
+          <a:bodyPr wrap="square" rtlCol="0">
+            <a:spAutoFit/>
+          </a:bodyPr>
+          <a:lstStyle/>
+          <a:p>
+            <a:pPr marL="285750" indent="-285750">
+              <a:buFont typeface="Arial" panose="020B0604020202020204" pitchFamily="34" charset="0"/>
+              <a:buChar char="•"/>
+            </a:pPr>
+            <a:r>
+              <a:rPr lang="en-GB" dirty="0">
+                <a:hlinkClick r:id="rId3"/>
+              </a:rPr>
+              <a:t>Add custom instructions (GitHub)</a:t>
+            </a:r>
+            <a:endParaRPr lang="en-GB" dirty="0"/>
+          </a:p>
+          <a:p>
+            <a:pPr marL="285750" indent="-285750">
+              <a:buFont typeface="Arial" panose="020B0604020202020204" pitchFamily="34" charset="0"/>
+              <a:buChar char="•"/>
+            </a:pPr>
+            <a:r>
+              <a:rPr lang="en-GB" dirty="0">
+                <a:hlinkClick r:id="rId4"/>
+              </a:rPr>
+              <a:t>Mastering custom instructions (Medium)</a:t>
+            </a:r>
+            <a:endParaRPr lang="en-GB" dirty="0"/>
+          </a:p>
+        </p:txBody>
+      </p:sp>
+      <p:pic>
+        <p:nvPicPr>
+          <p:cNvPr id="4" name="Picture 3">
+            <a:extLst>
+              <a:ext uri="{FF2B5EF4-FFF2-40B4-BE49-F238E27FC236}">
+                <a16:creationId xmlns:a16="http://schemas.microsoft.com/office/drawing/2014/main" id="{35661CD5-2BF5-2848-5D4D-49B82B1D8310}"/>
+              </a:ext>
+            </a:extLst>
+          </p:cNvPr>
+          <p:cNvPicPr>
+            <a:picLocks noChangeAspect="1"/>
+          </p:cNvPicPr>
+          <p:nvPr/>
+        </p:nvPicPr>
+        <p:blipFill>
+          <a:blip r:embed="rId5"/>
+          <a:stretch>
+            <a:fillRect/>
+          </a:stretch>
+        </p:blipFill>
+        <p:spPr>
+          <a:xfrm>
+            <a:off x="1416662" y="2219640"/>
+            <a:ext cx="8556314" cy="4386982"/>
+          </a:xfrm>
+          <a:prstGeom prst="rect">
+            <a:avLst/>
+          </a:prstGeom>
+        </p:spPr>
+      </p:pic>
+    </p:spTree>
+    <p:extLst>
+      <p:ext uri="{BB962C8B-B14F-4D97-AF65-F5344CB8AC3E}">
+        <p14:creationId xmlns:p14="http://schemas.microsoft.com/office/powerpoint/2010/main" val="2856164503"/>
+      </p:ext>
+    </p:extLst>
+  </p:cSld>
+  <p:clrMapOvr>
+    <a:masterClrMapping/>
+  </p:clrMapOvr>
+  <p:timing>
+    <p:tnLst>
+      <p:par>
+        <p:cTn id="1" dur="indefinite" restart="never" nodeType="tmRoot">
+          <p:childTnLst>
+            <p:seq concurrent="1" nextAc="seek">
+              <p:cTn id="2" dur="indefinite" nodeType="mainSeq">
+                <p:childTnLst>
+                  <p:par>
+                    <p:cTn id="3" fill="hold">
+                      <p:stCondLst>
+                        <p:cond delay="indefinite"/>
+                        <p:cond evt="onBegin" delay="0">
+                          <p:tn val="2"/>
+                        </p:cond>
+                      </p:stCondLst>
+                      <p:childTnLst>
+                        <p:par>
+                          <p:cTn id="4" fill="hold">
+                            <p:stCondLst>
+                              <p:cond delay="0"/>
+                            </p:stCondLst>
+                            <p:childTnLst>
+                              <p:par>
+                                <p:cTn id="5" presetID="10" presetClass="entr" presetSubtype="0" fill="hold" grpId="0" nodeType="withEffect">
+                                  <p:stCondLst>
+                                    <p:cond delay="500"/>
+                                  </p:stCondLst>
+                                  <p:iterate type="wd">
+                                    <p:tmPct val="15000"/>
+                                  </p:iterate>
+                                  <p:childTnLst>
+                                    <p:set>
+                                      <p:cBhvr>
+                                        <p:cTn id="6" dur="1" fill="hold">
+                                          <p:stCondLst>
+                                            <p:cond delay="0"/>
+                                          </p:stCondLst>
+                                        </p:cTn>
+                                        <p:tgtEl>
+                                          <p:spTgt spid="2"/>
+                                        </p:tgtEl>
+                                        <p:attrNameLst>
+                                          <p:attrName>style.visibility</p:attrName>
+                                        </p:attrNameLst>
+                                      </p:cBhvr>
+                                      <p:to>
+                                        <p:strVal val="visible"/>
+                                      </p:to>
+                                    </p:set>
+                                    <p:animEffect transition="in" filter="fade">
+                                      <p:cBhvr>
+                                        <p:cTn id="7" dur="1000"/>
+                                        <p:tgtEl>
+                                          <p:spTgt spid="2"/>
+                                        </p:tgtEl>
+                                      </p:cBhvr>
+                                    </p:animEffect>
+                                  </p:childTnLst>
+                                </p:cTn>
+                              </p:par>
+                            </p:childTnLst>
+                          </p:cTn>
+                        </p:par>
+                      </p:childTnLst>
+                    </p:cTn>
+                  </p:par>
+                </p:childTnLst>
+              </p:cTn>
+              <p:prevCondLst>
+                <p:cond evt="onPrev" delay="0">
+                  <p:tgtEl>
+                    <p:sldTgt/>
+                  </p:tgtEl>
+                </p:cond>
+              </p:prevCondLst>
+              <p:nextCondLst>
+                <p:cond evt="onNext" delay="0">
+                  <p:tgtEl>
+                    <p:sldTgt/>
+                  </p:tgtEl>
+                </p:cond>
+              </p:nextCondLst>
+            </p:seq>
+          </p:childTnLst>
+        </p:cTn>
+      </p:par>
+    </p:tnLst>
+    <p:bldLst>
+      <p:bldP spid="2" grpId="0"/>
+    </p:bldLst>
+  </p:timing>
+</p:sld>
+</file>
+
+<file path=ppt/slides/slide9.xml><?xml version="1.0" encoding="utf-8"?>
+<p:sld xmlns:a="http://schemas.openxmlformats.org/drawingml/2006/main" xmlns:r="http://schemas.openxmlformats.org/officeDocument/2006/relationships" xmlns:p="http://schemas.openxmlformats.org/presentationml/2006/main">
+  <p:cSld>
+    <p:bg>
+      <p:bgPr>
+        <a:solidFill>
+          <a:schemeClr val="bg1"/>
+        </a:solidFill>
+        <a:effectLst/>
+      </p:bgPr>
+    </p:bg>
+    <p:spTree>
+      <p:nvGrpSpPr>
+        <p:cNvPr id="1" name="">
+          <a:extLst>
+            <a:ext uri="{FF2B5EF4-FFF2-40B4-BE49-F238E27FC236}">
+              <a16:creationId xmlns:a16="http://schemas.microsoft.com/office/drawing/2014/main" id="{F34F3A21-2666-FBD5-8BF0-631B53B1E228}"/>
+            </a:ext>
+          </a:extLst>
+        </p:cNvPr>
+        <p:cNvGrpSpPr/>
+        <p:nvPr/>
+      </p:nvGrpSpPr>
+      <p:grpSpPr>
+        <a:xfrm>
+          <a:off x="0" y="0"/>
+          <a:ext cx="0" cy="0"/>
+          <a:chOff x="0" y="0"/>
+          <a:chExt cx="0" cy="0"/>
+        </a:xfrm>
+      </p:grpSpPr>
+      <p:sp useBgFill="1">
+        <p:nvSpPr>
+          <p:cNvPr id="8" name="Rectangle 7">
+            <a:extLst>
+              <a:ext uri="{FF2B5EF4-FFF2-40B4-BE49-F238E27FC236}">
+                <a16:creationId xmlns:a16="http://schemas.microsoft.com/office/drawing/2014/main" id="{56AEE8EC-D667-1DB1-21F5-4465C224A9DC}"/>
+              </a:ext>
+              <a:ext uri="{C183D7F6-B498-43B3-948B-1728B52AA6E4}">
+                <adec:decorative xmlns:adec="http://schemas.microsoft.com/office/drawing/2017/decorative" val="1"/>
+              </a:ext>
+            </a:extLst>
+          </p:cNvPr>
+          <p:cNvSpPr>
+            <a:spLocks noGrp="1" noRot="1" noChangeAspect="1" noMove="1" noResize="1" noEditPoints="1" noAdjustHandles="1" noChangeArrowheads="1" noChangeShapeType="1" noTextEdit="1"/>
+          </p:cNvSpPr>
+          <p:nvPr>
+            <p:extLst>
+              <p:ext uri="{386F3935-93C4-4BCD-93E2-E3B085C9AB24}">
+                <p16:designElem xmlns:p16="http://schemas.microsoft.com/office/powerpoint/2015/main" val="1"/>
+              </p:ext>
+            </p:extLst>
+          </p:nvPr>
+        </p:nvSpPr>
+        <p:spPr>
+          <a:xfrm>
+            <a:off x="0" y="0"/>
+            <a:ext cx="12192000" cy="6858000"/>
+          </a:xfrm>
+          <a:prstGeom prst="rect">
+            <a:avLst/>
+          </a:prstGeom>
+          <a:ln>
+            <a:noFill/>
+          </a:ln>
+        </p:spPr>
+        <p:style>
+          <a:lnRef idx="2">
+            <a:schemeClr val="accent1">
+              <a:shade val="50000"/>
+            </a:schemeClr>
+          </a:lnRef>
+          <a:fillRef idx="1">
+            <a:schemeClr val="accent1"/>
+          </a:fillRef>
+          <a:effectRef idx="0">
+            <a:schemeClr val="accent1"/>
+          </a:effectRef>
+          <a:fontRef idx="minor">
+            <a:schemeClr val="lt1"/>
+          </a:fontRef>
+        </p:style>
+        <p:txBody>
+          <a:bodyPr rtlCol="0" anchor="ctr"/>
+          <a:lstStyle/>
+          <a:p>
+            <a:pPr algn="ctr"/>
+            <a:endParaRPr lang="en-US"/>
+          </a:p>
+        </p:txBody>
+      </p:sp>
+      <p:sp>
+        <p:nvSpPr>
+          <p:cNvPr id="10" name="Right Triangle 9">
+            <a:extLst>
+              <a:ext uri="{FF2B5EF4-FFF2-40B4-BE49-F238E27FC236}">
+                <a16:creationId xmlns:a16="http://schemas.microsoft.com/office/drawing/2014/main" id="{E5E840AA-4478-A9EA-5C14-094B94A0AD4A}"/>
+              </a:ext>
+              <a:ext uri="{C183D7F6-B498-43B3-948B-1728B52AA6E4}">
+                <adec:decorative xmlns:adec="http://schemas.microsoft.com/office/drawing/2017/decorative" val="1"/>
+              </a:ext>
+            </a:extLst>
+          </p:cNvPr>
+          <p:cNvSpPr>
+            <a:spLocks noGrp="1" noRot="1" noChangeAspect="1" noMove="1" noResize="1" noEditPoints="1" noAdjustHandles="1" noChangeArrowheads="1" noChangeShapeType="1" noTextEdit="1"/>
+          </p:cNvSpPr>
+          <p:nvPr>
+            <p:extLst>
+              <p:ext uri="{386F3935-93C4-4BCD-93E2-E3B085C9AB24}">
+                <p16:designElem xmlns:p16="http://schemas.microsoft.com/office/powerpoint/2015/main" val="1"/>
+              </p:ext>
+            </p:extLst>
+          </p:nvPr>
+        </p:nvSpPr>
+        <p:spPr>
+          <a:xfrm flipH="1">
+            <a:off x="8576720" y="3335867"/>
+            <a:ext cx="3291840" cy="3200400"/>
+          </a:xfrm>
+          <a:prstGeom prst="rtTriangle">
+            <a:avLst/>
+          </a:prstGeom>
+          <a:solidFill>
+            <a:schemeClr val="accent4"/>
+          </a:solidFill>
+          <a:ln>
+            <a:noFill/>
+          </a:ln>
+        </p:spPr>
+        <p:style>
+          <a:lnRef idx="2">
+            <a:schemeClr val="accent1">
+              <a:shade val="50000"/>
+            </a:schemeClr>
+          </a:lnRef>
+          <a:fillRef idx="1">
+            <a:schemeClr val="accent1"/>
+          </a:fillRef>
+          <a:effectRef idx="0">
+            <a:schemeClr val="accent1"/>
+          </a:effectRef>
+          <a:fontRef idx="minor">
+            <a:schemeClr val="lt1"/>
+          </a:fontRef>
+        </p:style>
+        <p:txBody>
+          <a:bodyPr rtlCol="0" anchor="ctr"/>
+          <a:lstStyle/>
+          <a:p>
+            <a:pPr algn="ctr"/>
+            <a:endParaRPr lang="en-US" dirty="0"/>
+          </a:p>
+        </p:txBody>
+      </p:sp>
+      <p:sp>
+        <p:nvSpPr>
+          <p:cNvPr id="12" name="Rectangle 11">
+            <a:extLst>
+              <a:ext uri="{FF2B5EF4-FFF2-40B4-BE49-F238E27FC236}">
+                <a16:creationId xmlns:a16="http://schemas.microsoft.com/office/drawing/2014/main" id="{8A633D59-64E1-AD48-4CE5-2574555CBE3D}"/>
+              </a:ext>
+              <a:ext uri="{C183D7F6-B498-43B3-948B-1728B52AA6E4}">
+                <adec:decorative xmlns:adec="http://schemas.microsoft.com/office/drawing/2017/decorative" val="1"/>
+              </a:ext>
+            </a:extLst>
+          </p:cNvPr>
+          <p:cNvSpPr>
+            <a:spLocks noGrp="1" noRot="1" noChangeAspect="1" noMove="1" noResize="1" noEditPoints="1" noAdjustHandles="1" noChangeArrowheads="1" noChangeShapeType="1" noTextEdit="1"/>
+          </p:cNvSpPr>
+          <p:nvPr>
+            <p:extLst>
+              <p:ext uri="{386F3935-93C4-4BCD-93E2-E3B085C9AB24}">
+                <p16:designElem xmlns:p16="http://schemas.microsoft.com/office/powerpoint/2015/main" val="1"/>
+              </p:ext>
+            </p:extLst>
+          </p:nvPr>
+        </p:nvSpPr>
+        <p:spPr>
+          <a:xfrm>
+            <a:off x="641774" y="623275"/>
+            <a:ext cx="10905053" cy="5607882"/>
+          </a:xfrm>
+          <a:prstGeom prst="rect">
+            <a:avLst/>
+          </a:prstGeom>
+          <a:noFill/>
+          <a:ln w="19050">
+            <a:solidFill>
+              <a:schemeClr val="tx1">
+                <a:lumMod val="75000"/>
+                <a:lumOff val="25000"/>
+              </a:schemeClr>
+            </a:solidFill>
+          </a:ln>
+        </p:spPr>
+        <p:style>
+          <a:lnRef idx="2">
+            <a:schemeClr val="accent1">
+              <a:shade val="50000"/>
+            </a:schemeClr>
+          </a:lnRef>
+          <a:fillRef idx="1">
+            <a:schemeClr val="accent1"/>
+          </a:fillRef>
+          <a:effectRef idx="0">
+            <a:schemeClr val="accent1"/>
+          </a:effectRef>
+          <a:fontRef idx="minor">
+            <a:schemeClr val="lt1"/>
+          </a:fontRef>
+        </p:style>
+        <p:txBody>
+          <a:bodyPr rtlCol="0" anchor="ctr"/>
+          <a:lstStyle/>
+          <a:p>
+            <a:pPr algn="ctr"/>
+            <a:endParaRPr lang="en-US"/>
+          </a:p>
+        </p:txBody>
+      </p:sp>
+      <p:sp>
+        <p:nvSpPr>
+          <p:cNvPr id="2" name="Title 1">
+            <a:extLst>
+              <a:ext uri="{FF2B5EF4-FFF2-40B4-BE49-F238E27FC236}">
+                <a16:creationId xmlns:a16="http://schemas.microsoft.com/office/drawing/2014/main" id="{414CB868-5D66-A5CE-1E80-68B5F9FB2291}"/>
+              </a:ext>
+            </a:extLst>
+          </p:cNvPr>
+          <p:cNvSpPr>
+            <a:spLocks noGrp="1"/>
+          </p:cNvSpPr>
+          <p:nvPr>
+            <p:ph type="title"/>
+          </p:nvPr>
+        </p:nvSpPr>
+        <p:spPr>
+          <a:xfrm>
+            <a:off x="1285240" y="1050596"/>
+            <a:ext cx="9552332" cy="861918"/>
+          </a:xfrm>
+        </p:spPr>
+        <p:txBody>
+          <a:bodyPr anchor="ctr">
+            <a:normAutofit/>
+          </a:bodyPr>
+          <a:lstStyle/>
+          <a:p>
+            <a:r>
+              <a:rPr lang="en-GB" sz="5400" dirty="0"/>
+              <a:t>Starter code</a:t>
+            </a:r>
+            <a:endParaRPr lang="en-GB" sz="5000" dirty="0"/>
+          </a:p>
+        </p:txBody>
+      </p:sp>
+      <p:sp>
+        <p:nvSpPr>
+          <p:cNvPr id="3" name="Content Placeholder 2">
+            <a:extLst>
+              <a:ext uri="{FF2B5EF4-FFF2-40B4-BE49-F238E27FC236}">
+                <a16:creationId xmlns:a16="http://schemas.microsoft.com/office/drawing/2014/main" id="{D355B525-C1C4-2B85-C52D-34D651B4B362}"/>
+              </a:ext>
+            </a:extLst>
+          </p:cNvPr>
+          <p:cNvSpPr>
+            <a:spLocks noGrp="1"/>
+          </p:cNvSpPr>
+          <p:nvPr>
+            <p:ph idx="1"/>
+          </p:nvPr>
+        </p:nvSpPr>
+        <p:spPr>
+          <a:xfrm>
+            <a:off x="1285240" y="2188397"/>
+            <a:ext cx="8074815" cy="3581468"/>
+          </a:xfrm>
+        </p:spPr>
+        <p:txBody>
+          <a:bodyPr anchor="t">
+            <a:normAutofit fontScale="92500" lnSpcReduction="20000"/>
+          </a:bodyPr>
+          <a:lstStyle/>
+          <a:p>
+            <a:r>
+              <a:rPr lang="en-GB" dirty="0"/>
+              <a:t>Java: </a:t>
+            </a:r>
+            <a:r>
+              <a:rPr lang="en-GB" dirty="0">
+                <a:hlinkClick r:id="rId2"/>
+              </a:rPr>
+              <a:t>https://github.com/blarojo/java-github-copilot</a:t>
+            </a:r>
+            <a:r>
+              <a:rPr lang="en-GB" dirty="0"/>
+              <a:t> </a:t>
+            </a:r>
+          </a:p>
+          <a:p>
+            <a:r>
+              <a:rPr lang="en-GB" dirty="0"/>
+              <a:t>Python: </a:t>
+            </a:r>
+            <a:r>
+              <a:rPr lang="en-GB" dirty="0">
+                <a:hlinkClick r:id="rId3"/>
+              </a:rPr>
+              <a:t>https://github.com/blarojo/python-github-copilot</a:t>
+            </a:r>
+            <a:r>
+              <a:rPr lang="en-GB" dirty="0"/>
+              <a:t> </a:t>
+            </a:r>
+          </a:p>
+          <a:p>
+            <a:endParaRPr lang="en-GB" dirty="0"/>
+          </a:p>
+          <a:p>
+            <a:r>
+              <a:rPr lang="en-GB" dirty="0"/>
+              <a:t>Exercise:</a:t>
+            </a:r>
+          </a:p>
+          <a:p>
+            <a:pPr lvl="1"/>
+            <a:r>
+              <a:rPr lang="en-GB" dirty="0"/>
+              <a:t>Clone / download code in your machine</a:t>
+            </a:r>
+          </a:p>
+          <a:p>
+            <a:pPr lvl="1"/>
+            <a:r>
+              <a:rPr lang="en-GB" dirty="0"/>
+              <a:t>Try inline recommendations, chat, edit mode, agent mode (?)</a:t>
+            </a:r>
+          </a:p>
+          <a:p>
+            <a:pPr lvl="1"/>
+            <a:r>
+              <a:rPr lang="en-GB" dirty="0"/>
+              <a:t>Add a new endpoint to the existing code using the GH copilot suggestions</a:t>
+            </a:r>
+          </a:p>
+          <a:p>
+            <a:endParaRPr lang="en-GB" dirty="0"/>
+          </a:p>
+          <a:p>
+            <a:endParaRPr lang="en-GB" dirty="0"/>
+          </a:p>
+          <a:p>
+            <a:endParaRPr lang="en-GB" dirty="0"/>
+          </a:p>
+        </p:txBody>
+      </p:sp>
+    </p:spTree>
+    <p:extLst>
+      <p:ext uri="{BB962C8B-B14F-4D97-AF65-F5344CB8AC3E}">
+        <p14:creationId xmlns:p14="http://schemas.microsoft.com/office/powerpoint/2010/main" val="1345716271"/>
       </p:ext>
     </p:extLst>
   </p:cSld>
